--- a/중간발표.pptx
+++ b/중간발표.pptx
@@ -5,15 +5,20 @@
     <p:sldMasterId id="2147483648" r:id="rId1"/>
   </p:sldMasterIdLst>
   <p:notesMasterIdLst>
-    <p:notesMasterId r:id="rId5"/>
+    <p:notesMasterId r:id="rId10"/>
   </p:notesMasterIdLst>
   <p:handoutMasterIdLst>
-    <p:handoutMasterId r:id="rId6"/>
+    <p:handoutMasterId r:id="rId11"/>
   </p:handoutMasterIdLst>
   <p:sldIdLst>
     <p:sldId id="256" r:id="rId2"/>
     <p:sldId id="272" r:id="rId3"/>
-    <p:sldId id="273" r:id="rId4"/>
+    <p:sldId id="274" r:id="rId4"/>
+    <p:sldId id="276" r:id="rId5"/>
+    <p:sldId id="275" r:id="rId6"/>
+    <p:sldId id="277" r:id="rId7"/>
+    <p:sldId id="278" r:id="rId8"/>
+    <p:sldId id="273" r:id="rId9"/>
   </p:sldIdLst>
   <p:sldSz cx="12192000" cy="6858000"/>
   <p:notesSz cx="6858000" cy="9144000"/>
@@ -150,7 +155,7 @@
           <p:cNvPr id="2" name="머리글 개체 틀 1">
             <a:extLst>
               <a:ext uri="{FF2B5EF4-FFF2-40B4-BE49-F238E27FC236}">
-                <a16:creationId xmlns="" xmlns:a16="http://schemas.microsoft.com/office/drawing/2014/main" id="{859E6C25-D68E-4A35-91F6-7C62EDF90977}"/>
+                <a16:creationId xmlns:a16="http://schemas.microsoft.com/office/drawing/2014/main" id="{859E6C25-D68E-4A35-91F6-7C62EDF90977}"/>
               </a:ext>
             </a:extLst>
           </p:cNvPr>
@@ -190,7 +195,7 @@
           <p:cNvPr id="3" name="날짜 개체 틀 2">
             <a:extLst>
               <a:ext uri="{FF2B5EF4-FFF2-40B4-BE49-F238E27FC236}">
-                <a16:creationId xmlns="" xmlns:a16="http://schemas.microsoft.com/office/drawing/2014/main" id="{AF361FB7-B22E-4909-BD7F-FC41808A5C1E}"/>
+                <a16:creationId xmlns:a16="http://schemas.microsoft.com/office/drawing/2014/main" id="{AF361FB7-B22E-4909-BD7F-FC41808A5C1E}"/>
               </a:ext>
             </a:extLst>
           </p:cNvPr>
@@ -223,7 +228,7 @@
                 <a:latin typeface="Times New Roman 일반체" charset="0"/>
                 <a:ea typeface="Times New Roman 일반체" charset="0"/>
               </a:rPr>
-              <a:t>2020. 11. 18.</a:t>
+              <a:t>2020-11-22</a:t>
             </a:fld>
             <a:endParaRPr lang="ko-KR" altLang="en-US">
               <a:latin typeface="Times New Roman 일반체" charset="0"/>
@@ -237,7 +242,7 @@
           <p:cNvPr id="4" name="바닥글 개체 틀 3">
             <a:extLst>
               <a:ext uri="{FF2B5EF4-FFF2-40B4-BE49-F238E27FC236}">
-                <a16:creationId xmlns="" xmlns:a16="http://schemas.microsoft.com/office/drawing/2014/main" id="{DBE5A3B3-CB31-4B0A-A547-DBA699DCE5FF}"/>
+                <a16:creationId xmlns:a16="http://schemas.microsoft.com/office/drawing/2014/main" id="{DBE5A3B3-CB31-4B0A-A547-DBA699DCE5FF}"/>
               </a:ext>
             </a:extLst>
           </p:cNvPr>
@@ -277,7 +282,7 @@
           <p:cNvPr id="5" name="슬라이드 번호 개체 틀 4">
             <a:extLst>
               <a:ext uri="{FF2B5EF4-FFF2-40B4-BE49-F238E27FC236}">
-                <a16:creationId xmlns="" xmlns:a16="http://schemas.microsoft.com/office/drawing/2014/main" id="{3984CA30-8B3A-4FD3-8B84-FE23A3AE058B}"/>
+                <a16:creationId xmlns:a16="http://schemas.microsoft.com/office/drawing/2014/main" id="{3984CA30-8B3A-4FD3-8B84-FE23A3AE058B}"/>
               </a:ext>
             </a:extLst>
           </p:cNvPr>
@@ -419,7 +424,7 @@
             <a:fld id="{EF705CE5-3B3A-5D4D-9C82-8343817A291A}" type="datetimeFigureOut">
               <a:rPr kumimoji="1" lang="ko-KR" altLang="en-US" smtClean="0"/>
               <a:pPr/>
-              <a:t>2020. 11. 18.</a:t>
+              <a:t>2020-11-22</a:t>
             </a:fld>
             <a:endParaRPr kumimoji="1" lang="ko-KR" altLang="en-US"/>
           </a:p>
@@ -738,38 +743,42 @@
           <a:lstStyle/>
           <a:p>
             <a:r>
-              <a:rPr kumimoji="1" lang="ko-KR" altLang="en-US" smtClean="0"/>
+              <a:rPr kumimoji="1" lang="ko-KR" altLang="en-US" dirty="0"/>
               <a:t>안녕하세요</a:t>
             </a:r>
             <a:r>
-              <a:rPr kumimoji="1" lang="en-US" altLang="ko-KR" smtClean="0"/>
+              <a:rPr kumimoji="1" lang="en-US" altLang="ko-KR" dirty="0"/>
               <a:t>!</a:t>
             </a:r>
             <a:r>
-              <a:rPr kumimoji="1" lang="ko-KR" altLang="en-US" smtClean="0"/>
-              <a:t> 이번 여름학기 인턴십을 진행한 김준하입니다</a:t>
-            </a:r>
-            <a:r>
-              <a:rPr kumimoji="1" lang="en-US" altLang="ko-KR" smtClean="0"/>
+              <a:rPr kumimoji="1" lang="ko-KR" altLang="en-US" dirty="0"/>
+              <a:t> 이번 여름학기 인턴십을 진행한 </a:t>
+            </a:r>
+            <a:r>
+              <a:rPr kumimoji="1" lang="ko-KR" altLang="en-US" dirty="0" err="1"/>
+              <a:t>김준하입니다</a:t>
+            </a:r>
+            <a:r>
+              <a:rPr kumimoji="1" lang="en-US" altLang="ko-KR" dirty="0"/>
               <a:t>.</a:t>
             </a:r>
             <a:r>
-              <a:rPr kumimoji="1" lang="ko-KR" altLang="en-US" smtClean="0"/>
+              <a:rPr kumimoji="1" lang="ko-KR" altLang="en-US" dirty="0"/>
               <a:t> 오늘 발표는 제가 </a:t>
             </a:r>
             <a:r>
-              <a:rPr kumimoji="1" lang="en-US" altLang="ko-KR" smtClean="0"/>
+              <a:rPr kumimoji="1" lang="en-US" altLang="ko-KR" dirty="0"/>
               <a:t>6</a:t>
             </a:r>
             <a:r>
-              <a:rPr kumimoji="1" lang="ko-KR" altLang="en-US" smtClean="0"/>
+              <a:rPr kumimoji="1" lang="ko-KR" altLang="en-US" dirty="0"/>
               <a:t>주 동안 연구실에서 공부하고 배운 내용을 알려드리려고 합니다</a:t>
             </a:r>
             <a:r>
-              <a:rPr kumimoji="1" lang="en-US" altLang="ko-KR" smtClean="0"/>
+              <a:rPr kumimoji="1" lang="en-US" altLang="ko-KR" dirty="0"/>
               <a:t>.</a:t>
             </a:r>
-            <a:endParaRPr kumimoji="1" lang="ko-KR" altLang="en-US"/>
+            <a:endParaRPr kumimoji="1" lang="ko-KR" altLang="en-US" dirty="0"/>
           </a:p>
         </p:txBody>
       </p:sp>
@@ -854,245 +863,6 @@
           <a:bodyPr/>
           <a:lstStyle/>
           <a:p>
-            <a:r>
-              <a:rPr kumimoji="1" lang="ko-KR" altLang="en-US" dirty="0" smtClean="0"/>
-              <a:t>이번 인턴십 기간 동안 전체적으로 어떤 것을 했는지 말씀드리겠습니다</a:t>
-            </a:r>
-            <a:r>
-              <a:rPr kumimoji="1" lang="en-US" altLang="ko-KR" dirty="0" smtClean="0"/>
-              <a:t>.</a:t>
-            </a:r>
-            <a:r>
-              <a:rPr kumimoji="1" lang="ko-KR" altLang="en-US" dirty="0" smtClean="0"/>
-              <a:t> </a:t>
-            </a:r>
-            <a:endParaRPr kumimoji="1" lang="en-US" altLang="ko-KR" dirty="0" smtClean="0"/>
-          </a:p>
-          <a:p>
-            <a:r>
-              <a:rPr kumimoji="1" lang="en-US" altLang="ko-KR" dirty="0" smtClean="0"/>
-              <a:t>1</a:t>
-            </a:r>
-            <a:r>
-              <a:rPr kumimoji="1" lang="ko-KR" altLang="en-US" dirty="0" smtClean="0"/>
-              <a:t>주차에는 </a:t>
-            </a:r>
-            <a:r>
-              <a:rPr kumimoji="1" lang="en-US" altLang="ko-KR" dirty="0" smtClean="0"/>
-              <a:t>M.</a:t>
-            </a:r>
-            <a:r>
-              <a:rPr kumimoji="1" lang="en-US" altLang="ko-KR" baseline="0" dirty="0" smtClean="0"/>
-              <a:t> Conte</a:t>
-            </a:r>
-            <a:r>
-              <a:rPr kumimoji="1" lang="ko-KR" altLang="en-US" baseline="0" dirty="0" smtClean="0"/>
-              <a:t>책과 가속기 학교 자료들을 공부하였습니다</a:t>
-            </a:r>
-            <a:r>
-              <a:rPr kumimoji="1" lang="en-US" altLang="ko-KR" baseline="0" dirty="0" smtClean="0"/>
-              <a:t>.</a:t>
-            </a:r>
-            <a:r>
-              <a:rPr kumimoji="1" lang="ko-KR" altLang="en-US" baseline="0" dirty="0" smtClean="0"/>
-              <a:t> </a:t>
-            </a:r>
-            <a:r>
-              <a:rPr kumimoji="1" lang="en-US" altLang="ko-KR" baseline="0" dirty="0" smtClean="0"/>
-              <a:t>2</a:t>
-            </a:r>
-            <a:r>
-              <a:rPr kumimoji="1" lang="ko-KR" altLang="en-US" baseline="0" dirty="0" smtClean="0"/>
-              <a:t>주차에는 </a:t>
-            </a:r>
-            <a:r>
-              <a:rPr kumimoji="1" lang="en-US" altLang="ko-KR" baseline="0" dirty="0" smtClean="0"/>
-              <a:t>Elegant</a:t>
-            </a:r>
-            <a:r>
-              <a:rPr kumimoji="1" lang="ko-KR" altLang="en-US" baseline="0" dirty="0" smtClean="0"/>
-              <a:t> 구성이 어떻게 되었는지 살펴보고 김성열 선배님께서 만든 예시 빔라인을 가지고 </a:t>
-            </a:r>
-            <a:r>
-              <a:rPr kumimoji="1" lang="en-US" altLang="ko-KR" baseline="0" dirty="0" smtClean="0"/>
-              <a:t>electron beam tracking</a:t>
-            </a:r>
-            <a:r>
-              <a:rPr kumimoji="1" lang="ko-KR" altLang="en-US" baseline="0" dirty="0" smtClean="0"/>
-              <a:t>을 해보았습니다</a:t>
-            </a:r>
-            <a:r>
-              <a:rPr kumimoji="1" lang="en-US" altLang="ko-KR" baseline="0" dirty="0" smtClean="0"/>
-              <a:t>.</a:t>
-            </a:r>
-            <a:r>
-              <a:rPr kumimoji="1" lang="ko-KR" altLang="en-US" baseline="0" dirty="0" smtClean="0"/>
-              <a:t> </a:t>
-            </a:r>
-            <a:r>
-              <a:rPr kumimoji="1" lang="en-US" altLang="ko-KR" baseline="0" dirty="0" smtClean="0"/>
-              <a:t>3</a:t>
-            </a:r>
-            <a:r>
-              <a:rPr kumimoji="1" lang="ko-KR" altLang="en-US" baseline="0" dirty="0" smtClean="0"/>
-              <a:t>주차에는 </a:t>
-            </a:r>
-            <a:r>
-              <a:rPr kumimoji="1" lang="en-US" altLang="ko-KR" baseline="0" dirty="0" smtClean="0"/>
-              <a:t>elegant</a:t>
-            </a:r>
-            <a:r>
-              <a:rPr kumimoji="1" lang="ko-KR" altLang="en-US" baseline="0" dirty="0" smtClean="0"/>
-              <a:t>에서 </a:t>
-            </a:r>
-            <a:r>
-              <a:rPr kumimoji="1" lang="en-US" altLang="ko-KR" baseline="0" dirty="0" smtClean="0"/>
-              <a:t>Tracking</a:t>
-            </a:r>
-            <a:r>
-              <a:rPr kumimoji="1" lang="ko-KR" altLang="en-US" baseline="0" dirty="0" smtClean="0"/>
-              <a:t>한 데이터를 이용하여 파이썬으로 그래프를 그리는 연습을 하였습니다</a:t>
-            </a:r>
-            <a:r>
-              <a:rPr kumimoji="1" lang="en-US" altLang="ko-KR" baseline="0" dirty="0" smtClean="0"/>
-              <a:t>.</a:t>
-            </a:r>
-            <a:r>
-              <a:rPr kumimoji="1" lang="ko-KR" altLang="en-US" baseline="0" dirty="0" smtClean="0"/>
-              <a:t> </a:t>
-            </a:r>
-            <a:r>
-              <a:rPr kumimoji="1" lang="en-US" altLang="ko-KR" baseline="0" dirty="0" smtClean="0"/>
-              <a:t>electron beam</a:t>
-            </a:r>
-            <a:r>
-              <a:rPr kumimoji="1" lang="ko-KR" altLang="en-US" baseline="0" dirty="0" smtClean="0"/>
-              <a:t>이 처음 입사된 후부터 빔라인 끝까지 가는동안 어떻게 </a:t>
-            </a:r>
-            <a:r>
-              <a:rPr kumimoji="1" lang="en-US" altLang="ko-KR" baseline="0" dirty="0" smtClean="0"/>
-              <a:t>Twiss</a:t>
-            </a:r>
-            <a:r>
-              <a:rPr kumimoji="1" lang="ko-KR" altLang="en-US" baseline="0" dirty="0" smtClean="0"/>
-              <a:t> </a:t>
-            </a:r>
-            <a:r>
-              <a:rPr kumimoji="1" lang="en-US" altLang="ko-KR" baseline="0" dirty="0" smtClean="0"/>
-              <a:t>parameter</a:t>
-            </a:r>
-            <a:r>
-              <a:rPr kumimoji="1" lang="ko-KR" altLang="en-US" baseline="0" dirty="0" smtClean="0"/>
-              <a:t>가 변하고 </a:t>
-            </a:r>
-            <a:r>
-              <a:rPr kumimoji="1" lang="en-US" altLang="ko-KR" baseline="0" dirty="0" smtClean="0"/>
-              <a:t>dispersion</a:t>
-            </a:r>
-            <a:r>
-              <a:rPr kumimoji="1" lang="ko-KR" altLang="en-US" baseline="0" dirty="0" smtClean="0"/>
-              <a:t>이 변하는지 확인하였습니다</a:t>
-            </a:r>
-            <a:r>
-              <a:rPr kumimoji="1" lang="en-US" altLang="ko-KR" baseline="0" dirty="0" smtClean="0"/>
-              <a:t>.</a:t>
-            </a:r>
-            <a:r>
-              <a:rPr kumimoji="1" lang="ko-KR" altLang="en-US" baseline="0" dirty="0" smtClean="0"/>
-              <a:t> </a:t>
-            </a:r>
-            <a:r>
-              <a:rPr kumimoji="1" lang="en-US" altLang="ko-KR" baseline="0" dirty="0" smtClean="0"/>
-              <a:t>4</a:t>
-            </a:r>
-            <a:r>
-              <a:rPr kumimoji="1" lang="ko-KR" altLang="en-US" baseline="0" dirty="0" smtClean="0"/>
-              <a:t>주차에도 파이썬을 이용하여 예시 빔라인에서의 </a:t>
-            </a:r>
-            <a:r>
-              <a:rPr kumimoji="1" lang="en-US" altLang="ko-KR" baseline="0" dirty="0" smtClean="0"/>
-              <a:t>Beam distribution</a:t>
-            </a:r>
-            <a:r>
-              <a:rPr kumimoji="1" lang="ko-KR" altLang="en-US" baseline="0" dirty="0" smtClean="0"/>
-              <a:t>과 왜 중간에 </a:t>
-            </a:r>
-            <a:r>
-              <a:rPr kumimoji="1" lang="en-US" altLang="ko-KR" baseline="0" dirty="0" smtClean="0"/>
-              <a:t>Emittance growth</a:t>
-            </a:r>
-            <a:r>
-              <a:rPr kumimoji="1" lang="ko-KR" altLang="en-US" baseline="0" dirty="0" smtClean="0"/>
-              <a:t>가 일어나는지 살펴 보았습니다</a:t>
-            </a:r>
-            <a:r>
-              <a:rPr kumimoji="1" lang="en-US" altLang="ko-KR" baseline="0" dirty="0" smtClean="0"/>
-              <a:t>.</a:t>
-            </a:r>
-            <a:r>
-              <a:rPr kumimoji="1" lang="ko-KR" altLang="en-US" baseline="0" dirty="0" smtClean="0"/>
-              <a:t> </a:t>
-            </a:r>
-            <a:r>
-              <a:rPr kumimoji="1" lang="en-US" altLang="ko-KR" baseline="0" dirty="0" smtClean="0"/>
-              <a:t>5</a:t>
-            </a:r>
-            <a:r>
-              <a:rPr kumimoji="1" lang="ko-KR" altLang="en-US" baseline="0" dirty="0" smtClean="0"/>
-              <a:t>주차에는 대략적인 </a:t>
-            </a:r>
-            <a:r>
-              <a:rPr kumimoji="1" lang="en-US" altLang="ko-KR" baseline="0" dirty="0" smtClean="0"/>
-              <a:t>PWFA</a:t>
-            </a:r>
-            <a:r>
-              <a:rPr kumimoji="1" lang="ko-KR" altLang="en-US" baseline="0" dirty="0" smtClean="0"/>
-              <a:t> 공부와 </a:t>
-            </a:r>
-            <a:r>
-              <a:rPr kumimoji="1" lang="en-US" altLang="ko-KR" baseline="0" dirty="0" smtClean="0"/>
-              <a:t>MAD-X</a:t>
-            </a:r>
-            <a:r>
-              <a:rPr kumimoji="1" lang="ko-KR" altLang="en-US" baseline="0" dirty="0" smtClean="0"/>
-              <a:t> 프로그램을 이용하여 </a:t>
-            </a:r>
-            <a:r>
-              <a:rPr kumimoji="1" lang="en-US" altLang="ko-KR" baseline="0" dirty="0" smtClean="0"/>
-              <a:t>PLS1,PLS2</a:t>
-            </a:r>
-            <a:r>
-              <a:rPr kumimoji="1" lang="ko-KR" altLang="en-US" baseline="0" dirty="0" smtClean="0"/>
-              <a:t>의 구조를 보았고 다시 </a:t>
-            </a:r>
-            <a:r>
-              <a:rPr kumimoji="1" lang="en-US" altLang="ko-KR" baseline="0" dirty="0" smtClean="0"/>
-              <a:t>elegant</a:t>
-            </a:r>
-            <a:r>
-              <a:rPr kumimoji="1" lang="ko-KR" altLang="en-US" baseline="0" dirty="0" smtClean="0"/>
-              <a:t>를 이용하여 </a:t>
-            </a:r>
-            <a:r>
-              <a:rPr kumimoji="1" lang="en-US" altLang="ko-KR" baseline="0" dirty="0" smtClean="0"/>
-              <a:t>PLS2</a:t>
-            </a:r>
-            <a:r>
-              <a:rPr kumimoji="1" lang="ko-KR" altLang="en-US" baseline="0" dirty="0" smtClean="0"/>
-              <a:t>에서의 전자빔을 </a:t>
-            </a:r>
-            <a:r>
-              <a:rPr kumimoji="1" lang="en-US" altLang="ko-KR" baseline="0" dirty="0" smtClean="0"/>
-              <a:t>Tracking </a:t>
-            </a:r>
-            <a:r>
-              <a:rPr kumimoji="1" lang="ko-KR" altLang="en-US" baseline="0" dirty="0" smtClean="0"/>
-              <a:t>해보았습니다</a:t>
-            </a:r>
-            <a:r>
-              <a:rPr kumimoji="1" lang="en-US" altLang="ko-KR" baseline="0" dirty="0" smtClean="0"/>
-              <a:t>.</a:t>
-            </a:r>
             <a:endParaRPr kumimoji="1" lang="ko-KR" altLang="en-US" dirty="0"/>
           </a:p>
         </p:txBody>
@@ -1178,39 +948,7 @@
           <a:bodyPr/>
           <a:lstStyle/>
           <a:p>
-            <a:r>
-              <a:rPr kumimoji="1" lang="ko-KR" altLang="en-US" smtClean="0"/>
-              <a:t>안녕하세요</a:t>
-            </a:r>
-            <a:r>
-              <a:rPr kumimoji="1" lang="en-US" altLang="ko-KR" smtClean="0"/>
-              <a:t>!</a:t>
-            </a:r>
-            <a:r>
-              <a:rPr kumimoji="1" lang="ko-KR" altLang="en-US" smtClean="0"/>
-              <a:t> 이번 여름학기 인턴십을 진행한 김준하입니다</a:t>
-            </a:r>
-            <a:r>
-              <a:rPr kumimoji="1" lang="en-US" altLang="ko-KR" smtClean="0"/>
-              <a:t>.</a:t>
-            </a:r>
-            <a:r>
-              <a:rPr kumimoji="1" lang="ko-KR" altLang="en-US" smtClean="0"/>
-              <a:t> 오늘 발표는 제가 </a:t>
-            </a:r>
-            <a:r>
-              <a:rPr kumimoji="1" lang="en-US" altLang="ko-KR" smtClean="0"/>
-              <a:t>6</a:t>
-            </a:r>
-            <a:r>
-              <a:rPr kumimoji="1" lang="ko-KR" altLang="en-US" smtClean="0"/>
-              <a:t>주 동안 연구실에서 공부하고 배운 내용을 알려드리려고 합니다</a:t>
-            </a:r>
-            <a:r>
-              <a:rPr kumimoji="1" lang="en-US" altLang="ko-KR" smtClean="0"/>
-              <a:t>.</a:t>
-            </a:r>
-            <a:endParaRPr kumimoji="1" lang="ko-KR" altLang="en-US"/>
+            <a:endParaRPr kumimoji="1" lang="ko-KR" altLang="en-US" dirty="0"/>
           </a:p>
         </p:txBody>
       </p:sp>
@@ -1233,6 +971,293 @@
               <a:rPr kumimoji="1" lang="ko-KR" altLang="en-US" smtClean="0"/>
               <a:pPr/>
               <a:t>3</a:t>
+            </a:fld>
+            <a:endParaRPr kumimoji="1" lang="ko-KR" altLang="en-US"/>
+          </a:p>
+        </p:txBody>
+      </p:sp>
+    </p:spTree>
+    <p:extLst>
+      <p:ext uri="{BB962C8B-B14F-4D97-AF65-F5344CB8AC3E}">
+        <p14:creationId xmlns:p14="http://schemas.microsoft.com/office/powerpoint/2010/main" val="3544608650"/>
+      </p:ext>
+    </p:extLst>
+  </p:cSld>
+  <p:clrMapOvr>
+    <a:masterClrMapping/>
+  </p:clrMapOvr>
+</p:notes>
+</file>
+
+<file path=ppt/notesSlides/notesSlide4.xml><?xml version="1.0" encoding="utf-8"?>
+<p:notes xmlns:a="http://schemas.openxmlformats.org/drawingml/2006/main" xmlns:r="http://schemas.openxmlformats.org/officeDocument/2006/relationships" xmlns:p="http://schemas.openxmlformats.org/presentationml/2006/main">
+  <p:cSld>
+    <p:spTree>
+      <p:nvGrpSpPr>
+        <p:cNvPr id="1" name=""/>
+        <p:cNvGrpSpPr/>
+        <p:nvPr/>
+      </p:nvGrpSpPr>
+      <p:grpSpPr>
+        <a:xfrm>
+          <a:off x="0" y="0"/>
+          <a:ext cx="0" cy="0"/>
+          <a:chOff x="0" y="0"/>
+          <a:chExt cx="0" cy="0"/>
+        </a:xfrm>
+      </p:grpSpPr>
+      <p:sp>
+        <p:nvSpPr>
+          <p:cNvPr id="2" name="슬라이드 이미지 개체 틀 1"/>
+          <p:cNvSpPr>
+            <a:spLocks noGrp="1" noRot="1" noChangeAspect="1"/>
+          </p:cNvSpPr>
+          <p:nvPr>
+            <p:ph type="sldImg"/>
+          </p:nvPr>
+        </p:nvSpPr>
+        <p:spPr/>
+      </p:sp>
+      <p:sp>
+        <p:nvSpPr>
+          <p:cNvPr id="3" name="슬라이드 노트 개체 틀 2"/>
+          <p:cNvSpPr>
+            <a:spLocks noGrp="1"/>
+          </p:cNvSpPr>
+          <p:nvPr>
+            <p:ph type="body" idx="1"/>
+          </p:nvPr>
+        </p:nvSpPr>
+        <p:spPr/>
+        <p:txBody>
+          <a:bodyPr/>
+          <a:lstStyle/>
+          <a:p>
+            <a:endParaRPr kumimoji="1" lang="ko-KR" altLang="en-US" dirty="0"/>
+          </a:p>
+        </p:txBody>
+      </p:sp>
+      <p:sp>
+        <p:nvSpPr>
+          <p:cNvPr id="4" name="슬라이드 번호 개체 틀 3"/>
+          <p:cNvSpPr>
+            <a:spLocks noGrp="1"/>
+          </p:cNvSpPr>
+          <p:nvPr>
+            <p:ph type="sldNum" sz="quarter" idx="10"/>
+          </p:nvPr>
+        </p:nvSpPr>
+        <p:spPr/>
+        <p:txBody>
+          <a:bodyPr/>
+          <a:lstStyle/>
+          <a:p>
+            <a:fld id="{03265E94-CD27-3F4F-9A04-309C5AC97DCE}" type="slidenum">
+              <a:rPr kumimoji="1" lang="ko-KR" altLang="en-US" smtClean="0"/>
+              <a:pPr/>
+              <a:t>4</a:t>
+            </a:fld>
+            <a:endParaRPr kumimoji="1" lang="ko-KR" altLang="en-US"/>
+          </a:p>
+        </p:txBody>
+      </p:sp>
+    </p:spTree>
+    <p:extLst>
+      <p:ext uri="{BB962C8B-B14F-4D97-AF65-F5344CB8AC3E}">
+        <p14:creationId xmlns:p14="http://schemas.microsoft.com/office/powerpoint/2010/main" val="2613329312"/>
+      </p:ext>
+    </p:extLst>
+  </p:cSld>
+  <p:clrMapOvr>
+    <a:masterClrMapping/>
+  </p:clrMapOvr>
+</p:notes>
+</file>
+
+<file path=ppt/notesSlides/notesSlide5.xml><?xml version="1.0" encoding="utf-8"?>
+<p:notes xmlns:a="http://schemas.openxmlformats.org/drawingml/2006/main" xmlns:r="http://schemas.openxmlformats.org/officeDocument/2006/relationships" xmlns:p="http://schemas.openxmlformats.org/presentationml/2006/main">
+  <p:cSld>
+    <p:spTree>
+      <p:nvGrpSpPr>
+        <p:cNvPr id="1" name=""/>
+        <p:cNvGrpSpPr/>
+        <p:nvPr/>
+      </p:nvGrpSpPr>
+      <p:grpSpPr>
+        <a:xfrm>
+          <a:off x="0" y="0"/>
+          <a:ext cx="0" cy="0"/>
+          <a:chOff x="0" y="0"/>
+          <a:chExt cx="0" cy="0"/>
+        </a:xfrm>
+      </p:grpSpPr>
+      <p:sp>
+        <p:nvSpPr>
+          <p:cNvPr id="2" name="슬라이드 이미지 개체 틀 1"/>
+          <p:cNvSpPr>
+            <a:spLocks noGrp="1" noRot="1" noChangeAspect="1"/>
+          </p:cNvSpPr>
+          <p:nvPr>
+            <p:ph type="sldImg"/>
+          </p:nvPr>
+        </p:nvSpPr>
+        <p:spPr/>
+      </p:sp>
+      <p:sp>
+        <p:nvSpPr>
+          <p:cNvPr id="3" name="슬라이드 노트 개체 틀 2"/>
+          <p:cNvSpPr>
+            <a:spLocks noGrp="1"/>
+          </p:cNvSpPr>
+          <p:nvPr>
+            <p:ph type="body" idx="1"/>
+          </p:nvPr>
+        </p:nvSpPr>
+        <p:spPr/>
+        <p:txBody>
+          <a:bodyPr/>
+          <a:lstStyle/>
+          <a:p>
+            <a:endParaRPr kumimoji="1" lang="ko-KR" altLang="en-US" dirty="0"/>
+          </a:p>
+        </p:txBody>
+      </p:sp>
+      <p:sp>
+        <p:nvSpPr>
+          <p:cNvPr id="4" name="슬라이드 번호 개체 틀 3"/>
+          <p:cNvSpPr>
+            <a:spLocks noGrp="1"/>
+          </p:cNvSpPr>
+          <p:nvPr>
+            <p:ph type="sldNum" sz="quarter" idx="10"/>
+          </p:nvPr>
+        </p:nvSpPr>
+        <p:spPr/>
+        <p:txBody>
+          <a:bodyPr/>
+          <a:lstStyle/>
+          <a:p>
+            <a:fld id="{03265E94-CD27-3F4F-9A04-309C5AC97DCE}" type="slidenum">
+              <a:rPr kumimoji="1" lang="ko-KR" altLang="en-US" smtClean="0"/>
+              <a:pPr/>
+              <a:t>5</a:t>
+            </a:fld>
+            <a:endParaRPr kumimoji="1" lang="ko-KR" altLang="en-US"/>
+          </a:p>
+        </p:txBody>
+      </p:sp>
+    </p:spTree>
+    <p:extLst>
+      <p:ext uri="{BB962C8B-B14F-4D97-AF65-F5344CB8AC3E}">
+        <p14:creationId xmlns:p14="http://schemas.microsoft.com/office/powerpoint/2010/main" val="211100634"/>
+      </p:ext>
+    </p:extLst>
+  </p:cSld>
+  <p:clrMapOvr>
+    <a:masterClrMapping/>
+  </p:clrMapOvr>
+</p:notes>
+</file>
+
+<file path=ppt/notesSlides/notesSlide6.xml><?xml version="1.0" encoding="utf-8"?>
+<p:notes xmlns:a="http://schemas.openxmlformats.org/drawingml/2006/main" xmlns:r="http://schemas.openxmlformats.org/officeDocument/2006/relationships" xmlns:p="http://schemas.openxmlformats.org/presentationml/2006/main">
+  <p:cSld>
+    <p:spTree>
+      <p:nvGrpSpPr>
+        <p:cNvPr id="1" name=""/>
+        <p:cNvGrpSpPr/>
+        <p:nvPr/>
+      </p:nvGrpSpPr>
+      <p:grpSpPr>
+        <a:xfrm>
+          <a:off x="0" y="0"/>
+          <a:ext cx="0" cy="0"/>
+          <a:chOff x="0" y="0"/>
+          <a:chExt cx="0" cy="0"/>
+        </a:xfrm>
+      </p:grpSpPr>
+      <p:sp>
+        <p:nvSpPr>
+          <p:cNvPr id="2" name="슬라이드 이미지 개체 틀 1"/>
+          <p:cNvSpPr>
+            <a:spLocks noGrp="1" noRot="1" noChangeAspect="1"/>
+          </p:cNvSpPr>
+          <p:nvPr>
+            <p:ph type="sldImg"/>
+          </p:nvPr>
+        </p:nvSpPr>
+        <p:spPr/>
+      </p:sp>
+      <p:sp>
+        <p:nvSpPr>
+          <p:cNvPr id="3" name="슬라이드 노트 개체 틀 2"/>
+          <p:cNvSpPr>
+            <a:spLocks noGrp="1"/>
+          </p:cNvSpPr>
+          <p:nvPr>
+            <p:ph type="body" idx="1"/>
+          </p:nvPr>
+        </p:nvSpPr>
+        <p:spPr/>
+        <p:txBody>
+          <a:bodyPr/>
+          <a:lstStyle/>
+          <a:p>
+            <a:r>
+              <a:rPr kumimoji="1" lang="ko-KR" altLang="en-US"/>
+              <a:t>안녕하세요</a:t>
+            </a:r>
+            <a:r>
+              <a:rPr kumimoji="1" lang="en-US" altLang="ko-KR"/>
+              <a:t>!</a:t>
+            </a:r>
+            <a:r>
+              <a:rPr kumimoji="1" lang="ko-KR" altLang="en-US"/>
+              <a:t> 이번 여름학기 인턴십을 진행한 김준하입니다</a:t>
+            </a:r>
+            <a:r>
+              <a:rPr kumimoji="1" lang="en-US" altLang="ko-KR"/>
+              <a:t>.</a:t>
+            </a:r>
+            <a:r>
+              <a:rPr kumimoji="1" lang="ko-KR" altLang="en-US"/>
+              <a:t> 오늘 발표는 제가 </a:t>
+            </a:r>
+            <a:r>
+              <a:rPr kumimoji="1" lang="en-US" altLang="ko-KR"/>
+              <a:t>6</a:t>
+            </a:r>
+            <a:r>
+              <a:rPr kumimoji="1" lang="ko-KR" altLang="en-US"/>
+              <a:t>주 동안 연구실에서 공부하고 배운 내용을 알려드리려고 합니다</a:t>
+            </a:r>
+            <a:r>
+              <a:rPr kumimoji="1" lang="en-US" altLang="ko-KR"/>
+              <a:t>.</a:t>
+            </a:r>
+            <a:endParaRPr kumimoji="1" lang="ko-KR" altLang="en-US"/>
+          </a:p>
+        </p:txBody>
+      </p:sp>
+      <p:sp>
+        <p:nvSpPr>
+          <p:cNvPr id="4" name="슬라이드 번호 개체 틀 3"/>
+          <p:cNvSpPr>
+            <a:spLocks noGrp="1"/>
+          </p:cNvSpPr>
+          <p:nvPr>
+            <p:ph type="sldNum" sz="quarter" idx="10"/>
+          </p:nvPr>
+        </p:nvSpPr>
+        <p:spPr/>
+        <p:txBody>
+          <a:bodyPr/>
+          <a:lstStyle/>
+          <a:p>
+            <a:fld id="{03265E94-CD27-3F4F-9A04-309C5AC97DCE}" type="slidenum">
+              <a:rPr kumimoji="1" lang="ko-KR" altLang="en-US" smtClean="0"/>
+              <a:pPr/>
+              <a:t>8</a:t>
             </a:fld>
             <a:endParaRPr kumimoji="1" lang="ko-KR" altLang="en-US"/>
           </a:p>
@@ -1380,7 +1405,7 @@
           <a:p>
             <a:fld id="{09F19C1E-DFFA-441F-BE50-2565298411CE}" type="datetime1">
               <a:rPr kumimoji="1" lang="ko-KR" altLang="en-US" smtClean="0"/>
-              <a:t>2020. 11. 18.</a:t>
+              <a:t>2020-11-22</a:t>
             </a:fld>
             <a:endParaRPr kumimoji="1" lang="ko-KR" altLang="en-US"/>
           </a:p>
@@ -1433,7 +1458,7 @@
           <p:cNvPr id="10" name="그림 9">
             <a:extLst>
               <a:ext uri="{FF2B5EF4-FFF2-40B4-BE49-F238E27FC236}">
-                <a16:creationId xmlns="" xmlns:a16="http://schemas.microsoft.com/office/drawing/2014/main" id="{7E02FC35-98C1-4243-A1CE-D351FF8119C8}"/>
+                <a16:creationId xmlns:a16="http://schemas.microsoft.com/office/drawing/2014/main" id="{7E02FC35-98C1-4243-A1CE-D351FF8119C8}"/>
               </a:ext>
             </a:extLst>
           </p:cNvPr>
@@ -1584,7 +1609,7 @@
           <a:p>
             <a:fld id="{A69D34AC-DEB7-4EBB-A5A1-3B16BDD8E7D0}" type="datetime1">
               <a:rPr kumimoji="1" lang="ko-KR" altLang="en-US" smtClean="0"/>
-              <a:t>2020. 11. 18.</a:t>
+              <a:t>2020-11-22</a:t>
             </a:fld>
             <a:endParaRPr kumimoji="1" lang="ko-KR" altLang="en-US"/>
           </a:p>
@@ -1762,7 +1787,7 @@
           <a:p>
             <a:fld id="{FD6E2431-CEBA-424E-AF4F-21D5C6D2D791}" type="datetime1">
               <a:rPr kumimoji="1" lang="ko-KR" altLang="en-US" smtClean="0"/>
-              <a:t>2020. 11. 18.</a:t>
+              <a:t>2020-11-22</a:t>
             </a:fld>
             <a:endParaRPr kumimoji="1" lang="ko-KR" altLang="en-US"/>
           </a:p>
@@ -1930,7 +1955,7 @@
           <a:p>
             <a:fld id="{CD62B281-FE18-4C93-9D63-E1DBD3E8E2D0}" type="datetime1">
               <a:rPr kumimoji="1" lang="ko-KR" altLang="en-US" smtClean="0"/>
-              <a:t>2020. 11. 18.</a:t>
+              <a:t>2020-11-22</a:t>
             </a:fld>
             <a:endParaRPr kumimoji="1" lang="ko-KR" altLang="en-US"/>
           </a:p>
@@ -1983,7 +2008,7 @@
           <p:cNvPr id="10" name="직선 연결선 9">
             <a:extLst>
               <a:ext uri="{FF2B5EF4-FFF2-40B4-BE49-F238E27FC236}">
-                <a16:creationId xmlns="" xmlns:a16="http://schemas.microsoft.com/office/drawing/2014/main" id="{CA957A4B-E808-417C-8280-EC546B1F7285}"/>
+                <a16:creationId xmlns:a16="http://schemas.microsoft.com/office/drawing/2014/main" id="{CA957A4B-E808-417C-8280-EC546B1F7285}"/>
               </a:ext>
             </a:extLst>
           </p:cNvPr>
@@ -2026,7 +2051,7 @@
           <p:cNvPr id="7" name="그림 6">
             <a:extLst>
               <a:ext uri="{FF2B5EF4-FFF2-40B4-BE49-F238E27FC236}">
-                <a16:creationId xmlns="" xmlns:a16="http://schemas.microsoft.com/office/drawing/2014/main" id="{3FC5AFB1-3812-4E1B-82BC-5711F4F109F8}"/>
+                <a16:creationId xmlns:a16="http://schemas.microsoft.com/office/drawing/2014/main" id="{3FC5AFB1-3812-4E1B-82BC-5711F4F109F8}"/>
               </a:ext>
             </a:extLst>
           </p:cNvPr>
@@ -2254,7 +2279,7 @@
           <a:p>
             <a:fld id="{5873F90D-0C76-4307-B6A9-B8D9F809CAF7}" type="datetime1">
               <a:rPr kumimoji="1" lang="ko-KR" altLang="en-US" smtClean="0"/>
-              <a:t>2020. 11. 18.</a:t>
+              <a:t>2020-11-22</a:t>
             </a:fld>
             <a:endParaRPr kumimoji="1" lang="ko-KR" altLang="en-US"/>
           </a:p>
@@ -2307,7 +2332,7 @@
           <p:cNvPr id="8" name="직선 연결선 7">
             <a:extLst>
               <a:ext uri="{FF2B5EF4-FFF2-40B4-BE49-F238E27FC236}">
-                <a16:creationId xmlns="" xmlns:a16="http://schemas.microsoft.com/office/drawing/2014/main" id="{6460E342-1234-4E77-9288-2A328EA599E0}"/>
+                <a16:creationId xmlns:a16="http://schemas.microsoft.com/office/drawing/2014/main" id="{6460E342-1234-4E77-9288-2A328EA599E0}"/>
               </a:ext>
             </a:extLst>
           </p:cNvPr>
@@ -2350,7 +2375,7 @@
           <p:cNvPr id="7" name="그림 6">
             <a:extLst>
               <a:ext uri="{FF2B5EF4-FFF2-40B4-BE49-F238E27FC236}">
-                <a16:creationId xmlns="" xmlns:a16="http://schemas.microsoft.com/office/drawing/2014/main" id="{67665E8A-FD61-4A6A-A984-E1B39F62BE84}"/>
+                <a16:creationId xmlns:a16="http://schemas.microsoft.com/office/drawing/2014/main" id="{67665E8A-FD61-4A6A-A984-E1B39F62BE84}"/>
               </a:ext>
             </a:extLst>
           </p:cNvPr>
@@ -2562,7 +2587,7 @@
           <a:p>
             <a:fld id="{6BAEBDC1-151D-4B77-A054-26E090DC07C0}" type="datetime1">
               <a:rPr kumimoji="1" lang="ko-KR" altLang="en-US" smtClean="0"/>
-              <a:t>2020. 11. 18.</a:t>
+              <a:t>2020-11-22</a:t>
             </a:fld>
             <a:endParaRPr kumimoji="1" lang="ko-KR" altLang="en-US"/>
           </a:p>
@@ -2615,7 +2640,7 @@
           <p:cNvPr id="9" name="직선 연결선 8">
             <a:extLst>
               <a:ext uri="{FF2B5EF4-FFF2-40B4-BE49-F238E27FC236}">
-                <a16:creationId xmlns="" xmlns:a16="http://schemas.microsoft.com/office/drawing/2014/main" id="{3B5B53CC-4918-41A6-89FD-182DE34F1B62}"/>
+                <a16:creationId xmlns:a16="http://schemas.microsoft.com/office/drawing/2014/main" id="{3B5B53CC-4918-41A6-89FD-182DE34F1B62}"/>
               </a:ext>
             </a:extLst>
           </p:cNvPr>
@@ -2658,7 +2683,7 @@
           <p:cNvPr id="8" name="그림 7">
             <a:extLst>
               <a:ext uri="{FF2B5EF4-FFF2-40B4-BE49-F238E27FC236}">
-                <a16:creationId xmlns="" xmlns:a16="http://schemas.microsoft.com/office/drawing/2014/main" id="{2603BD3D-D404-458A-BD15-EC01BFC9CB31}"/>
+                <a16:creationId xmlns:a16="http://schemas.microsoft.com/office/drawing/2014/main" id="{2603BD3D-D404-458A-BD15-EC01BFC9CB31}"/>
               </a:ext>
             </a:extLst>
           </p:cNvPr>
@@ -3005,7 +3030,7 @@
           <a:p>
             <a:fld id="{49F4C007-0CF4-429A-B8B0-321E57A51DE6}" type="datetime1">
               <a:rPr kumimoji="1" lang="ko-KR" altLang="en-US" smtClean="0"/>
-              <a:t>2020. 11. 18.</a:t>
+              <a:t>2020-11-22</a:t>
             </a:fld>
             <a:endParaRPr kumimoji="1" lang="ko-KR" altLang="en-US"/>
           </a:p>
@@ -3058,7 +3083,7 @@
           <p:cNvPr id="11" name="직선 연결선 10">
             <a:extLst>
               <a:ext uri="{FF2B5EF4-FFF2-40B4-BE49-F238E27FC236}">
-                <a16:creationId xmlns="" xmlns:a16="http://schemas.microsoft.com/office/drawing/2014/main" id="{55B8DB4B-724A-480F-85E9-03DDC5D77E04}"/>
+                <a16:creationId xmlns:a16="http://schemas.microsoft.com/office/drawing/2014/main" id="{55B8DB4B-724A-480F-85E9-03DDC5D77E04}"/>
               </a:ext>
             </a:extLst>
           </p:cNvPr>
@@ -3101,7 +3126,7 @@
           <p:cNvPr id="10" name="그림 9">
             <a:extLst>
               <a:ext uri="{FF2B5EF4-FFF2-40B4-BE49-F238E27FC236}">
-                <a16:creationId xmlns="" xmlns:a16="http://schemas.microsoft.com/office/drawing/2014/main" id="{779C7F6D-BB12-444F-B164-E36F4A4126CC}"/>
+                <a16:creationId xmlns:a16="http://schemas.microsoft.com/office/drawing/2014/main" id="{779C7F6D-BB12-444F-B164-E36F4A4126CC}"/>
               </a:ext>
             </a:extLst>
           </p:cNvPr>
@@ -3201,7 +3226,7 @@
           <a:p>
             <a:fld id="{8B0D7617-5ECC-43E9-89C0-D11212098B22}" type="datetime1">
               <a:rPr kumimoji="1" lang="ko-KR" altLang="en-US" smtClean="0"/>
-              <a:t>2020. 11. 18.</a:t>
+              <a:t>2020-11-22</a:t>
             </a:fld>
             <a:endParaRPr kumimoji="1" lang="ko-KR" altLang="en-US"/>
           </a:p>
@@ -3296,7 +3321,7 @@
           <a:p>
             <a:fld id="{409A8373-0C6E-438A-B496-A21F2B3CD02D}" type="datetime1">
               <a:rPr kumimoji="1" lang="ko-KR" altLang="en-US" smtClean="0"/>
-              <a:t>2020. 11. 18.</a:t>
+              <a:t>2020-11-22</a:t>
             </a:fld>
             <a:endParaRPr kumimoji="1" lang="ko-KR" altLang="en-US"/>
           </a:p>
@@ -3349,7 +3374,7 @@
           <p:cNvPr id="6" name="직선 연결선 5">
             <a:extLst>
               <a:ext uri="{FF2B5EF4-FFF2-40B4-BE49-F238E27FC236}">
-                <a16:creationId xmlns="" xmlns:a16="http://schemas.microsoft.com/office/drawing/2014/main" id="{82872E7E-9BEB-4045-B643-694CE4809001}"/>
+                <a16:creationId xmlns:a16="http://schemas.microsoft.com/office/drawing/2014/main" id="{82872E7E-9BEB-4045-B643-694CE4809001}"/>
               </a:ext>
             </a:extLst>
           </p:cNvPr>
@@ -3392,7 +3417,7 @@
           <p:cNvPr id="5" name="그림 4">
             <a:extLst>
               <a:ext uri="{FF2B5EF4-FFF2-40B4-BE49-F238E27FC236}">
-                <a16:creationId xmlns="" xmlns:a16="http://schemas.microsoft.com/office/drawing/2014/main" id="{CC05D84D-14D9-455F-94C1-FA5E2BD6707A}"/>
+                <a16:creationId xmlns:a16="http://schemas.microsoft.com/office/drawing/2014/main" id="{CC05D84D-14D9-455F-94C1-FA5E2BD6707A}"/>
               </a:ext>
             </a:extLst>
           </p:cNvPr>
@@ -3650,7 +3675,7 @@
           <a:p>
             <a:fld id="{226F00B1-E5EB-43E9-B5E1-02C412B5CB42}" type="datetime1">
               <a:rPr kumimoji="1" lang="ko-KR" altLang="en-US" smtClean="0"/>
-              <a:t>2020. 11. 18.</a:t>
+              <a:t>2020-11-22</a:t>
             </a:fld>
             <a:endParaRPr kumimoji="1" lang="ko-KR" altLang="en-US"/>
           </a:p>
@@ -3902,7 +3927,7 @@
           <a:p>
             <a:fld id="{C98A5D7C-DFF0-42E1-B7A9-A0ADDD550A60}" type="datetime1">
               <a:rPr kumimoji="1" lang="ko-KR" altLang="en-US" smtClean="0"/>
-              <a:t>2020. 11. 18.</a:t>
+              <a:t>2020-11-22</a:t>
             </a:fld>
             <a:endParaRPr kumimoji="1" lang="ko-KR" altLang="en-US"/>
           </a:p>
@@ -4116,7 +4141,7 @@
             <a:fld id="{B859E111-8569-46B4-9EA1-A7351A924CBA}" type="datetime1">
               <a:rPr kumimoji="1" lang="ko-KR" altLang="en-US" smtClean="0"/>
               <a:pPr/>
-              <a:t>2020. 11. 18.</a:t>
+              <a:t>2020-11-22</a:t>
             </a:fld>
             <a:endParaRPr kumimoji="1" lang="ko-KR" altLang="en-US"/>
           </a:p>
@@ -4550,43 +4575,29 @@
           <a:lstStyle/>
           <a:p>
             <a:r>
-              <a:rPr kumimoji="1" lang="ko-KR" altLang="en-US" dirty="0" smtClean="0">
+              <a:rPr kumimoji="1" lang="ko-KR" altLang="en-US" dirty="0">
                 <a:cs typeface="Times New Roman 일반체" charset="0"/>
               </a:rPr>
               <a:t> </a:t>
             </a:r>
-            <a:r>
-              <a:rPr kumimoji="1" lang="en-US" altLang="ko-KR" dirty="0" smtClean="0">
-                <a:cs typeface="Times New Roman 일반체" charset="0"/>
-              </a:rPr>
-              <a:t/>
-            </a:r>
             <a:br>
-              <a:rPr kumimoji="1" lang="en-US" altLang="ko-KR" dirty="0" smtClean="0">
+              <a:rPr kumimoji="1" lang="en-US" altLang="ko-KR" dirty="0">
                 <a:cs typeface="Times New Roman 일반체" charset="0"/>
               </a:rPr>
             </a:br>
             <a:r>
-              <a:rPr kumimoji="1" lang="en-US" altLang="ko-KR" dirty="0" smtClean="0">
+              <a:rPr kumimoji="1" lang="en-US" altLang="ko-KR" dirty="0">
                 <a:cs typeface="Times New Roman 일반체" charset="0"/>
               </a:rPr>
               <a:t> </a:t>
             </a:r>
             <a:r>
-              <a:rPr lang="en-US" altLang="ko-KR" sz="4900" dirty="0" err="1" smtClean="0"/>
+              <a:rPr lang="en-US" altLang="ko-KR" sz="4900" dirty="0" err="1"/>
               <a:t>Trajactory</a:t>
             </a:r>
             <a:r>
-              <a:rPr lang="en-US" altLang="ko-KR" sz="4900" dirty="0" smtClean="0"/>
-              <a:t> </a:t>
-            </a:r>
-            <a:r>
               <a:rPr lang="en-US" altLang="ko-KR" sz="4900" dirty="0"/>
-              <a:t>Simulation of Billiard </a:t>
-            </a:r>
-            <a:r>
-              <a:rPr lang="en-US" altLang="ko-KR" sz="4900" dirty="0" smtClean="0"/>
-              <a:t>Ball</a:t>
+              <a:t> Simulation of Billiard Ball</a:t>
             </a:r>
             <a:endParaRPr kumimoji="1" lang="ko-KR" altLang="en-US" sz="4900" dirty="0">
               <a:cs typeface="Times New Roman 일반체" charset="0"/>
@@ -4617,38 +4628,26 @@
           <a:lstStyle/>
           <a:p>
             <a:r>
-              <a:rPr kumimoji="1" lang="en-US" altLang="ko-KR" sz="2000" dirty="0" err="1" smtClean="0">
+              <a:rPr kumimoji="1" lang="en-US" altLang="ko-KR" sz="2000" dirty="0" err="1">
                 <a:cs typeface="Times New Roman 일반체" charset="0"/>
               </a:rPr>
               <a:t>Interm</a:t>
             </a:r>
             <a:r>
-              <a:rPr kumimoji="1" lang="en-US" altLang="ko-KR" sz="2000" dirty="0" smtClean="0">
-                <a:cs typeface="Times New Roman 일반체" charset="0"/>
-              </a:rPr>
-              <a:t> </a:t>
-            </a:r>
-            <a:r>
               <a:rPr kumimoji="1" lang="en-US" altLang="ko-KR" sz="2000" dirty="0">
                 <a:cs typeface="Times New Roman 일반체" charset="0"/>
               </a:rPr>
-              <a:t>report </a:t>
-            </a:r>
-            <a:r>
-              <a:rPr kumimoji="1" lang="en-US" altLang="ko-KR" sz="2000" dirty="0" smtClean="0">
-                <a:cs typeface="Times New Roman 일반체" charset="0"/>
-              </a:rPr>
-              <a:t>presentation</a:t>
-            </a:r>
-          </a:p>
-          <a:p>
-            <a:endParaRPr kumimoji="1" lang="en-US" altLang="ko-KR" sz="2000" dirty="0" smtClean="0">
+              <a:t> report presentation</a:t>
+            </a:r>
+          </a:p>
+          <a:p>
+            <a:endParaRPr kumimoji="1" lang="en-US" altLang="ko-KR" sz="2000" dirty="0">
               <a:cs typeface="Times New Roman 일반체" charset="0"/>
             </a:endParaRPr>
           </a:p>
           <a:p>
             <a:r>
-              <a:rPr kumimoji="1" lang="en-US" altLang="ko-KR" sz="2000" b="1" dirty="0" smtClean="0">
+              <a:rPr kumimoji="1" lang="en-US" altLang="ko-KR" sz="2000" b="1" dirty="0">
                 <a:cs typeface="Times New Roman 일반체" charset="0"/>
               </a:rPr>
               <a:t>-</a:t>
@@ -4663,38 +4662,29 @@
               <a:rPr kumimoji="1" lang="en-US" altLang="ko-KR" sz="2000" b="1" dirty="0">
                 <a:cs typeface="Times New Roman 일반체" charset="0"/>
               </a:rPr>
-              <a:t> </a:t>
-            </a:r>
-            <a:r>
-              <a:rPr kumimoji="1" lang="en-US" altLang="ko-KR" sz="2000" b="1" dirty="0" smtClean="0">
-                <a:cs typeface="Times New Roman 일반체" charset="0"/>
-              </a:rPr>
-              <a:t>Kim, </a:t>
-            </a:r>
-            <a:r>
-              <a:rPr kumimoji="1" lang="en-US" altLang="ko-KR" sz="2000" b="1" dirty="0" err="1" smtClean="0">
+              <a:t> Kim, </a:t>
+            </a:r>
+            <a:r>
+              <a:rPr kumimoji="1" lang="en-US" altLang="ko-KR" sz="2000" b="1" dirty="0" err="1">
                 <a:cs typeface="Times New Roman 일반체" charset="0"/>
               </a:rPr>
               <a:t>DongHa</a:t>
             </a:r>
             <a:r>
-              <a:rPr kumimoji="1" lang="en-US" altLang="ko-KR" sz="2000" b="1" dirty="0" smtClean="0">
+              <a:rPr kumimoji="1" lang="en-US" altLang="ko-KR" sz="2000" b="1" dirty="0">
                 <a:cs typeface="Times New Roman 일반체" charset="0"/>
               </a:rPr>
               <a:t> Yoon-</a:t>
             </a:r>
+          </a:p>
+          <a:p>
             <a:endParaRPr kumimoji="1" lang="en-US" altLang="ko-KR" sz="2000" b="1" dirty="0">
               <a:cs typeface="Times New Roman 일반체" charset="0"/>
             </a:endParaRPr>
           </a:p>
           <a:p>
-            <a:endParaRPr kumimoji="1" lang="en-US" altLang="ko-KR" sz="2000" b="1" dirty="0">
-              <a:cs typeface="Times New Roman 일반체" charset="0"/>
-            </a:endParaRPr>
-          </a:p>
-          <a:p>
-            <a:r>
-              <a:rPr kumimoji="1" lang="en-US" altLang="ko-KR" sz="2000" dirty="0" smtClean="0">
+            <a:r>
+              <a:rPr kumimoji="1" lang="en-US" altLang="ko-KR" sz="2000" dirty="0">
                 <a:cs typeface="Times New Roman 일반체" charset="0"/>
               </a:rPr>
               <a:t>2020.11.26</a:t>
@@ -4710,7 +4700,7 @@
           <p:cNvPr id="5" name="그림 4">
             <a:extLst>
               <a:ext uri="{FF2B5EF4-FFF2-40B4-BE49-F238E27FC236}">
-                <a16:creationId xmlns="" xmlns:a16="http://schemas.microsoft.com/office/drawing/2014/main" id="{5C436865-5DCC-4FDC-82D7-4A3F6487AD83}"/>
+                <a16:creationId xmlns:a16="http://schemas.microsoft.com/office/drawing/2014/main" id="{5C436865-5DCC-4FDC-82D7-4A3F6487AD83}"/>
               </a:ext>
             </a:extLst>
           </p:cNvPr>
@@ -4751,13 +4741,6 @@
   <p:clrMapOvr>
     <a:masterClrMapping/>
   </p:clrMapOvr>
-  <p:timing>
-    <p:tnLst>
-      <p:par>
-        <p:cTn id="1" dur="indefinite" restart="never" nodeType="tmRoot"/>
-      </p:par>
-    </p:tnLst>
-  </p:timing>
 </p:sld>
 </file>
 
@@ -4824,7 +4807,7 @@
           <a:lstStyle/>
           <a:p>
             <a:r>
-              <a:rPr kumimoji="1" lang="en-US" altLang="ko-KR" b="1" smtClean="0">
+              <a:rPr kumimoji="1" lang="en-US" altLang="ko-KR" b="1">
                 <a:latin typeface="+mj-lt"/>
               </a:rPr>
               <a:t>Contents</a:t>
@@ -5022,14 +5005,14 @@
           </a:lstStyle>
           <a:p>
             <a:r>
-              <a:rPr kumimoji="1" lang="ko-KR" altLang="en-US" sz="2400" b="1" dirty="0" smtClean="0">
+              <a:rPr kumimoji="1" lang="ko-KR" altLang="en-US" sz="2400" b="1" dirty="0">
                 <a:solidFill>
                   <a:srgbClr val="0070C0"/>
                 </a:solidFill>
               </a:rPr>
               <a:t>주제 선정이유</a:t>
             </a:r>
-            <a:endParaRPr kumimoji="1" lang="en-US" altLang="ko-KR" sz="2400" b="1" dirty="0" smtClean="0">
+            <a:endParaRPr kumimoji="1" lang="en-US" altLang="ko-KR" sz="2400" b="1" dirty="0">
               <a:solidFill>
                 <a:srgbClr val="0070C0"/>
               </a:solidFill>
@@ -5040,7 +5023,7 @@
               <a:buFont typeface="Wingdings" charset="2"/>
               <a:buChar char="Ø"/>
             </a:pPr>
-            <a:endParaRPr kumimoji="1" lang="en-US" altLang="ko-KR" sz="900" dirty="0" smtClean="0">
+            <a:endParaRPr kumimoji="1" lang="en-US" altLang="ko-KR" sz="900" dirty="0">
               <a:solidFill>
                 <a:srgbClr val="0070C0"/>
               </a:solidFill>
@@ -5052,7 +5035,7 @@
               <a:buChar char="Ø"/>
             </a:pPr>
             <a:r>
-              <a:rPr kumimoji="1" lang="ko-KR" altLang="en-US" sz="2000" dirty="0" smtClean="0">
+              <a:rPr kumimoji="1" lang="ko-KR" altLang="en-US" sz="2000" dirty="0">
                 <a:solidFill>
                   <a:srgbClr val="0070C0"/>
                 </a:solidFill>
@@ -5071,14 +5054,14 @@
               <a:buChar char="Ø"/>
             </a:pPr>
             <a:r>
-              <a:rPr kumimoji="1" lang="ko-KR" altLang="en-US" sz="2000" dirty="0" smtClean="0">
+              <a:rPr kumimoji="1" lang="ko-KR" altLang="en-US" sz="2000" dirty="0">
                 <a:solidFill>
                   <a:srgbClr val="0070C0"/>
                 </a:solidFill>
               </a:rPr>
               <a:t>스핀 추가한 이유</a:t>
             </a:r>
-            <a:endParaRPr kumimoji="1" lang="en-US" altLang="ko-KR" sz="2000" dirty="0" smtClean="0">
+            <a:endParaRPr kumimoji="1" lang="en-US" altLang="ko-KR" sz="2000" dirty="0">
               <a:solidFill>
                 <a:srgbClr val="0070C0"/>
               </a:solidFill>
@@ -5089,7 +5072,7 @@
               <a:buFont typeface="Wingdings" charset="2"/>
               <a:buChar char="Ø"/>
             </a:pPr>
-            <a:endParaRPr kumimoji="1" lang="en-US" altLang="ko-KR" sz="2000" dirty="0" smtClean="0">
+            <a:endParaRPr kumimoji="1" lang="en-US" altLang="ko-KR" sz="2000" dirty="0">
               <a:solidFill>
                 <a:srgbClr val="0070C0"/>
               </a:solidFill>
@@ -5102,14 +5085,14 @@
               </a:lnSpc>
             </a:pPr>
             <a:r>
-              <a:rPr kumimoji="1" lang="ko-KR" altLang="en-US" sz="2400" b="1" dirty="0" smtClean="0">
+              <a:rPr kumimoji="1" lang="ko-KR" altLang="en-US" sz="2400" b="1" dirty="0">
                 <a:solidFill>
                   <a:srgbClr val="0070C0"/>
                 </a:solidFill>
               </a:rPr>
               <a:t>이론적 배경</a:t>
             </a:r>
-            <a:endParaRPr kumimoji="1" lang="en-US" altLang="ko-KR" sz="2400" b="1" dirty="0" smtClean="0">
+            <a:endParaRPr kumimoji="1" lang="en-US" altLang="ko-KR" sz="2400" b="1" dirty="0">
               <a:solidFill>
                 <a:srgbClr val="0070C0"/>
               </a:solidFill>
@@ -5120,7 +5103,7 @@
               <a:buFont typeface="Wingdings" charset="2"/>
               <a:buChar char="Ø"/>
             </a:pPr>
-            <a:endParaRPr kumimoji="1" lang="en-US" altLang="ko-KR" sz="900" dirty="0" smtClean="0">
+            <a:endParaRPr kumimoji="1" lang="en-US" altLang="ko-KR" sz="900" dirty="0">
               <a:solidFill>
                 <a:srgbClr val="0070C0"/>
               </a:solidFill>
@@ -5132,7 +5115,7 @@
               <a:buChar char="Ø"/>
             </a:pPr>
             <a:r>
-              <a:rPr kumimoji="1" lang="ko-KR" altLang="en-US" sz="2000" dirty="0" smtClean="0">
+              <a:rPr kumimoji="1" lang="ko-KR" altLang="en-US" sz="2000" dirty="0">
                 <a:solidFill>
                   <a:srgbClr val="0070C0"/>
                 </a:solidFill>
@@ -5148,14 +5131,14 @@
               <a:t>,</a:t>
             </a:r>
             <a:r>
-              <a:rPr kumimoji="1" lang="ko-KR" altLang="en-US" sz="2000" dirty="0" smtClean="0">
+              <a:rPr kumimoji="1" lang="ko-KR" altLang="en-US" sz="2000" dirty="0">
                 <a:solidFill>
                   <a:srgbClr val="0070C0"/>
                 </a:solidFill>
               </a:rPr>
               <a:t>각운동량 보존</a:t>
             </a:r>
-            <a:endParaRPr kumimoji="1" lang="en-US" altLang="ko-KR" sz="2000" dirty="0" smtClean="0">
+            <a:endParaRPr kumimoji="1" lang="en-US" altLang="ko-KR" sz="2000" dirty="0">
               <a:solidFill>
                 <a:srgbClr val="0070C0"/>
               </a:solidFill>
@@ -5167,14 +5150,14 @@
               <a:buChar char="Ø"/>
             </a:pPr>
             <a:r>
-              <a:rPr kumimoji="1" lang="ko-KR" altLang="en-US" sz="2000" dirty="0" smtClean="0">
+              <a:rPr kumimoji="1" lang="ko-KR" altLang="en-US" sz="2000" dirty="0">
                 <a:solidFill>
                   <a:srgbClr val="0070C0"/>
                 </a:solidFill>
               </a:rPr>
               <a:t>당구공에서의 마찰의 종류</a:t>
             </a:r>
-            <a:endParaRPr kumimoji="1" lang="en-US" altLang="ko-KR" sz="2000" dirty="0" smtClean="0">
+            <a:endParaRPr kumimoji="1" lang="en-US" altLang="ko-KR" sz="2000" dirty="0">
               <a:solidFill>
                 <a:srgbClr val="0070C0"/>
               </a:solidFill>
@@ -5185,7 +5168,7 @@
               <a:buFont typeface="Wingdings" charset="2"/>
               <a:buChar char="Ø"/>
             </a:pPr>
-            <a:endParaRPr kumimoji="1" lang="en-US" altLang="ko-KR" sz="2000" dirty="0" smtClean="0">
+            <a:endParaRPr kumimoji="1" lang="en-US" altLang="ko-KR" sz="2000" dirty="0">
               <a:solidFill>
                 <a:srgbClr val="0070C0"/>
               </a:solidFill>
@@ -5199,11 +5182,7 @@
             </a:pPr>
             <a:r>
               <a:rPr lang="en-US" altLang="ko-KR" sz="2400" b="1" dirty="0"/>
-              <a:t> underlying idea of your </a:t>
-            </a:r>
-            <a:r>
-              <a:rPr lang="en-US" altLang="ko-KR" sz="2400" b="1" dirty="0" smtClean="0"/>
-              <a:t>research</a:t>
+              <a:t> underlying idea of your research</a:t>
             </a:r>
           </a:p>
           <a:p>
@@ -5213,7 +5192,7 @@
               </a:lnSpc>
             </a:pPr>
             <a:r>
-              <a:rPr kumimoji="1" lang="ko-KR" altLang="en-US" sz="2000" dirty="0" smtClean="0">
+              <a:rPr kumimoji="1" lang="ko-KR" altLang="en-US" sz="2000" dirty="0">
                 <a:solidFill>
                   <a:srgbClr val="FF0000"/>
                 </a:solidFill>
@@ -5221,7 +5200,7 @@
               <a:t>상수들</a:t>
             </a:r>
             <a:r>
-              <a:rPr kumimoji="1" lang="en-US" altLang="ko-KR" sz="2000" dirty="0" smtClean="0">
+              <a:rPr kumimoji="1" lang="en-US" altLang="ko-KR" sz="2000" dirty="0">
                 <a:solidFill>
                   <a:srgbClr val="FF0000"/>
                 </a:solidFill>
@@ -5236,19 +5215,19 @@
               </a:lnSpc>
             </a:pPr>
             <a:r>
-              <a:rPr kumimoji="1" lang="ko-KR" altLang="en-US" sz="2000" dirty="0" smtClean="0"/>
+              <a:rPr kumimoji="1" lang="ko-KR" altLang="en-US" sz="2000" dirty="0"/>
               <a:t>충돌상황은 항상 공의 중심 높이에서 이루어진다</a:t>
             </a:r>
             <a:r>
-              <a:rPr kumimoji="1" lang="en-US" altLang="ko-KR" sz="2000" dirty="0" smtClean="0"/>
+              <a:rPr kumimoji="1" lang="en-US" altLang="ko-KR" sz="2000" dirty="0"/>
               <a:t>(</a:t>
             </a:r>
             <a:r>
-              <a:rPr kumimoji="1" lang="ko-KR" altLang="en-US" sz="2000" dirty="0" smtClean="0"/>
+              <a:rPr kumimoji="1" lang="ko-KR" altLang="en-US" sz="2000" dirty="0"/>
               <a:t>가정</a:t>
             </a:r>
             <a:r>
-              <a:rPr kumimoji="1" lang="en-US" altLang="ko-KR" sz="2000" dirty="0" smtClean="0"/>
+              <a:rPr kumimoji="1" lang="en-US" altLang="ko-KR" sz="2000" dirty="0"/>
               <a:t>)</a:t>
             </a:r>
           </a:p>
@@ -5259,10 +5238,10 @@
               </a:lnSpc>
             </a:pPr>
             <a:r>
-              <a:rPr kumimoji="1" lang="ko-KR" altLang="en-US" sz="2000" dirty="0" smtClean="0"/>
+              <a:rPr kumimoji="1" lang="ko-KR" altLang="en-US" sz="2000" dirty="0"/>
               <a:t>공의 운동의 시작은 큐대로 친다는 상황으로 가정하고 시뮬레이션 진행함</a:t>
             </a:r>
-            <a:endParaRPr kumimoji="1" lang="en-US" altLang="ko-KR" sz="2000" dirty="0" smtClean="0"/>
+            <a:endParaRPr kumimoji="1" lang="en-US" altLang="ko-KR" sz="2000" dirty="0"/>
           </a:p>
           <a:p>
             <a:pPr lvl="1">
@@ -5270,7 +5249,7 @@
                 <a:spcPct val="100000"/>
               </a:lnSpc>
             </a:pPr>
-            <a:endParaRPr kumimoji="1" lang="en-US" altLang="ko-KR" sz="2000" b="1" dirty="0" smtClean="0"/>
+            <a:endParaRPr kumimoji="1" lang="en-US" altLang="ko-KR" sz="2000" b="1" dirty="0"/>
           </a:p>
           <a:p>
             <a:pPr lvl="1">
@@ -5278,21 +5257,21 @@
                 <a:spcPct val="100000"/>
               </a:lnSpc>
             </a:pPr>
-            <a:endParaRPr kumimoji="1" lang="en-US" altLang="ko-KR" sz="2000" b="1" dirty="0" smtClean="0"/>
+            <a:endParaRPr kumimoji="1" lang="en-US" altLang="ko-KR" sz="2000" b="1" dirty="0"/>
           </a:p>
           <a:p>
             <a:pPr lvl="2">
               <a:buFont typeface="Wingdings" charset="2"/>
               <a:buChar char="Ø"/>
             </a:pPr>
-            <a:endParaRPr kumimoji="1" lang="en-US" altLang="ko-KR" sz="500" dirty="0" smtClean="0"/>
+            <a:endParaRPr kumimoji="1" lang="en-US" altLang="ko-KR" sz="500" dirty="0"/>
           </a:p>
           <a:p>
             <a:pPr lvl="2">
               <a:buFont typeface="Wingdings" charset="2"/>
               <a:buChar char="Ø"/>
             </a:pPr>
-            <a:endParaRPr kumimoji="1" lang="en-US" altLang="ko-KR" sz="1600" dirty="0" smtClean="0"/>
+            <a:endParaRPr kumimoji="1" lang="en-US" altLang="ko-KR" sz="1600" dirty="0"/>
           </a:p>
           <a:p>
             <a:pPr lvl="2">
@@ -5308,7 +5287,7 @@
           <p:cNvPr id="7" name="내용 개체 틀 2">
             <a:extLst>
               <a:ext uri="{FF2B5EF4-FFF2-40B4-BE49-F238E27FC236}">
-                <a16:creationId xmlns="" xmlns:a16="http://schemas.microsoft.com/office/drawing/2014/main" id="{6385966C-BEF1-47DD-A84F-81ED111E5FB6}"/>
+                <a16:creationId xmlns:a16="http://schemas.microsoft.com/office/drawing/2014/main" id="{6385966C-BEF1-47DD-A84F-81ED111E5FB6}"/>
               </a:ext>
             </a:extLst>
           </p:cNvPr>
@@ -5496,7 +5475,7 @@
           </a:lstStyle>
           <a:p>
             <a:r>
-              <a:rPr kumimoji="1" lang="en-US" altLang="ko-KR" sz="2400" b="1" dirty="0" smtClean="0">
+              <a:rPr kumimoji="1" lang="en-US" altLang="ko-KR" sz="2400" b="1" dirty="0">
                 <a:solidFill>
                   <a:srgbClr val="FF0000"/>
                 </a:solidFill>
@@ -5507,7 +5486,7 @@
           <a:p>
             <a:pPr lvl="1"/>
             <a:r>
-              <a:rPr kumimoji="1" lang="en-US" altLang="ko-KR" sz="2000" b="1" dirty="0" smtClean="0">
+              <a:rPr kumimoji="1" lang="en-US" altLang="ko-KR" sz="2000" b="1" dirty="0">
                 <a:solidFill>
                   <a:srgbClr val="FF0000"/>
                 </a:solidFill>
@@ -5516,13 +5495,6 @@
             </a:r>
           </a:p>
           <a:p>
-            <a:endParaRPr kumimoji="1" lang="en-US" altLang="ko-KR" sz="2400" b="1" dirty="0" smtClean="0">
-              <a:solidFill>
-                <a:srgbClr val="FF0000"/>
-              </a:solidFill>
-            </a:endParaRPr>
-          </a:p>
-          <a:p>
             <a:endParaRPr kumimoji="1" lang="en-US" altLang="ko-KR" sz="2400" b="1" dirty="0">
               <a:solidFill>
                 <a:srgbClr val="FF0000"/>
@@ -5530,19 +5502,21 @@
             </a:endParaRPr>
           </a:p>
           <a:p>
-            <a:r>
-              <a:rPr kumimoji="1" lang="en-US" altLang="ko-KR" sz="2400" b="1" dirty="0" smtClean="0">
+            <a:endParaRPr kumimoji="1" lang="en-US" altLang="ko-KR" sz="2400" b="1" dirty="0">
+              <a:solidFill>
+                <a:srgbClr val="FF0000"/>
+              </a:solidFill>
+            </a:endParaRPr>
+          </a:p>
+          <a:p>
+            <a:r>
+              <a:rPr kumimoji="1" lang="en-US" altLang="ko-KR" sz="2400" b="1" dirty="0">
                 <a:solidFill>
                   <a:srgbClr val="FF0000"/>
                 </a:solidFill>
               </a:rPr>
               <a:t>Intermediate result</a:t>
             </a:r>
-            <a:endParaRPr kumimoji="1" lang="en-US" altLang="ko-KR" sz="2400" b="1" dirty="0">
-              <a:solidFill>
-                <a:srgbClr val="FF0000"/>
-              </a:solidFill>
-            </a:endParaRPr>
           </a:p>
           <a:p>
             <a:pPr lvl="1">
@@ -5566,25 +5540,17 @@
                   <a:srgbClr val="FF0000"/>
                 </a:solidFill>
               </a:rPr>
-              <a:t> </a:t>
-            </a:r>
-            <a:r>
-              <a:rPr kumimoji="1" lang="en-US" altLang="ko-KR" sz="2000" dirty="0" smtClean="0">
-                <a:solidFill>
-                  <a:srgbClr val="FF0000"/>
-                </a:solidFill>
-              </a:rPr>
-              <a:t>figure </a:t>
-            </a:r>
-            <a:r>
-              <a:rPr kumimoji="1" lang="mr-IN" altLang="ko-KR" sz="2000" dirty="0" smtClean="0">
+              <a:t> figure </a:t>
+            </a:r>
+            <a:r>
+              <a:rPr kumimoji="1" lang="mr-IN" altLang="ko-KR" sz="2000" dirty="0">
                 <a:solidFill>
                   <a:srgbClr val="FF0000"/>
                 </a:solidFill>
               </a:rPr>
               <a:t>…</a:t>
             </a:r>
-            <a:endParaRPr kumimoji="1" lang="en-US" altLang="ko-KR" sz="2000" dirty="0" smtClean="0">
+            <a:endParaRPr kumimoji="1" lang="en-US" altLang="ko-KR" sz="2000" dirty="0">
               <a:solidFill>
                 <a:srgbClr val="FF0000"/>
               </a:solidFill>
@@ -5596,7 +5562,7 @@
               <a:buChar char="Ø"/>
             </a:pPr>
             <a:r>
-              <a:rPr kumimoji="1" lang="en-US" altLang="ko-KR" sz="2000" dirty="0" smtClean="0">
+              <a:rPr kumimoji="1" lang="en-US" altLang="ko-KR" sz="2000" dirty="0">
                 <a:solidFill>
                   <a:srgbClr val="FF0000"/>
                 </a:solidFill>
@@ -5610,7 +5576,7 @@
               <a:buChar char="Ø"/>
             </a:pPr>
             <a:r>
-              <a:rPr kumimoji="1" lang="en-US" altLang="ko-KR" sz="2000" dirty="0" smtClean="0">
+              <a:rPr kumimoji="1" lang="en-US" altLang="ko-KR" sz="2000" dirty="0">
                 <a:solidFill>
                   <a:srgbClr val="FF0000"/>
                 </a:solidFill>
@@ -5635,7 +5601,7 @@
               <a:buChar char="Ø"/>
             </a:pPr>
             <a:r>
-              <a:rPr kumimoji="1" lang="en-US" altLang="ko-KR" dirty="0" smtClean="0"/>
+              <a:rPr kumimoji="1" lang="en-US" altLang="ko-KR" dirty="0"/>
               <a:t>Plan final project</a:t>
             </a:r>
           </a:p>
@@ -5644,7 +5610,7 @@
               <a:buFont typeface="Wingdings" charset="2"/>
               <a:buChar char="Ø"/>
             </a:pPr>
-            <a:endParaRPr kumimoji="1" lang="en-US" altLang="ko-KR" dirty="0" smtClean="0"/>
+            <a:endParaRPr kumimoji="1" lang="en-US" altLang="ko-KR" dirty="0"/>
           </a:p>
           <a:p>
             <a:pPr>
@@ -5669,17 +5635,4430 @@
   <p:clrMapOvr>
     <a:masterClrMapping/>
   </p:clrMapOvr>
-  <p:timing>
-    <p:tnLst>
-      <p:par>
-        <p:cTn id="1" dur="indefinite" restart="never" nodeType="tmRoot"/>
-      </p:par>
-    </p:tnLst>
-  </p:timing>
 </p:sld>
 </file>
 
 <file path=ppt/slides/slide3.xml><?xml version="1.0" encoding="utf-8"?>
+<p:sld xmlns:a="http://schemas.openxmlformats.org/drawingml/2006/main" xmlns:r="http://schemas.openxmlformats.org/officeDocument/2006/relationships" xmlns:p="http://schemas.openxmlformats.org/presentationml/2006/main">
+  <p:cSld>
+    <p:spTree>
+      <p:nvGrpSpPr>
+        <p:cNvPr id="1" name=""/>
+        <p:cNvGrpSpPr/>
+        <p:nvPr/>
+      </p:nvGrpSpPr>
+      <p:grpSpPr>
+        <a:xfrm>
+          <a:off x="0" y="0"/>
+          <a:ext cx="0" cy="0"/>
+          <a:chOff x="0" y="0"/>
+          <a:chExt cx="0" cy="0"/>
+        </a:xfrm>
+      </p:grpSpPr>
+      <p:sp>
+        <p:nvSpPr>
+          <p:cNvPr id="4" name="슬라이드 번호 개체 틀 3"/>
+          <p:cNvSpPr>
+            <a:spLocks noGrp="1"/>
+          </p:cNvSpPr>
+          <p:nvPr>
+            <p:ph type="sldNum" sz="quarter" idx="12"/>
+          </p:nvPr>
+        </p:nvSpPr>
+        <p:spPr/>
+        <p:txBody>
+          <a:bodyPr/>
+          <a:lstStyle/>
+          <a:p>
+            <a:fld id="{61E73F20-6457-484C-9BDA-B4628BF855B2}" type="slidenum">
+              <a:rPr kumimoji="1" lang="ko-KR" altLang="en-US" smtClean="0"/>
+              <a:t>3</a:t>
+            </a:fld>
+            <a:endParaRPr kumimoji="1" lang="ko-KR" altLang="en-US"/>
+          </a:p>
+        </p:txBody>
+      </p:sp>
+      <p:sp>
+        <p:nvSpPr>
+          <p:cNvPr id="5" name="제목 4"/>
+          <p:cNvSpPr>
+            <a:spLocks noGrp="1"/>
+          </p:cNvSpPr>
+          <p:nvPr>
+            <p:ph type="title"/>
+          </p:nvPr>
+        </p:nvSpPr>
+        <p:spPr>
+          <a:xfrm>
+            <a:off x="134461" y="244954"/>
+            <a:ext cx="10725443" cy="422666"/>
+          </a:xfrm>
+        </p:spPr>
+        <p:txBody>
+          <a:bodyPr>
+            <a:normAutofit fontScale="90000"/>
+          </a:bodyPr>
+          <a:lstStyle/>
+          <a:p>
+            <a:r>
+              <a:rPr kumimoji="1" lang="en-US" altLang="ko-KR" b="1" dirty="0">
+                <a:latin typeface="+mj-lt"/>
+              </a:rPr>
+              <a:t>--</a:t>
+            </a:r>
+            <a:endParaRPr kumimoji="1" lang="ko-KR" altLang="en-US" b="1" dirty="0">
+              <a:latin typeface="+mj-lt"/>
+            </a:endParaRPr>
+          </a:p>
+        </p:txBody>
+      </p:sp>
+      <p:sp>
+        <p:nvSpPr>
+          <p:cNvPr id="7" name="내용 개체 틀 2">
+            <a:extLst>
+              <a:ext uri="{FF2B5EF4-FFF2-40B4-BE49-F238E27FC236}">
+                <a16:creationId xmlns:a16="http://schemas.microsoft.com/office/drawing/2014/main" id="{6385966C-BEF1-47DD-A84F-81ED111E5FB6}"/>
+              </a:ext>
+            </a:extLst>
+          </p:cNvPr>
+          <p:cNvSpPr txBox="1">
+            <a:spLocks/>
+          </p:cNvSpPr>
+          <p:nvPr/>
+        </p:nvSpPr>
+        <p:spPr>
+          <a:xfrm>
+            <a:off x="326051" y="1275442"/>
+            <a:ext cx="7245823" cy="5337603"/>
+          </a:xfrm>
+          <a:prstGeom prst="rect">
+            <a:avLst/>
+          </a:prstGeom>
+        </p:spPr>
+        <p:txBody>
+          <a:bodyPr vert="horz" lIns="91440" tIns="45720" rIns="91440" bIns="45720" rtlCol="0">
+            <a:normAutofit/>
+          </a:bodyPr>
+          <a:lstStyle>
+            <a:lvl1pPr marL="228600" indent="-228600" algn="l" defTabSz="914400" rtl="0" eaLnBrk="1" latinLnBrk="1" hangingPunct="1">
+              <a:lnSpc>
+                <a:spcPct val="90000"/>
+              </a:lnSpc>
+              <a:spcBef>
+                <a:spcPts val="1000"/>
+              </a:spcBef>
+              <a:buFont typeface="Arial"/>
+              <a:buChar char="•"/>
+              <a:defRPr sz="2800" b="0" i="0" kern="1200">
+                <a:solidFill>
+                  <a:schemeClr val="tx1"/>
+                </a:solidFill>
+                <a:latin typeface="Times New Roman 일반체" charset="0"/>
+                <a:ea typeface="Times New Roman 일반체" charset="0"/>
+                <a:cs typeface="+mn-cs"/>
+              </a:defRPr>
+            </a:lvl1pPr>
+            <a:lvl2pPr marL="685800" indent="-228600" algn="l" defTabSz="914400" rtl="0" eaLnBrk="1" latinLnBrk="1" hangingPunct="1">
+              <a:lnSpc>
+                <a:spcPct val="90000"/>
+              </a:lnSpc>
+              <a:spcBef>
+                <a:spcPts val="500"/>
+              </a:spcBef>
+              <a:buFont typeface="Arial"/>
+              <a:buChar char="•"/>
+              <a:defRPr sz="2400" b="0" i="0" kern="1200">
+                <a:solidFill>
+                  <a:schemeClr val="tx1"/>
+                </a:solidFill>
+                <a:latin typeface="Times New Roman 일반체" charset="0"/>
+                <a:ea typeface="Times New Roman 일반체" charset="0"/>
+                <a:cs typeface="+mn-cs"/>
+              </a:defRPr>
+            </a:lvl2pPr>
+            <a:lvl3pPr marL="1143000" indent="-228600" algn="l" defTabSz="914400" rtl="0" eaLnBrk="1" latinLnBrk="1" hangingPunct="1">
+              <a:lnSpc>
+                <a:spcPct val="90000"/>
+              </a:lnSpc>
+              <a:spcBef>
+                <a:spcPts val="500"/>
+              </a:spcBef>
+              <a:buFont typeface="Arial"/>
+              <a:buChar char="•"/>
+              <a:defRPr sz="2000" b="0" i="0" kern="1200">
+                <a:solidFill>
+                  <a:schemeClr val="tx1"/>
+                </a:solidFill>
+                <a:latin typeface="Times New Roman 일반체" charset="0"/>
+                <a:ea typeface="Times New Roman 일반체" charset="0"/>
+                <a:cs typeface="+mn-cs"/>
+              </a:defRPr>
+            </a:lvl3pPr>
+            <a:lvl4pPr marL="1600200" indent="-228600" algn="l" defTabSz="914400" rtl="0" eaLnBrk="1" latinLnBrk="1" hangingPunct="1">
+              <a:lnSpc>
+                <a:spcPct val="90000"/>
+              </a:lnSpc>
+              <a:spcBef>
+                <a:spcPts val="500"/>
+              </a:spcBef>
+              <a:buFont typeface="Arial"/>
+              <a:buChar char="•"/>
+              <a:defRPr sz="1800" b="0" i="0" kern="1200">
+                <a:solidFill>
+                  <a:schemeClr val="tx1"/>
+                </a:solidFill>
+                <a:latin typeface="Times New Roman 일반체" charset="0"/>
+                <a:ea typeface="Times New Roman 일반체" charset="0"/>
+                <a:cs typeface="+mn-cs"/>
+              </a:defRPr>
+            </a:lvl4pPr>
+            <a:lvl5pPr marL="2057400" indent="-228600" algn="l" defTabSz="914400" rtl="0" eaLnBrk="1" latinLnBrk="1" hangingPunct="1">
+              <a:lnSpc>
+                <a:spcPct val="90000"/>
+              </a:lnSpc>
+              <a:spcBef>
+                <a:spcPts val="500"/>
+              </a:spcBef>
+              <a:buFont typeface="Arial"/>
+              <a:buChar char="•"/>
+              <a:defRPr sz="1800" b="0" i="0" kern="1200">
+                <a:solidFill>
+                  <a:schemeClr val="tx1"/>
+                </a:solidFill>
+                <a:latin typeface="Times New Roman 일반체" charset="0"/>
+                <a:ea typeface="Times New Roman 일반체" charset="0"/>
+                <a:cs typeface="+mn-cs"/>
+              </a:defRPr>
+            </a:lvl5pPr>
+            <a:lvl6pPr marL="2514600" indent="-228600" algn="l" defTabSz="914400" rtl="0" eaLnBrk="1" latinLnBrk="1" hangingPunct="1">
+              <a:lnSpc>
+                <a:spcPct val="90000"/>
+              </a:lnSpc>
+              <a:spcBef>
+                <a:spcPts val="500"/>
+              </a:spcBef>
+              <a:buFont typeface="Arial"/>
+              <a:buChar char="•"/>
+              <a:defRPr sz="1800" kern="1200">
+                <a:solidFill>
+                  <a:schemeClr val="tx1"/>
+                </a:solidFill>
+                <a:latin typeface="+mn-lt"/>
+                <a:ea typeface="+mn-ea"/>
+                <a:cs typeface="+mn-cs"/>
+              </a:defRPr>
+            </a:lvl6pPr>
+            <a:lvl7pPr marL="2971800" indent="-228600" algn="l" defTabSz="914400" rtl="0" eaLnBrk="1" latinLnBrk="1" hangingPunct="1">
+              <a:lnSpc>
+                <a:spcPct val="90000"/>
+              </a:lnSpc>
+              <a:spcBef>
+                <a:spcPts val="500"/>
+              </a:spcBef>
+              <a:buFont typeface="Arial"/>
+              <a:buChar char="•"/>
+              <a:defRPr sz="1800" kern="1200">
+                <a:solidFill>
+                  <a:schemeClr val="tx1"/>
+                </a:solidFill>
+                <a:latin typeface="+mn-lt"/>
+                <a:ea typeface="+mn-ea"/>
+                <a:cs typeface="+mn-cs"/>
+              </a:defRPr>
+            </a:lvl7pPr>
+            <a:lvl8pPr marL="3429000" indent="-228600" algn="l" defTabSz="914400" rtl="0" eaLnBrk="1" latinLnBrk="1" hangingPunct="1">
+              <a:lnSpc>
+                <a:spcPct val="90000"/>
+              </a:lnSpc>
+              <a:spcBef>
+                <a:spcPts val="500"/>
+              </a:spcBef>
+              <a:buFont typeface="Arial"/>
+              <a:buChar char="•"/>
+              <a:defRPr sz="1800" kern="1200">
+                <a:solidFill>
+                  <a:schemeClr val="tx1"/>
+                </a:solidFill>
+                <a:latin typeface="+mn-lt"/>
+                <a:ea typeface="+mn-ea"/>
+                <a:cs typeface="+mn-cs"/>
+              </a:defRPr>
+            </a:lvl8pPr>
+            <a:lvl9pPr marL="3886200" indent="-228600" algn="l" defTabSz="914400" rtl="0" eaLnBrk="1" latinLnBrk="1" hangingPunct="1">
+              <a:lnSpc>
+                <a:spcPct val="90000"/>
+              </a:lnSpc>
+              <a:spcBef>
+                <a:spcPts val="500"/>
+              </a:spcBef>
+              <a:buFont typeface="Arial"/>
+              <a:buChar char="•"/>
+              <a:defRPr sz="1800" kern="1200">
+                <a:solidFill>
+                  <a:schemeClr val="tx1"/>
+                </a:solidFill>
+                <a:latin typeface="+mn-lt"/>
+                <a:ea typeface="+mn-ea"/>
+                <a:cs typeface="+mn-cs"/>
+              </a:defRPr>
+            </a:lvl9pPr>
+          </a:lstStyle>
+          <a:p>
+            <a:r>
+              <a:rPr kumimoji="1" lang="en-US" altLang="ko-KR" sz="2400" b="1" dirty="0"/>
+              <a:t>Constants</a:t>
+            </a:r>
+          </a:p>
+          <a:p>
+            <a:pPr lvl="1"/>
+            <a:r>
+              <a:rPr kumimoji="1" lang="en-US" altLang="ko-KR" sz="2000" b="1" dirty="0"/>
+              <a:t>Physical Constants</a:t>
+            </a:r>
+          </a:p>
+          <a:p>
+            <a:pPr marL="914400" lvl="2" indent="0">
+              <a:buNone/>
+            </a:pPr>
+            <a:r>
+              <a:rPr kumimoji="1" lang="en-US" altLang="ko-KR" sz="1600" b="1" dirty="0"/>
+              <a:t>: Coefficient of frictions and gravitational acceleration</a:t>
+            </a:r>
+          </a:p>
+          <a:p>
+            <a:pPr lvl="1"/>
+            <a:r>
+              <a:rPr kumimoji="1" lang="en-US" altLang="ko-KR" sz="2000" b="1" dirty="0"/>
+              <a:t>Billiard Properties</a:t>
+            </a:r>
+          </a:p>
+          <a:p>
+            <a:pPr marL="914400" lvl="2" indent="0">
+              <a:buNone/>
+            </a:pPr>
+            <a:r>
+              <a:rPr kumimoji="1" lang="en-US" altLang="ko-KR" sz="1600" b="1" dirty="0"/>
+              <a:t>: Table size, the mass of cue, the mass and radius of the ball</a:t>
+            </a:r>
+          </a:p>
+          <a:p>
+            <a:pPr lvl="1"/>
+            <a:r>
+              <a:rPr kumimoji="1" lang="en-US" altLang="ko-KR" sz="2000" b="1" dirty="0"/>
+              <a:t>Others</a:t>
+            </a:r>
+          </a:p>
+          <a:p>
+            <a:pPr marL="914400" lvl="2" indent="0">
+              <a:buNone/>
+            </a:pPr>
+            <a:r>
+              <a:rPr kumimoji="1" lang="en-US" altLang="ko-KR" sz="1600" b="1" dirty="0"/>
+              <a:t>: Collision time and time difference</a:t>
+            </a:r>
+          </a:p>
+          <a:p>
+            <a:pPr marL="0" indent="0">
+              <a:buNone/>
+            </a:pPr>
+            <a:endParaRPr kumimoji="1" lang="en-US" altLang="ko-KR" dirty="0"/>
+          </a:p>
+          <a:p>
+            <a:pPr>
+              <a:buFont typeface="Wingdings" charset="2"/>
+              <a:buChar char="Ø"/>
+            </a:pPr>
+            <a:endParaRPr kumimoji="1" lang="en-US" altLang="ko-KR" dirty="0"/>
+          </a:p>
+        </p:txBody>
+      </p:sp>
+    </p:spTree>
+    <p:extLst>
+      <p:ext uri="{BB962C8B-B14F-4D97-AF65-F5344CB8AC3E}">
+        <p14:creationId xmlns:p14="http://schemas.microsoft.com/office/powerpoint/2010/main" val="3412336250"/>
+      </p:ext>
+    </p:extLst>
+  </p:cSld>
+  <p:clrMapOvr>
+    <a:masterClrMapping/>
+  </p:clrMapOvr>
+</p:sld>
+</file>
+
+<file path=ppt/slides/slide4.xml><?xml version="1.0" encoding="utf-8"?>
+<p:sld xmlns:a="http://schemas.openxmlformats.org/drawingml/2006/main" xmlns:r="http://schemas.openxmlformats.org/officeDocument/2006/relationships" xmlns:p="http://schemas.openxmlformats.org/presentationml/2006/main">
+  <p:cSld>
+    <p:spTree>
+      <p:nvGrpSpPr>
+        <p:cNvPr id="1" name=""/>
+        <p:cNvGrpSpPr/>
+        <p:nvPr/>
+      </p:nvGrpSpPr>
+      <p:grpSpPr>
+        <a:xfrm>
+          <a:off x="0" y="0"/>
+          <a:ext cx="0" cy="0"/>
+          <a:chOff x="0" y="0"/>
+          <a:chExt cx="0" cy="0"/>
+        </a:xfrm>
+      </p:grpSpPr>
+      <p:sp>
+        <p:nvSpPr>
+          <p:cNvPr id="4" name="슬라이드 번호 개체 틀 3"/>
+          <p:cNvSpPr>
+            <a:spLocks noGrp="1"/>
+          </p:cNvSpPr>
+          <p:nvPr>
+            <p:ph type="sldNum" sz="quarter" idx="12"/>
+          </p:nvPr>
+        </p:nvSpPr>
+        <p:spPr/>
+        <p:txBody>
+          <a:bodyPr/>
+          <a:lstStyle/>
+          <a:p>
+            <a:fld id="{61E73F20-6457-484C-9BDA-B4628BF855B2}" type="slidenum">
+              <a:rPr kumimoji="1" lang="ko-KR" altLang="en-US" smtClean="0"/>
+              <a:t>4</a:t>
+            </a:fld>
+            <a:endParaRPr kumimoji="1" lang="ko-KR" altLang="en-US"/>
+          </a:p>
+        </p:txBody>
+      </p:sp>
+      <p:sp>
+        <p:nvSpPr>
+          <p:cNvPr id="5" name="제목 4"/>
+          <p:cNvSpPr>
+            <a:spLocks noGrp="1"/>
+          </p:cNvSpPr>
+          <p:nvPr>
+            <p:ph type="title"/>
+          </p:nvPr>
+        </p:nvSpPr>
+        <p:spPr>
+          <a:xfrm>
+            <a:off x="134461" y="244954"/>
+            <a:ext cx="10725443" cy="422666"/>
+          </a:xfrm>
+        </p:spPr>
+        <p:txBody>
+          <a:bodyPr>
+            <a:normAutofit fontScale="90000"/>
+          </a:bodyPr>
+          <a:lstStyle/>
+          <a:p>
+            <a:r>
+              <a:rPr kumimoji="1" lang="en-US" altLang="ko-KR" b="1" dirty="0">
+                <a:latin typeface="+mj-lt"/>
+              </a:rPr>
+              <a:t>Code Implementation</a:t>
+            </a:r>
+            <a:endParaRPr kumimoji="1" lang="ko-KR" altLang="en-US" b="1" dirty="0">
+              <a:latin typeface="+mj-lt"/>
+            </a:endParaRPr>
+          </a:p>
+        </p:txBody>
+      </p:sp>
+      <p:sp>
+        <p:nvSpPr>
+          <p:cNvPr id="7" name="내용 개체 틀 2">
+            <a:extLst>
+              <a:ext uri="{FF2B5EF4-FFF2-40B4-BE49-F238E27FC236}">
+                <a16:creationId xmlns:a16="http://schemas.microsoft.com/office/drawing/2014/main" id="{6385966C-BEF1-47DD-A84F-81ED111E5FB6}"/>
+              </a:ext>
+            </a:extLst>
+          </p:cNvPr>
+          <p:cNvSpPr txBox="1">
+            <a:spLocks/>
+          </p:cNvSpPr>
+          <p:nvPr/>
+        </p:nvSpPr>
+        <p:spPr>
+          <a:xfrm>
+            <a:off x="326051" y="1275442"/>
+            <a:ext cx="7245823" cy="5337603"/>
+          </a:xfrm>
+          <a:prstGeom prst="rect">
+            <a:avLst/>
+          </a:prstGeom>
+        </p:spPr>
+        <p:txBody>
+          <a:bodyPr vert="horz" lIns="91440" tIns="45720" rIns="91440" bIns="45720" rtlCol="0">
+            <a:normAutofit lnSpcReduction="10000"/>
+          </a:bodyPr>
+          <a:lstStyle>
+            <a:lvl1pPr marL="228600" indent="-228600" algn="l" defTabSz="914400" rtl="0" eaLnBrk="1" latinLnBrk="1" hangingPunct="1">
+              <a:lnSpc>
+                <a:spcPct val="90000"/>
+              </a:lnSpc>
+              <a:spcBef>
+                <a:spcPts val="1000"/>
+              </a:spcBef>
+              <a:buFont typeface="Arial"/>
+              <a:buChar char="•"/>
+              <a:defRPr sz="2800" b="0" i="0" kern="1200">
+                <a:solidFill>
+                  <a:schemeClr val="tx1"/>
+                </a:solidFill>
+                <a:latin typeface="Times New Roman 일반체" charset="0"/>
+                <a:ea typeface="Times New Roman 일반체" charset="0"/>
+                <a:cs typeface="+mn-cs"/>
+              </a:defRPr>
+            </a:lvl1pPr>
+            <a:lvl2pPr marL="685800" indent="-228600" algn="l" defTabSz="914400" rtl="0" eaLnBrk="1" latinLnBrk="1" hangingPunct="1">
+              <a:lnSpc>
+                <a:spcPct val="90000"/>
+              </a:lnSpc>
+              <a:spcBef>
+                <a:spcPts val="500"/>
+              </a:spcBef>
+              <a:buFont typeface="Arial"/>
+              <a:buChar char="•"/>
+              <a:defRPr sz="2400" b="0" i="0" kern="1200">
+                <a:solidFill>
+                  <a:schemeClr val="tx1"/>
+                </a:solidFill>
+                <a:latin typeface="Times New Roman 일반체" charset="0"/>
+                <a:ea typeface="Times New Roman 일반체" charset="0"/>
+                <a:cs typeface="+mn-cs"/>
+              </a:defRPr>
+            </a:lvl2pPr>
+            <a:lvl3pPr marL="1143000" indent="-228600" algn="l" defTabSz="914400" rtl="0" eaLnBrk="1" latinLnBrk="1" hangingPunct="1">
+              <a:lnSpc>
+                <a:spcPct val="90000"/>
+              </a:lnSpc>
+              <a:spcBef>
+                <a:spcPts val="500"/>
+              </a:spcBef>
+              <a:buFont typeface="Arial"/>
+              <a:buChar char="•"/>
+              <a:defRPr sz="2000" b="0" i="0" kern="1200">
+                <a:solidFill>
+                  <a:schemeClr val="tx1"/>
+                </a:solidFill>
+                <a:latin typeface="Times New Roman 일반체" charset="0"/>
+                <a:ea typeface="Times New Roman 일반체" charset="0"/>
+                <a:cs typeface="+mn-cs"/>
+              </a:defRPr>
+            </a:lvl3pPr>
+            <a:lvl4pPr marL="1600200" indent="-228600" algn="l" defTabSz="914400" rtl="0" eaLnBrk="1" latinLnBrk="1" hangingPunct="1">
+              <a:lnSpc>
+                <a:spcPct val="90000"/>
+              </a:lnSpc>
+              <a:spcBef>
+                <a:spcPts val="500"/>
+              </a:spcBef>
+              <a:buFont typeface="Arial"/>
+              <a:buChar char="•"/>
+              <a:defRPr sz="1800" b="0" i="0" kern="1200">
+                <a:solidFill>
+                  <a:schemeClr val="tx1"/>
+                </a:solidFill>
+                <a:latin typeface="Times New Roman 일반체" charset="0"/>
+                <a:ea typeface="Times New Roman 일반체" charset="0"/>
+                <a:cs typeface="+mn-cs"/>
+              </a:defRPr>
+            </a:lvl4pPr>
+            <a:lvl5pPr marL="2057400" indent="-228600" algn="l" defTabSz="914400" rtl="0" eaLnBrk="1" latinLnBrk="1" hangingPunct="1">
+              <a:lnSpc>
+                <a:spcPct val="90000"/>
+              </a:lnSpc>
+              <a:spcBef>
+                <a:spcPts val="500"/>
+              </a:spcBef>
+              <a:buFont typeface="Arial"/>
+              <a:buChar char="•"/>
+              <a:defRPr sz="1800" b="0" i="0" kern="1200">
+                <a:solidFill>
+                  <a:schemeClr val="tx1"/>
+                </a:solidFill>
+                <a:latin typeface="Times New Roman 일반체" charset="0"/>
+                <a:ea typeface="Times New Roman 일반체" charset="0"/>
+                <a:cs typeface="+mn-cs"/>
+              </a:defRPr>
+            </a:lvl5pPr>
+            <a:lvl6pPr marL="2514600" indent="-228600" algn="l" defTabSz="914400" rtl="0" eaLnBrk="1" latinLnBrk="1" hangingPunct="1">
+              <a:lnSpc>
+                <a:spcPct val="90000"/>
+              </a:lnSpc>
+              <a:spcBef>
+                <a:spcPts val="500"/>
+              </a:spcBef>
+              <a:buFont typeface="Arial"/>
+              <a:buChar char="•"/>
+              <a:defRPr sz="1800" kern="1200">
+                <a:solidFill>
+                  <a:schemeClr val="tx1"/>
+                </a:solidFill>
+                <a:latin typeface="+mn-lt"/>
+                <a:ea typeface="+mn-ea"/>
+                <a:cs typeface="+mn-cs"/>
+              </a:defRPr>
+            </a:lvl6pPr>
+            <a:lvl7pPr marL="2971800" indent="-228600" algn="l" defTabSz="914400" rtl="0" eaLnBrk="1" latinLnBrk="1" hangingPunct="1">
+              <a:lnSpc>
+                <a:spcPct val="90000"/>
+              </a:lnSpc>
+              <a:spcBef>
+                <a:spcPts val="500"/>
+              </a:spcBef>
+              <a:buFont typeface="Arial"/>
+              <a:buChar char="•"/>
+              <a:defRPr sz="1800" kern="1200">
+                <a:solidFill>
+                  <a:schemeClr val="tx1"/>
+                </a:solidFill>
+                <a:latin typeface="+mn-lt"/>
+                <a:ea typeface="+mn-ea"/>
+                <a:cs typeface="+mn-cs"/>
+              </a:defRPr>
+            </a:lvl7pPr>
+            <a:lvl8pPr marL="3429000" indent="-228600" algn="l" defTabSz="914400" rtl="0" eaLnBrk="1" latinLnBrk="1" hangingPunct="1">
+              <a:lnSpc>
+                <a:spcPct val="90000"/>
+              </a:lnSpc>
+              <a:spcBef>
+                <a:spcPts val="500"/>
+              </a:spcBef>
+              <a:buFont typeface="Arial"/>
+              <a:buChar char="•"/>
+              <a:defRPr sz="1800" kern="1200">
+                <a:solidFill>
+                  <a:schemeClr val="tx1"/>
+                </a:solidFill>
+                <a:latin typeface="+mn-lt"/>
+                <a:ea typeface="+mn-ea"/>
+                <a:cs typeface="+mn-cs"/>
+              </a:defRPr>
+            </a:lvl8pPr>
+            <a:lvl9pPr marL="3886200" indent="-228600" algn="l" defTabSz="914400" rtl="0" eaLnBrk="1" latinLnBrk="1" hangingPunct="1">
+              <a:lnSpc>
+                <a:spcPct val="90000"/>
+              </a:lnSpc>
+              <a:spcBef>
+                <a:spcPts val="500"/>
+              </a:spcBef>
+              <a:buFont typeface="Arial"/>
+              <a:buChar char="•"/>
+              <a:defRPr sz="1800" kern="1200">
+                <a:solidFill>
+                  <a:schemeClr val="tx1"/>
+                </a:solidFill>
+                <a:latin typeface="+mn-lt"/>
+                <a:ea typeface="+mn-ea"/>
+                <a:cs typeface="+mn-cs"/>
+              </a:defRPr>
+            </a:lvl9pPr>
+          </a:lstStyle>
+          <a:p>
+            <a:r>
+              <a:rPr kumimoji="1" lang="en-US" altLang="ko-KR" sz="2400" b="1" dirty="0"/>
+              <a:t>data : </a:t>
+            </a:r>
+          </a:p>
+          <a:p>
+            <a:pPr marL="457200" lvl="1" indent="0">
+              <a:buNone/>
+            </a:pPr>
+            <a:r>
+              <a:rPr kumimoji="1" lang="en-US" altLang="ko-KR" sz="2000" b="1" dirty="0"/>
+              <a:t>- Directory for storing Table.</a:t>
+            </a:r>
+          </a:p>
+          <a:p>
+            <a:r>
+              <a:rPr kumimoji="1" lang="en-US" altLang="ko-KR" sz="2400" b="1" dirty="0"/>
+              <a:t>log : </a:t>
+            </a:r>
+          </a:p>
+          <a:p>
+            <a:pPr marL="457200" lvl="1" indent="0">
+              <a:buNone/>
+            </a:pPr>
+            <a:r>
+              <a:rPr kumimoji="1" lang="en-US" altLang="ko-KR" sz="2000" b="1" dirty="0"/>
+              <a:t>- Directory for log files.</a:t>
+            </a:r>
+          </a:p>
+          <a:p>
+            <a:pPr marL="457200" lvl="1" indent="0">
+              <a:buNone/>
+            </a:pPr>
+            <a:r>
+              <a:rPr kumimoji="1" lang="en-US" altLang="ko-KR" sz="2000" b="1" dirty="0"/>
+              <a:t>- Log files are records data for each test cases</a:t>
+            </a:r>
+          </a:p>
+          <a:p>
+            <a:r>
+              <a:rPr kumimoji="1" lang="en-US" altLang="ko-KR" sz="2400" b="1" dirty="0"/>
+              <a:t>script</a:t>
+            </a:r>
+          </a:p>
+          <a:p>
+            <a:pPr lvl="1"/>
+            <a:r>
+              <a:rPr kumimoji="1" lang="en-US" altLang="ko-KR" sz="2000" b="1" dirty="0"/>
+              <a:t>ball.py</a:t>
+            </a:r>
+          </a:p>
+          <a:p>
+            <a:pPr marL="914400" lvl="2" indent="0">
+              <a:buNone/>
+            </a:pPr>
+            <a:r>
+              <a:rPr kumimoji="1" lang="en-US" altLang="ko-KR" sz="1600" b="1" dirty="0"/>
+              <a:t>- The core module of this project</a:t>
+            </a:r>
+          </a:p>
+          <a:p>
+            <a:pPr marL="914400" lvl="2" indent="0">
+              <a:buNone/>
+            </a:pPr>
+            <a:r>
+              <a:rPr kumimoji="1" lang="en-US" altLang="ko-KR" sz="1600" b="1" dirty="0"/>
+              <a:t>- Computes very ball’s actions</a:t>
+            </a:r>
+          </a:p>
+          <a:p>
+            <a:pPr lvl="1"/>
+            <a:r>
+              <a:rPr kumimoji="1" lang="en-US" altLang="ko-KR" sz="2000" b="1" dirty="0"/>
+              <a:t>data.py</a:t>
+            </a:r>
+          </a:p>
+          <a:p>
+            <a:pPr marL="914400" lvl="2" indent="0">
+              <a:buNone/>
+            </a:pPr>
+            <a:r>
+              <a:rPr kumimoji="1" lang="en-US" altLang="ko-KR" sz="1600" b="1" dirty="0"/>
+              <a:t>- The module for physical constants, properties about billiard game</a:t>
+            </a:r>
+          </a:p>
+          <a:p>
+            <a:pPr lvl="1"/>
+            <a:r>
+              <a:rPr kumimoji="1" lang="en-US" altLang="ko-KR" sz="2000" b="1" dirty="0"/>
+              <a:t>table.py</a:t>
+            </a:r>
+          </a:p>
+          <a:p>
+            <a:pPr lvl="2">
+              <a:buFontTx/>
+              <a:buChar char="-"/>
+            </a:pPr>
+            <a:r>
+              <a:rPr kumimoji="1" lang="en-US" altLang="ko-KR" sz="1600" b="1" dirty="0"/>
+              <a:t>The module for creating billiard tables</a:t>
+            </a:r>
+          </a:p>
+          <a:p>
+            <a:pPr lvl="2">
+              <a:buFontTx/>
+              <a:buChar char="-"/>
+            </a:pPr>
+            <a:r>
+              <a:rPr kumimoji="1" lang="en-US" altLang="ko-KR" sz="1600" b="1" dirty="0"/>
+              <a:t>Stores data by “.</a:t>
+            </a:r>
+            <a:r>
+              <a:rPr kumimoji="1" lang="en-US" altLang="ko-KR" sz="1600" b="1" dirty="0" err="1"/>
+              <a:t>npy</a:t>
+            </a:r>
+            <a:r>
+              <a:rPr kumimoji="1" lang="en-US" altLang="ko-KR" sz="1600" b="1" dirty="0"/>
+              <a:t>” file</a:t>
+            </a:r>
+          </a:p>
+          <a:p>
+            <a:pPr lvl="1"/>
+            <a:r>
+              <a:rPr kumimoji="1" lang="en-US" altLang="ko-KR" sz="2000" b="1" dirty="0"/>
+              <a:t>main.py</a:t>
+            </a:r>
+          </a:p>
+          <a:p>
+            <a:pPr lvl="2">
+              <a:buFontTx/>
+              <a:buChar char="-"/>
+            </a:pPr>
+            <a:r>
+              <a:rPr kumimoji="1" lang="en-US" altLang="ko-KR" sz="1600" b="1" dirty="0"/>
+              <a:t>The execution script</a:t>
+            </a:r>
+          </a:p>
+          <a:p>
+            <a:pPr lvl="2">
+              <a:buFontTx/>
+              <a:buChar char="-"/>
+            </a:pPr>
+            <a:r>
+              <a:rPr kumimoji="1" lang="en-US" altLang="ko-KR" sz="1600" b="1" dirty="0"/>
+              <a:t> Initiates the simulation</a:t>
+            </a:r>
+            <a:endParaRPr kumimoji="1" lang="en-US" altLang="ko-KR" dirty="0"/>
+          </a:p>
+          <a:p>
+            <a:pPr>
+              <a:buFont typeface="Wingdings" charset="2"/>
+              <a:buChar char="Ø"/>
+            </a:pPr>
+            <a:endParaRPr kumimoji="1" lang="en-US" altLang="ko-KR" dirty="0"/>
+          </a:p>
+        </p:txBody>
+      </p:sp>
+      <p:pic>
+        <p:nvPicPr>
+          <p:cNvPr id="3" name="그림 2">
+            <a:extLst>
+              <a:ext uri="{FF2B5EF4-FFF2-40B4-BE49-F238E27FC236}">
+                <a16:creationId xmlns:a16="http://schemas.microsoft.com/office/drawing/2014/main" id="{671711FB-F52E-49F8-8134-5FD1BF35E869}"/>
+              </a:ext>
+            </a:extLst>
+          </p:cNvPr>
+          <p:cNvPicPr>
+            <a:picLocks noChangeAspect="1"/>
+          </p:cNvPicPr>
+          <p:nvPr/>
+        </p:nvPicPr>
+        <p:blipFill rotWithShape="1">
+          <a:blip r:embed="rId3"/>
+          <a:srcRect r="59884"/>
+          <a:stretch/>
+        </p:blipFill>
+        <p:spPr>
+          <a:xfrm>
+            <a:off x="9530394" y="1275442"/>
+            <a:ext cx="1823406" cy="3172596"/>
+          </a:xfrm>
+          <a:prstGeom prst="rect">
+            <a:avLst/>
+          </a:prstGeom>
+        </p:spPr>
+      </p:pic>
+    </p:spTree>
+    <p:extLst>
+      <p:ext uri="{BB962C8B-B14F-4D97-AF65-F5344CB8AC3E}">
+        <p14:creationId xmlns:p14="http://schemas.microsoft.com/office/powerpoint/2010/main" val="3075624951"/>
+      </p:ext>
+    </p:extLst>
+  </p:cSld>
+  <p:clrMapOvr>
+    <a:masterClrMapping/>
+  </p:clrMapOvr>
+</p:sld>
+</file>
+
+<file path=ppt/slides/slide5.xml><?xml version="1.0" encoding="utf-8"?>
+<p:sld xmlns:a="http://schemas.openxmlformats.org/drawingml/2006/main" xmlns:r="http://schemas.openxmlformats.org/officeDocument/2006/relationships" xmlns:p="http://schemas.openxmlformats.org/presentationml/2006/main">
+  <p:cSld>
+    <p:spTree>
+      <p:nvGrpSpPr>
+        <p:cNvPr id="1" name=""/>
+        <p:cNvGrpSpPr/>
+        <p:nvPr/>
+      </p:nvGrpSpPr>
+      <p:grpSpPr>
+        <a:xfrm>
+          <a:off x="0" y="0"/>
+          <a:ext cx="0" cy="0"/>
+          <a:chOff x="0" y="0"/>
+          <a:chExt cx="0" cy="0"/>
+        </a:xfrm>
+      </p:grpSpPr>
+      <p:sp>
+        <p:nvSpPr>
+          <p:cNvPr id="4" name="슬라이드 번호 개체 틀 3"/>
+          <p:cNvSpPr>
+            <a:spLocks noGrp="1"/>
+          </p:cNvSpPr>
+          <p:nvPr>
+            <p:ph type="sldNum" sz="quarter" idx="12"/>
+          </p:nvPr>
+        </p:nvSpPr>
+        <p:spPr/>
+        <p:txBody>
+          <a:bodyPr/>
+          <a:lstStyle/>
+          <a:p>
+            <a:fld id="{61E73F20-6457-484C-9BDA-B4628BF855B2}" type="slidenum">
+              <a:rPr kumimoji="1" lang="ko-KR" altLang="en-US" smtClean="0"/>
+              <a:t>5</a:t>
+            </a:fld>
+            <a:endParaRPr kumimoji="1" lang="ko-KR" altLang="en-US"/>
+          </a:p>
+        </p:txBody>
+      </p:sp>
+      <p:sp>
+        <p:nvSpPr>
+          <p:cNvPr id="5" name="제목 4"/>
+          <p:cNvSpPr>
+            <a:spLocks noGrp="1"/>
+          </p:cNvSpPr>
+          <p:nvPr>
+            <p:ph type="title"/>
+          </p:nvPr>
+        </p:nvSpPr>
+        <p:spPr>
+          <a:xfrm>
+            <a:off x="134461" y="244954"/>
+            <a:ext cx="10725443" cy="422666"/>
+          </a:xfrm>
+        </p:spPr>
+        <p:txBody>
+          <a:bodyPr>
+            <a:normAutofit fontScale="90000"/>
+          </a:bodyPr>
+          <a:lstStyle/>
+          <a:p>
+            <a:r>
+              <a:rPr kumimoji="1" lang="en-US" altLang="ko-KR" b="1" dirty="0">
+                <a:latin typeface="+mj-lt"/>
+              </a:rPr>
+              <a:t>Simulation Process</a:t>
+            </a:r>
+            <a:endParaRPr kumimoji="1" lang="ko-KR" altLang="en-US" b="1" dirty="0">
+              <a:latin typeface="+mj-lt"/>
+            </a:endParaRPr>
+          </a:p>
+        </p:txBody>
+      </p:sp>
+      <p:pic>
+        <p:nvPicPr>
+          <p:cNvPr id="6" name="그림 5">
+            <a:extLst>
+              <a:ext uri="{FF2B5EF4-FFF2-40B4-BE49-F238E27FC236}">
+                <a16:creationId xmlns:a16="http://schemas.microsoft.com/office/drawing/2014/main" id="{46476A6E-ABFF-4127-84C2-2C859A3A99C4}"/>
+              </a:ext>
+            </a:extLst>
+          </p:cNvPr>
+          <p:cNvPicPr>
+            <a:picLocks noChangeAspect="1"/>
+          </p:cNvPicPr>
+          <p:nvPr/>
+        </p:nvPicPr>
+        <p:blipFill rotWithShape="1">
+          <a:blip r:embed="rId3"/>
+          <a:srcRect l="4597" t="18615" r="9599" b="13297"/>
+          <a:stretch/>
+        </p:blipFill>
+        <p:spPr>
+          <a:xfrm>
+            <a:off x="417946" y="4478079"/>
+            <a:ext cx="3163454" cy="1673523"/>
+          </a:xfrm>
+          <a:prstGeom prst="rect">
+            <a:avLst/>
+          </a:prstGeom>
+        </p:spPr>
+      </p:pic>
+      <p:pic>
+        <p:nvPicPr>
+          <p:cNvPr id="11" name="그림 10">
+            <a:extLst>
+              <a:ext uri="{FF2B5EF4-FFF2-40B4-BE49-F238E27FC236}">
+                <a16:creationId xmlns:a16="http://schemas.microsoft.com/office/drawing/2014/main" id="{54F0E344-E6B2-433D-8EE0-C0FFE0253226}"/>
+              </a:ext>
+            </a:extLst>
+          </p:cNvPr>
+          <p:cNvPicPr>
+            <a:picLocks noChangeAspect="1"/>
+          </p:cNvPicPr>
+          <p:nvPr/>
+        </p:nvPicPr>
+        <p:blipFill rotWithShape="1">
+          <a:blip r:embed="rId4"/>
+          <a:srcRect l="4597" t="14196" r="9599" b="11862"/>
+          <a:stretch/>
+        </p:blipFill>
+        <p:spPr>
+          <a:xfrm>
+            <a:off x="4464926" y="4358193"/>
+            <a:ext cx="3163454" cy="1817413"/>
+          </a:xfrm>
+          <a:prstGeom prst="rect">
+            <a:avLst/>
+          </a:prstGeom>
+        </p:spPr>
+      </p:pic>
+      <p:pic>
+        <p:nvPicPr>
+          <p:cNvPr id="13" name="그림 12">
+            <a:extLst>
+              <a:ext uri="{FF2B5EF4-FFF2-40B4-BE49-F238E27FC236}">
+                <a16:creationId xmlns:a16="http://schemas.microsoft.com/office/drawing/2014/main" id="{59C7D49C-25A6-4C8A-AC8E-6D1648840E98}"/>
+              </a:ext>
+            </a:extLst>
+          </p:cNvPr>
+          <p:cNvPicPr>
+            <a:picLocks noChangeAspect="1"/>
+          </p:cNvPicPr>
+          <p:nvPr/>
+        </p:nvPicPr>
+        <p:blipFill rotWithShape="1">
+          <a:blip r:embed="rId5"/>
+          <a:srcRect l="4236" t="17975" r="7853" b="9981"/>
+          <a:stretch/>
+        </p:blipFill>
+        <p:spPr>
+          <a:xfrm>
+            <a:off x="8532926" y="4452783"/>
+            <a:ext cx="3241128" cy="1770763"/>
+          </a:xfrm>
+          <a:prstGeom prst="rect">
+            <a:avLst/>
+          </a:prstGeom>
+        </p:spPr>
+      </p:pic>
+      <p:sp>
+        <p:nvSpPr>
+          <p:cNvPr id="14" name="내용 개체 틀 2">
+            <a:extLst>
+              <a:ext uri="{FF2B5EF4-FFF2-40B4-BE49-F238E27FC236}">
+                <a16:creationId xmlns:a16="http://schemas.microsoft.com/office/drawing/2014/main" id="{E1E2D85E-13A8-46A7-B7CE-92523A08B20C}"/>
+              </a:ext>
+            </a:extLst>
+          </p:cNvPr>
+          <p:cNvSpPr txBox="1">
+            <a:spLocks/>
+          </p:cNvSpPr>
+          <p:nvPr/>
+        </p:nvSpPr>
+        <p:spPr>
+          <a:xfrm>
+            <a:off x="308289" y="1079127"/>
+            <a:ext cx="2111062" cy="438196"/>
+          </a:xfrm>
+          <a:prstGeom prst="rect">
+            <a:avLst/>
+          </a:prstGeom>
+        </p:spPr>
+        <p:txBody>
+          <a:bodyPr vert="horz" lIns="91440" tIns="45720" rIns="91440" bIns="45720" rtlCol="0">
+            <a:normAutofit/>
+          </a:bodyPr>
+          <a:lstStyle>
+            <a:lvl1pPr marL="228600" indent="-228600" algn="l" defTabSz="914400" rtl="0" eaLnBrk="1" latinLnBrk="1" hangingPunct="1">
+              <a:lnSpc>
+                <a:spcPct val="90000"/>
+              </a:lnSpc>
+              <a:spcBef>
+                <a:spcPts val="1000"/>
+              </a:spcBef>
+              <a:buFont typeface="Arial"/>
+              <a:buChar char="•"/>
+              <a:defRPr sz="2800" b="0" i="0" kern="1200">
+                <a:solidFill>
+                  <a:schemeClr val="tx1"/>
+                </a:solidFill>
+                <a:latin typeface="Times New Roman 일반체" charset="0"/>
+                <a:ea typeface="Times New Roman 일반체" charset="0"/>
+                <a:cs typeface="+mn-cs"/>
+              </a:defRPr>
+            </a:lvl1pPr>
+            <a:lvl2pPr marL="685800" indent="-228600" algn="l" defTabSz="914400" rtl="0" eaLnBrk="1" latinLnBrk="1" hangingPunct="1">
+              <a:lnSpc>
+                <a:spcPct val="90000"/>
+              </a:lnSpc>
+              <a:spcBef>
+                <a:spcPts val="500"/>
+              </a:spcBef>
+              <a:buFont typeface="Arial"/>
+              <a:buChar char="•"/>
+              <a:defRPr sz="2400" b="0" i="0" kern="1200">
+                <a:solidFill>
+                  <a:schemeClr val="tx1"/>
+                </a:solidFill>
+                <a:latin typeface="Times New Roman 일반체" charset="0"/>
+                <a:ea typeface="Times New Roman 일반체" charset="0"/>
+                <a:cs typeface="+mn-cs"/>
+              </a:defRPr>
+            </a:lvl2pPr>
+            <a:lvl3pPr marL="1143000" indent="-228600" algn="l" defTabSz="914400" rtl="0" eaLnBrk="1" latinLnBrk="1" hangingPunct="1">
+              <a:lnSpc>
+                <a:spcPct val="90000"/>
+              </a:lnSpc>
+              <a:spcBef>
+                <a:spcPts val="500"/>
+              </a:spcBef>
+              <a:buFont typeface="Arial"/>
+              <a:buChar char="•"/>
+              <a:defRPr sz="2000" b="0" i="0" kern="1200">
+                <a:solidFill>
+                  <a:schemeClr val="tx1"/>
+                </a:solidFill>
+                <a:latin typeface="Times New Roman 일반체" charset="0"/>
+                <a:ea typeface="Times New Roman 일반체" charset="0"/>
+                <a:cs typeface="+mn-cs"/>
+              </a:defRPr>
+            </a:lvl3pPr>
+            <a:lvl4pPr marL="1600200" indent="-228600" algn="l" defTabSz="914400" rtl="0" eaLnBrk="1" latinLnBrk="1" hangingPunct="1">
+              <a:lnSpc>
+                <a:spcPct val="90000"/>
+              </a:lnSpc>
+              <a:spcBef>
+                <a:spcPts val="500"/>
+              </a:spcBef>
+              <a:buFont typeface="Arial"/>
+              <a:buChar char="•"/>
+              <a:defRPr sz="1800" b="0" i="0" kern="1200">
+                <a:solidFill>
+                  <a:schemeClr val="tx1"/>
+                </a:solidFill>
+                <a:latin typeface="Times New Roman 일반체" charset="0"/>
+                <a:ea typeface="Times New Roman 일반체" charset="0"/>
+                <a:cs typeface="+mn-cs"/>
+              </a:defRPr>
+            </a:lvl4pPr>
+            <a:lvl5pPr marL="2057400" indent="-228600" algn="l" defTabSz="914400" rtl="0" eaLnBrk="1" latinLnBrk="1" hangingPunct="1">
+              <a:lnSpc>
+                <a:spcPct val="90000"/>
+              </a:lnSpc>
+              <a:spcBef>
+                <a:spcPts val="500"/>
+              </a:spcBef>
+              <a:buFont typeface="Arial"/>
+              <a:buChar char="•"/>
+              <a:defRPr sz="1800" b="0" i="0" kern="1200">
+                <a:solidFill>
+                  <a:schemeClr val="tx1"/>
+                </a:solidFill>
+                <a:latin typeface="Times New Roman 일반체" charset="0"/>
+                <a:ea typeface="Times New Roman 일반체" charset="0"/>
+                <a:cs typeface="+mn-cs"/>
+              </a:defRPr>
+            </a:lvl5pPr>
+            <a:lvl6pPr marL="2514600" indent="-228600" algn="l" defTabSz="914400" rtl="0" eaLnBrk="1" latinLnBrk="1" hangingPunct="1">
+              <a:lnSpc>
+                <a:spcPct val="90000"/>
+              </a:lnSpc>
+              <a:spcBef>
+                <a:spcPts val="500"/>
+              </a:spcBef>
+              <a:buFont typeface="Arial"/>
+              <a:buChar char="•"/>
+              <a:defRPr sz="1800" kern="1200">
+                <a:solidFill>
+                  <a:schemeClr val="tx1"/>
+                </a:solidFill>
+                <a:latin typeface="+mn-lt"/>
+                <a:ea typeface="+mn-ea"/>
+                <a:cs typeface="+mn-cs"/>
+              </a:defRPr>
+            </a:lvl6pPr>
+            <a:lvl7pPr marL="2971800" indent="-228600" algn="l" defTabSz="914400" rtl="0" eaLnBrk="1" latinLnBrk="1" hangingPunct="1">
+              <a:lnSpc>
+                <a:spcPct val="90000"/>
+              </a:lnSpc>
+              <a:spcBef>
+                <a:spcPts val="500"/>
+              </a:spcBef>
+              <a:buFont typeface="Arial"/>
+              <a:buChar char="•"/>
+              <a:defRPr sz="1800" kern="1200">
+                <a:solidFill>
+                  <a:schemeClr val="tx1"/>
+                </a:solidFill>
+                <a:latin typeface="+mn-lt"/>
+                <a:ea typeface="+mn-ea"/>
+                <a:cs typeface="+mn-cs"/>
+              </a:defRPr>
+            </a:lvl7pPr>
+            <a:lvl8pPr marL="3429000" indent="-228600" algn="l" defTabSz="914400" rtl="0" eaLnBrk="1" latinLnBrk="1" hangingPunct="1">
+              <a:lnSpc>
+                <a:spcPct val="90000"/>
+              </a:lnSpc>
+              <a:spcBef>
+                <a:spcPts val="500"/>
+              </a:spcBef>
+              <a:buFont typeface="Arial"/>
+              <a:buChar char="•"/>
+              <a:defRPr sz="1800" kern="1200">
+                <a:solidFill>
+                  <a:schemeClr val="tx1"/>
+                </a:solidFill>
+                <a:latin typeface="+mn-lt"/>
+                <a:ea typeface="+mn-ea"/>
+                <a:cs typeface="+mn-cs"/>
+              </a:defRPr>
+            </a:lvl8pPr>
+            <a:lvl9pPr marL="3886200" indent="-228600" algn="l" defTabSz="914400" rtl="0" eaLnBrk="1" latinLnBrk="1" hangingPunct="1">
+              <a:lnSpc>
+                <a:spcPct val="90000"/>
+              </a:lnSpc>
+              <a:spcBef>
+                <a:spcPts val="500"/>
+              </a:spcBef>
+              <a:buFont typeface="Arial"/>
+              <a:buChar char="•"/>
+              <a:defRPr sz="1800" kern="1200">
+                <a:solidFill>
+                  <a:schemeClr val="tx1"/>
+                </a:solidFill>
+                <a:latin typeface="+mn-lt"/>
+                <a:ea typeface="+mn-ea"/>
+                <a:cs typeface="+mn-cs"/>
+              </a:defRPr>
+            </a:lvl9pPr>
+          </a:lstStyle>
+          <a:p>
+            <a:r>
+              <a:rPr kumimoji="1" lang="en-US" altLang="ko-KR" sz="2400" b="1" dirty="0"/>
+              <a:t>Initialization</a:t>
+            </a:r>
+          </a:p>
+        </p:txBody>
+      </p:sp>
+      <p:grpSp>
+        <p:nvGrpSpPr>
+          <p:cNvPr id="28" name="그룹 27">
+            <a:extLst>
+              <a:ext uri="{FF2B5EF4-FFF2-40B4-BE49-F238E27FC236}">
+                <a16:creationId xmlns:a16="http://schemas.microsoft.com/office/drawing/2014/main" id="{E9F76AC7-9347-4462-8387-42FD9D3E25EE}"/>
+              </a:ext>
+            </a:extLst>
+          </p:cNvPr>
+          <p:cNvGrpSpPr/>
+          <p:nvPr/>
+        </p:nvGrpSpPr>
+        <p:grpSpPr>
+          <a:xfrm>
+            <a:off x="5069391" y="1503462"/>
+            <a:ext cx="2134655" cy="2319190"/>
+            <a:chOff x="6254627" y="974948"/>
+            <a:chExt cx="2527423" cy="2745910"/>
+          </a:xfrm>
+        </p:grpSpPr>
+        <p:sp>
+          <p:nvSpPr>
+            <p:cNvPr id="29" name="타원 28">
+              <a:extLst>
+                <a:ext uri="{FF2B5EF4-FFF2-40B4-BE49-F238E27FC236}">
+                  <a16:creationId xmlns:a16="http://schemas.microsoft.com/office/drawing/2014/main" id="{784A5BE0-444A-4DC3-807B-AAF286D1DA29}"/>
+                </a:ext>
+              </a:extLst>
+            </p:cNvPr>
+            <p:cNvSpPr/>
+            <p:nvPr/>
+          </p:nvSpPr>
+          <p:spPr>
+            <a:xfrm>
+              <a:off x="6725761" y="1362733"/>
+              <a:ext cx="2056289" cy="2056289"/>
+            </a:xfrm>
+            <a:prstGeom prst="ellipse">
+              <a:avLst/>
+            </a:prstGeom>
+            <a:solidFill>
+              <a:srgbClr val="FFC000"/>
+            </a:solidFill>
+            <a:ln>
+              <a:noFill/>
+            </a:ln>
+          </p:spPr>
+          <p:style>
+            <a:lnRef idx="2">
+              <a:schemeClr val="accent1">
+                <a:shade val="50000"/>
+              </a:schemeClr>
+            </a:lnRef>
+            <a:fillRef idx="1">
+              <a:schemeClr val="accent1"/>
+            </a:fillRef>
+            <a:effectRef idx="0">
+              <a:schemeClr val="accent1"/>
+            </a:effectRef>
+            <a:fontRef idx="minor">
+              <a:schemeClr val="lt1"/>
+            </a:fontRef>
+          </p:style>
+          <p:txBody>
+            <a:bodyPr rtlCol="0" anchor="ctr"/>
+            <a:lstStyle/>
+            <a:p>
+              <a:pPr algn="ctr"/>
+              <a:endParaRPr lang="ko-KR" altLang="en-US"/>
+            </a:p>
+          </p:txBody>
+        </p:sp>
+        <p:sp>
+          <p:nvSpPr>
+            <p:cNvPr id="30" name="TextBox 29">
+              <a:extLst>
+                <a:ext uri="{FF2B5EF4-FFF2-40B4-BE49-F238E27FC236}">
+                  <a16:creationId xmlns:a16="http://schemas.microsoft.com/office/drawing/2014/main" id="{43B6C786-A6B4-4843-92B4-790063058A9E}"/>
+                </a:ext>
+              </a:extLst>
+            </p:cNvPr>
+            <p:cNvSpPr txBox="1"/>
+            <p:nvPr/>
+          </p:nvSpPr>
+          <p:spPr>
+            <a:xfrm>
+              <a:off x="7203911" y="3474637"/>
+              <a:ext cx="1099981" cy="246221"/>
+            </a:xfrm>
+            <a:prstGeom prst="rect">
+              <a:avLst/>
+            </a:prstGeom>
+            <a:noFill/>
+          </p:spPr>
+          <p:txBody>
+            <a:bodyPr wrap="none" rtlCol="0">
+              <a:spAutoFit/>
+            </a:bodyPr>
+            <a:lstStyle/>
+            <a:p>
+              <a:r>
+                <a:rPr lang="en-US" altLang="ko-KR" sz="1000" dirty="0"/>
+                <a:t>projected plane</a:t>
+              </a:r>
+              <a:endParaRPr lang="ko-KR" altLang="en-US" sz="1000" dirty="0"/>
+            </a:p>
+          </p:txBody>
+        </p:sp>
+        <p:grpSp>
+          <p:nvGrpSpPr>
+            <p:cNvPr id="31" name="그룹 30">
+              <a:extLst>
+                <a:ext uri="{FF2B5EF4-FFF2-40B4-BE49-F238E27FC236}">
+                  <a16:creationId xmlns:a16="http://schemas.microsoft.com/office/drawing/2014/main" id="{B740820B-87FE-4CD1-A722-48C51895B246}"/>
+                </a:ext>
+              </a:extLst>
+            </p:cNvPr>
+            <p:cNvGrpSpPr/>
+            <p:nvPr/>
+          </p:nvGrpSpPr>
+          <p:grpSpPr>
+            <a:xfrm>
+              <a:off x="6725759" y="2141200"/>
+              <a:ext cx="2056286" cy="494067"/>
+              <a:chOff x="7112080" y="2141200"/>
+              <a:chExt cx="1283646" cy="494067"/>
+            </a:xfrm>
+          </p:grpSpPr>
+          <p:cxnSp>
+            <p:nvCxnSpPr>
+              <p:cNvPr id="45" name="직선 연결선 44">
+                <a:extLst>
+                  <a:ext uri="{FF2B5EF4-FFF2-40B4-BE49-F238E27FC236}">
+                    <a16:creationId xmlns:a16="http://schemas.microsoft.com/office/drawing/2014/main" id="{86EAA49B-65BE-4DC5-8EC1-7C2734DE53A0}"/>
+                  </a:ext>
+                </a:extLst>
+              </p:cNvPr>
+              <p:cNvCxnSpPr>
+                <a:cxnSpLocks/>
+                <a:stCxn id="29" idx="2"/>
+                <a:endCxn id="36" idx="6"/>
+              </p:cNvCxnSpPr>
+              <p:nvPr/>
+            </p:nvCxnSpPr>
+            <p:spPr>
+              <a:xfrm flipV="1">
+                <a:off x="7112080" y="2388788"/>
+                <a:ext cx="1283646" cy="2090"/>
+              </a:xfrm>
+              <a:prstGeom prst="line">
+                <a:avLst/>
+              </a:prstGeom>
+              <a:ln>
+                <a:prstDash val="sysDash"/>
+              </a:ln>
+            </p:spPr>
+            <p:style>
+              <a:lnRef idx="1">
+                <a:schemeClr val="dk1"/>
+              </a:lnRef>
+              <a:fillRef idx="0">
+                <a:schemeClr val="dk1"/>
+              </a:fillRef>
+              <a:effectRef idx="0">
+                <a:schemeClr val="dk1"/>
+              </a:effectRef>
+              <a:fontRef idx="minor">
+                <a:schemeClr val="tx1"/>
+              </a:fontRef>
+            </p:style>
+          </p:cxnSp>
+          <p:cxnSp>
+            <p:nvCxnSpPr>
+              <p:cNvPr id="46" name="직선 연결선 45">
+                <a:extLst>
+                  <a:ext uri="{FF2B5EF4-FFF2-40B4-BE49-F238E27FC236}">
+                    <a16:creationId xmlns:a16="http://schemas.microsoft.com/office/drawing/2014/main" id="{2990A733-163B-4587-9C6D-60ABE4BA1C53}"/>
+                  </a:ext>
+                </a:extLst>
+              </p:cNvPr>
+              <p:cNvCxnSpPr>
+                <a:cxnSpLocks/>
+              </p:cNvCxnSpPr>
+              <p:nvPr/>
+            </p:nvCxnSpPr>
+            <p:spPr>
+              <a:xfrm flipH="1">
+                <a:off x="7577161" y="2141200"/>
+                <a:ext cx="336940" cy="494067"/>
+              </a:xfrm>
+              <a:prstGeom prst="line">
+                <a:avLst/>
+              </a:prstGeom>
+              <a:ln>
+                <a:prstDash val="sysDash"/>
+              </a:ln>
+            </p:spPr>
+            <p:style>
+              <a:lnRef idx="1">
+                <a:schemeClr val="dk1"/>
+              </a:lnRef>
+              <a:fillRef idx="0">
+                <a:schemeClr val="dk1"/>
+              </a:fillRef>
+              <a:effectRef idx="0">
+                <a:schemeClr val="dk1"/>
+              </a:effectRef>
+              <a:fontRef idx="minor">
+                <a:schemeClr val="tx1"/>
+              </a:fontRef>
+            </p:style>
+          </p:cxnSp>
+        </p:grpSp>
+        <p:cxnSp>
+          <p:nvCxnSpPr>
+            <p:cNvPr id="32" name="직선 연결선 31">
+              <a:extLst>
+                <a:ext uri="{FF2B5EF4-FFF2-40B4-BE49-F238E27FC236}">
+                  <a16:creationId xmlns:a16="http://schemas.microsoft.com/office/drawing/2014/main" id="{D937F8ED-F391-4BB5-B307-B2090B6836FB}"/>
+                </a:ext>
+              </a:extLst>
+            </p:cNvPr>
+            <p:cNvCxnSpPr>
+              <a:cxnSpLocks/>
+              <a:stCxn id="39" idx="4"/>
+            </p:cNvCxnSpPr>
+            <p:nvPr/>
+          </p:nvCxnSpPr>
+          <p:spPr>
+            <a:xfrm>
+              <a:off x="8081188" y="2045988"/>
+              <a:ext cx="0" cy="488052"/>
+            </a:xfrm>
+            <a:prstGeom prst="line">
+              <a:avLst/>
+            </a:prstGeom>
+            <a:ln>
+              <a:prstDash val="sysDot"/>
+            </a:ln>
+          </p:spPr>
+          <p:style>
+            <a:lnRef idx="1">
+              <a:schemeClr val="dk1"/>
+            </a:lnRef>
+            <a:fillRef idx="0">
+              <a:schemeClr val="dk1"/>
+            </a:fillRef>
+            <a:effectRef idx="0">
+              <a:schemeClr val="dk1"/>
+            </a:effectRef>
+            <a:fontRef idx="minor">
+              <a:schemeClr val="tx1"/>
+            </a:fontRef>
+          </p:style>
+        </p:cxnSp>
+        <p:sp>
+          <p:nvSpPr>
+            <p:cNvPr id="33" name="TextBox 32">
+              <a:extLst>
+                <a:ext uri="{FF2B5EF4-FFF2-40B4-BE49-F238E27FC236}">
+                  <a16:creationId xmlns:a16="http://schemas.microsoft.com/office/drawing/2014/main" id="{75F35C53-276B-4CDF-B65E-11C37166EA1A}"/>
+                </a:ext>
+              </a:extLst>
+            </p:cNvPr>
+            <p:cNvSpPr txBox="1"/>
+            <p:nvPr/>
+          </p:nvSpPr>
+          <p:spPr>
+            <a:xfrm>
+              <a:off x="7715393" y="2427707"/>
+              <a:ext cx="251992" cy="246221"/>
+            </a:xfrm>
+            <a:prstGeom prst="rect">
+              <a:avLst/>
+            </a:prstGeom>
+            <a:noFill/>
+          </p:spPr>
+          <p:txBody>
+            <a:bodyPr wrap="none" rtlCol="0">
+              <a:spAutoFit/>
+            </a:bodyPr>
+            <a:lstStyle/>
+            <a:p>
+              <a:r>
+                <a:rPr lang="en-US" altLang="ko-KR" sz="1000" dirty="0"/>
+                <a:t>a</a:t>
+              </a:r>
+              <a:endParaRPr lang="ko-KR" altLang="en-US" sz="1000" dirty="0"/>
+            </a:p>
+          </p:txBody>
+        </p:sp>
+        <p:sp>
+          <p:nvSpPr>
+            <p:cNvPr id="34" name="TextBox 33">
+              <a:extLst>
+                <a:ext uri="{FF2B5EF4-FFF2-40B4-BE49-F238E27FC236}">
+                  <a16:creationId xmlns:a16="http://schemas.microsoft.com/office/drawing/2014/main" id="{C63538BD-87CF-435F-84C9-47A7C18D4AC4}"/>
+                </a:ext>
+              </a:extLst>
+            </p:cNvPr>
+            <p:cNvSpPr txBox="1"/>
+            <p:nvPr/>
+          </p:nvSpPr>
+          <p:spPr>
+            <a:xfrm>
+              <a:off x="8011976" y="2154451"/>
+              <a:ext cx="261610" cy="246221"/>
+            </a:xfrm>
+            <a:prstGeom prst="rect">
+              <a:avLst/>
+            </a:prstGeom>
+            <a:noFill/>
+          </p:spPr>
+          <p:txBody>
+            <a:bodyPr wrap="none" rtlCol="0">
+              <a:spAutoFit/>
+            </a:bodyPr>
+            <a:lstStyle/>
+            <a:p>
+              <a:r>
+                <a:rPr lang="en-US" altLang="ko-KR" sz="1000" dirty="0"/>
+                <a:t>b</a:t>
+              </a:r>
+              <a:endParaRPr lang="ko-KR" altLang="en-US" sz="1000" dirty="0"/>
+            </a:p>
+          </p:txBody>
+        </p:sp>
+        <p:cxnSp>
+          <p:nvCxnSpPr>
+            <p:cNvPr id="35" name="직선 연결선 34">
+              <a:extLst>
+                <a:ext uri="{FF2B5EF4-FFF2-40B4-BE49-F238E27FC236}">
+                  <a16:creationId xmlns:a16="http://schemas.microsoft.com/office/drawing/2014/main" id="{BF227517-FE9E-4ACF-A857-1D97999CE664}"/>
+                </a:ext>
+              </a:extLst>
+            </p:cNvPr>
+            <p:cNvCxnSpPr>
+              <a:cxnSpLocks/>
+            </p:cNvCxnSpPr>
+            <p:nvPr/>
+          </p:nvCxnSpPr>
+          <p:spPr>
+            <a:xfrm flipH="1">
+              <a:off x="7909986" y="1872878"/>
+              <a:ext cx="307937" cy="288298"/>
+            </a:xfrm>
+            <a:prstGeom prst="line">
+              <a:avLst/>
+            </a:prstGeom>
+            <a:ln>
+              <a:prstDash val="sysDash"/>
+            </a:ln>
+          </p:spPr>
+          <p:style>
+            <a:lnRef idx="1">
+              <a:schemeClr val="accent1"/>
+            </a:lnRef>
+            <a:fillRef idx="0">
+              <a:schemeClr val="accent1"/>
+            </a:fillRef>
+            <a:effectRef idx="0">
+              <a:schemeClr val="accent1"/>
+            </a:effectRef>
+            <a:fontRef idx="minor">
+              <a:schemeClr val="tx1"/>
+            </a:fontRef>
+          </p:style>
+        </p:cxnSp>
+        <p:sp>
+          <p:nvSpPr>
+            <p:cNvPr id="36" name="타원 35">
+              <a:extLst>
+                <a:ext uri="{FF2B5EF4-FFF2-40B4-BE49-F238E27FC236}">
+                  <a16:creationId xmlns:a16="http://schemas.microsoft.com/office/drawing/2014/main" id="{EF222FE9-DE41-4295-9E1D-069AB8030B56}"/>
+                </a:ext>
+              </a:extLst>
+            </p:cNvPr>
+            <p:cNvSpPr/>
+            <p:nvPr/>
+          </p:nvSpPr>
+          <p:spPr>
+            <a:xfrm>
+              <a:off x="6725759" y="2138025"/>
+              <a:ext cx="2056289" cy="501526"/>
+            </a:xfrm>
+            <a:prstGeom prst="ellipse">
+              <a:avLst/>
+            </a:prstGeom>
+            <a:noFill/>
+            <a:ln>
+              <a:prstDash val="sysDot"/>
+            </a:ln>
+          </p:spPr>
+          <p:style>
+            <a:lnRef idx="2">
+              <a:schemeClr val="accent1">
+                <a:shade val="50000"/>
+              </a:schemeClr>
+            </a:lnRef>
+            <a:fillRef idx="1">
+              <a:schemeClr val="accent1"/>
+            </a:fillRef>
+            <a:effectRef idx="0">
+              <a:schemeClr val="accent1"/>
+            </a:effectRef>
+            <a:fontRef idx="minor">
+              <a:schemeClr val="lt1"/>
+            </a:fontRef>
+          </p:style>
+          <p:txBody>
+            <a:bodyPr rtlCol="0" anchor="ctr"/>
+            <a:lstStyle/>
+            <a:p>
+              <a:pPr algn="ctr"/>
+              <a:endParaRPr lang="ko-KR" altLang="en-US"/>
+            </a:p>
+          </p:txBody>
+        </p:sp>
+        <p:cxnSp>
+          <p:nvCxnSpPr>
+            <p:cNvPr id="37" name="직선 연결선 36">
+              <a:extLst>
+                <a:ext uri="{FF2B5EF4-FFF2-40B4-BE49-F238E27FC236}">
+                  <a16:creationId xmlns:a16="http://schemas.microsoft.com/office/drawing/2014/main" id="{C47340D8-A624-440C-9BBA-5DC53ACE5637}"/>
+                </a:ext>
+              </a:extLst>
+            </p:cNvPr>
+            <p:cNvCxnSpPr>
+              <a:cxnSpLocks/>
+            </p:cNvCxnSpPr>
+            <p:nvPr/>
+          </p:nvCxnSpPr>
+          <p:spPr>
+            <a:xfrm flipH="1" flipV="1">
+              <a:off x="7764362" y="1812213"/>
+              <a:ext cx="306368" cy="185296"/>
+            </a:xfrm>
+            <a:prstGeom prst="line">
+              <a:avLst/>
+            </a:prstGeom>
+            <a:ln>
+              <a:prstDash val="sysDash"/>
+            </a:ln>
+          </p:spPr>
+          <p:style>
+            <a:lnRef idx="1">
+              <a:schemeClr val="accent1"/>
+            </a:lnRef>
+            <a:fillRef idx="0">
+              <a:schemeClr val="accent1"/>
+            </a:fillRef>
+            <a:effectRef idx="0">
+              <a:schemeClr val="accent1"/>
+            </a:effectRef>
+            <a:fontRef idx="minor">
+              <a:schemeClr val="tx1"/>
+            </a:fontRef>
+          </p:style>
+        </p:cxnSp>
+        <p:sp>
+          <p:nvSpPr>
+            <p:cNvPr id="38" name="순서도: 수동 연산 37">
+              <a:extLst>
+                <a:ext uri="{FF2B5EF4-FFF2-40B4-BE49-F238E27FC236}">
+                  <a16:creationId xmlns:a16="http://schemas.microsoft.com/office/drawing/2014/main" id="{3BE8D06D-DAC8-422D-944B-1A52BA065F26}"/>
+                </a:ext>
+              </a:extLst>
+            </p:cNvPr>
+            <p:cNvSpPr/>
+            <p:nvPr/>
+          </p:nvSpPr>
+          <p:spPr>
+            <a:xfrm rot="18275812">
+              <a:off x="7606131" y="1399796"/>
+              <a:ext cx="101600" cy="644046"/>
+            </a:xfrm>
+            <a:prstGeom prst="flowChartManualOperation">
+              <a:avLst/>
+            </a:prstGeom>
+          </p:spPr>
+          <p:style>
+            <a:lnRef idx="2">
+              <a:schemeClr val="accent1">
+                <a:shade val="50000"/>
+              </a:schemeClr>
+            </a:lnRef>
+            <a:fillRef idx="1">
+              <a:schemeClr val="accent1"/>
+            </a:fillRef>
+            <a:effectRef idx="0">
+              <a:schemeClr val="accent1"/>
+            </a:effectRef>
+            <a:fontRef idx="minor">
+              <a:schemeClr val="lt1"/>
+            </a:fontRef>
+          </p:style>
+          <p:txBody>
+            <a:bodyPr rtlCol="0" anchor="ctr"/>
+            <a:lstStyle/>
+            <a:p>
+              <a:pPr algn="ctr"/>
+              <a:endParaRPr lang="ko-KR" altLang="en-US" dirty="0"/>
+            </a:p>
+          </p:txBody>
+        </p:sp>
+        <p:sp>
+          <p:nvSpPr>
+            <p:cNvPr id="39" name="타원 38">
+              <a:extLst>
+                <a:ext uri="{FF2B5EF4-FFF2-40B4-BE49-F238E27FC236}">
+                  <a16:creationId xmlns:a16="http://schemas.microsoft.com/office/drawing/2014/main" id="{C7C663F4-5E41-4303-ACA0-78F07F7D8352}"/>
+                </a:ext>
+              </a:extLst>
+            </p:cNvPr>
+            <p:cNvSpPr/>
+            <p:nvPr/>
+          </p:nvSpPr>
+          <p:spPr>
+            <a:xfrm>
+              <a:off x="8035779" y="1955170"/>
+              <a:ext cx="90818" cy="90818"/>
+            </a:xfrm>
+            <a:prstGeom prst="ellipse">
+              <a:avLst/>
+            </a:prstGeom>
+            <a:solidFill>
+              <a:srgbClr val="FF0000"/>
+            </a:solidFill>
+            <a:ln>
+              <a:noFill/>
+            </a:ln>
+          </p:spPr>
+          <p:style>
+            <a:lnRef idx="2">
+              <a:schemeClr val="accent1">
+                <a:shade val="50000"/>
+              </a:schemeClr>
+            </a:lnRef>
+            <a:fillRef idx="1">
+              <a:schemeClr val="accent1"/>
+            </a:fillRef>
+            <a:effectRef idx="0">
+              <a:schemeClr val="accent1"/>
+            </a:effectRef>
+            <a:fontRef idx="minor">
+              <a:schemeClr val="lt1"/>
+            </a:fontRef>
+          </p:style>
+          <p:txBody>
+            <a:bodyPr rtlCol="0" anchor="ctr"/>
+            <a:lstStyle/>
+            <a:p>
+              <a:pPr algn="ctr"/>
+              <a:endParaRPr lang="ko-KR" altLang="en-US"/>
+            </a:p>
+          </p:txBody>
+        </p:sp>
+        <p:sp>
+          <p:nvSpPr>
+            <p:cNvPr id="40" name="원호 39">
+              <a:extLst>
+                <a:ext uri="{FF2B5EF4-FFF2-40B4-BE49-F238E27FC236}">
+                  <a16:creationId xmlns:a16="http://schemas.microsoft.com/office/drawing/2014/main" id="{F719FAA6-262D-49AD-B740-9A9B04A53E1E}"/>
+                </a:ext>
+              </a:extLst>
+            </p:cNvPr>
+            <p:cNvSpPr/>
+            <p:nvPr/>
+          </p:nvSpPr>
+          <p:spPr>
+            <a:xfrm rot="20820397" flipH="1">
+              <a:off x="7980040" y="1948422"/>
+              <a:ext cx="45719" cy="249781"/>
+            </a:xfrm>
+            <a:prstGeom prst="arc">
+              <a:avLst/>
+            </a:prstGeom>
+          </p:spPr>
+          <p:style>
+            <a:lnRef idx="1">
+              <a:schemeClr val="accent1"/>
+            </a:lnRef>
+            <a:fillRef idx="0">
+              <a:schemeClr val="accent1"/>
+            </a:fillRef>
+            <a:effectRef idx="0">
+              <a:schemeClr val="accent1"/>
+            </a:effectRef>
+            <a:fontRef idx="minor">
+              <a:schemeClr val="tx1"/>
+            </a:fontRef>
+          </p:style>
+          <p:txBody>
+            <a:bodyPr rtlCol="0" anchor="ctr"/>
+            <a:lstStyle/>
+            <a:p>
+              <a:pPr algn="ctr"/>
+              <a:endParaRPr lang="ko-KR" altLang="en-US"/>
+            </a:p>
+          </p:txBody>
+        </p:sp>
+        <p:sp>
+          <p:nvSpPr>
+            <p:cNvPr id="41" name="설명선: 선(테두리 없음) 40">
+              <a:extLst>
+                <a:ext uri="{FF2B5EF4-FFF2-40B4-BE49-F238E27FC236}">
+                  <a16:creationId xmlns:a16="http://schemas.microsoft.com/office/drawing/2014/main" id="{F0781F23-50BD-482B-A3AD-10BA7177CA14}"/>
+                </a:ext>
+              </a:extLst>
+            </p:cNvPr>
+            <p:cNvSpPr/>
+            <p:nvPr/>
+          </p:nvSpPr>
+          <p:spPr>
+            <a:xfrm>
+              <a:off x="6254627" y="1831802"/>
+              <a:ext cx="1492259" cy="184017"/>
+            </a:xfrm>
+            <a:prstGeom prst="callout1">
+              <a:avLst>
+                <a:gd name="adj1" fmla="val 42801"/>
+                <a:gd name="adj2" fmla="val 90161"/>
+                <a:gd name="adj3" fmla="val 92603"/>
+                <a:gd name="adj4" fmla="val 113603"/>
+              </a:avLst>
+            </a:prstGeom>
+            <a:noFill/>
+            <a:ln w="3175">
+              <a:solidFill>
+                <a:schemeClr val="tx1"/>
+              </a:solidFill>
+            </a:ln>
+          </p:spPr>
+          <p:style>
+            <a:lnRef idx="2">
+              <a:schemeClr val="accent1">
+                <a:shade val="50000"/>
+              </a:schemeClr>
+            </a:lnRef>
+            <a:fillRef idx="1">
+              <a:schemeClr val="accent1"/>
+            </a:fillRef>
+            <a:effectRef idx="0">
+              <a:schemeClr val="accent1"/>
+            </a:effectRef>
+            <a:fontRef idx="minor">
+              <a:schemeClr val="lt1"/>
+            </a:fontRef>
+          </p:style>
+          <p:txBody>
+            <a:bodyPr rtlCol="0" anchor="ctr"/>
+            <a:lstStyle/>
+            <a:p>
+              <a:pPr algn="ctr"/>
+              <a:r>
+                <a:rPr lang="en-US" altLang="ko-KR" sz="1000" dirty="0">
+                  <a:solidFill>
+                    <a:schemeClr val="tx1"/>
+                  </a:solidFill>
+                </a:rPr>
+                <a:t>theta: hit angle</a:t>
+              </a:r>
+              <a:endParaRPr lang="ko-KR" altLang="en-US" sz="1000" dirty="0">
+                <a:solidFill>
+                  <a:schemeClr val="tx1"/>
+                </a:solidFill>
+              </a:endParaRPr>
+            </a:p>
+          </p:txBody>
+        </p:sp>
+        <p:cxnSp>
+          <p:nvCxnSpPr>
+            <p:cNvPr id="42" name="직선 연결선 41">
+              <a:extLst>
+                <a:ext uri="{FF2B5EF4-FFF2-40B4-BE49-F238E27FC236}">
+                  <a16:creationId xmlns:a16="http://schemas.microsoft.com/office/drawing/2014/main" id="{DEFE9705-B517-4235-9C8E-E9C06435F5E5}"/>
+                </a:ext>
+              </a:extLst>
+            </p:cNvPr>
+            <p:cNvCxnSpPr>
+              <a:cxnSpLocks/>
+            </p:cNvCxnSpPr>
+            <p:nvPr/>
+          </p:nvCxnSpPr>
+          <p:spPr>
+            <a:xfrm flipH="1" flipV="1">
+              <a:off x="7578727" y="2523623"/>
+              <a:ext cx="506617" cy="5896"/>
+            </a:xfrm>
+            <a:prstGeom prst="line">
+              <a:avLst/>
+            </a:prstGeom>
+            <a:ln>
+              <a:prstDash val="sysDot"/>
+            </a:ln>
+          </p:spPr>
+          <p:style>
+            <a:lnRef idx="1">
+              <a:schemeClr val="dk1"/>
+            </a:lnRef>
+            <a:fillRef idx="0">
+              <a:schemeClr val="dk1"/>
+            </a:fillRef>
+            <a:effectRef idx="0">
+              <a:schemeClr val="dk1"/>
+            </a:effectRef>
+            <a:fontRef idx="minor">
+              <a:schemeClr val="tx1"/>
+            </a:fontRef>
+          </p:style>
+        </p:cxnSp>
+        <p:cxnSp>
+          <p:nvCxnSpPr>
+            <p:cNvPr id="43" name="직선 화살표 연결선 42">
+              <a:extLst>
+                <a:ext uri="{FF2B5EF4-FFF2-40B4-BE49-F238E27FC236}">
+                  <a16:creationId xmlns:a16="http://schemas.microsoft.com/office/drawing/2014/main" id="{207AF44A-6CE0-40F7-B683-DF1429BEBAD9}"/>
+                </a:ext>
+              </a:extLst>
+            </p:cNvPr>
+            <p:cNvCxnSpPr/>
+            <p:nvPr/>
+          </p:nvCxnSpPr>
+          <p:spPr>
+            <a:xfrm>
+              <a:off x="7029450" y="1066800"/>
+              <a:ext cx="734912" cy="548503"/>
+            </a:xfrm>
+            <a:prstGeom prst="straightConnector1">
+              <a:avLst/>
+            </a:prstGeom>
+            <a:ln>
+              <a:tailEnd type="triangle"/>
+            </a:ln>
+          </p:spPr>
+          <p:style>
+            <a:lnRef idx="1">
+              <a:schemeClr val="accent1"/>
+            </a:lnRef>
+            <a:fillRef idx="0">
+              <a:schemeClr val="accent1"/>
+            </a:fillRef>
+            <a:effectRef idx="0">
+              <a:schemeClr val="accent1"/>
+            </a:effectRef>
+            <a:fontRef idx="minor">
+              <a:schemeClr val="tx1"/>
+            </a:fontRef>
+          </p:style>
+        </p:cxnSp>
+        <p:sp>
+          <p:nvSpPr>
+            <p:cNvPr id="44" name="TextBox 43">
+              <a:extLst>
+                <a:ext uri="{FF2B5EF4-FFF2-40B4-BE49-F238E27FC236}">
+                  <a16:creationId xmlns:a16="http://schemas.microsoft.com/office/drawing/2014/main" id="{2B6BFF01-A3F7-4CD1-ABB8-2E6636158D95}"/>
+                </a:ext>
+              </a:extLst>
+            </p:cNvPr>
+            <p:cNvSpPr txBox="1"/>
+            <p:nvPr/>
+          </p:nvSpPr>
+          <p:spPr>
+            <a:xfrm>
+              <a:off x="7282044" y="974948"/>
+              <a:ext cx="1050288" cy="246221"/>
+            </a:xfrm>
+            <a:prstGeom prst="rect">
+              <a:avLst/>
+            </a:prstGeom>
+            <a:noFill/>
+          </p:spPr>
+          <p:txBody>
+            <a:bodyPr wrap="none" rtlCol="0">
+              <a:spAutoFit/>
+            </a:bodyPr>
+            <a:lstStyle/>
+            <a:p>
+              <a:r>
+                <a:rPr lang="en-US" altLang="ko-KR" sz="1000" dirty="0"/>
+                <a:t>V: Cue velocity</a:t>
+              </a:r>
+              <a:endParaRPr lang="ko-KR" altLang="en-US" sz="1000" dirty="0"/>
+            </a:p>
+          </p:txBody>
+        </p:sp>
+      </p:grpSp>
+      <p:grpSp>
+        <p:nvGrpSpPr>
+          <p:cNvPr id="49" name="그룹 48">
+            <a:extLst>
+              <a:ext uri="{FF2B5EF4-FFF2-40B4-BE49-F238E27FC236}">
+                <a16:creationId xmlns:a16="http://schemas.microsoft.com/office/drawing/2014/main" id="{EE421F65-D818-45DE-9AC2-D5DF06E9C578}"/>
+              </a:ext>
+            </a:extLst>
+          </p:cNvPr>
+          <p:cNvGrpSpPr/>
+          <p:nvPr/>
+        </p:nvGrpSpPr>
+        <p:grpSpPr>
+          <a:xfrm>
+            <a:off x="417946" y="1457139"/>
+            <a:ext cx="4167707" cy="2422710"/>
+            <a:chOff x="417946" y="1533339"/>
+            <a:chExt cx="4167707" cy="2422710"/>
+          </a:xfrm>
+        </p:grpSpPr>
+        <p:grpSp>
+          <p:nvGrpSpPr>
+            <p:cNvPr id="15" name="그룹 14">
+              <a:extLst>
+                <a:ext uri="{FF2B5EF4-FFF2-40B4-BE49-F238E27FC236}">
+                  <a16:creationId xmlns:a16="http://schemas.microsoft.com/office/drawing/2014/main" id="{D5EB284C-3C7D-4C5E-B09C-7EEC5E647379}"/>
+                </a:ext>
+              </a:extLst>
+            </p:cNvPr>
+            <p:cNvGrpSpPr/>
+            <p:nvPr/>
+          </p:nvGrpSpPr>
+          <p:grpSpPr>
+            <a:xfrm>
+              <a:off x="417946" y="1533339"/>
+              <a:ext cx="4167707" cy="2076587"/>
+              <a:chOff x="348861" y="1019933"/>
+              <a:chExt cx="4905307" cy="2444101"/>
+            </a:xfrm>
+          </p:grpSpPr>
+          <p:sp>
+            <p:nvSpPr>
+              <p:cNvPr id="16" name="직사각형 15">
+                <a:extLst>
+                  <a:ext uri="{FF2B5EF4-FFF2-40B4-BE49-F238E27FC236}">
+                    <a16:creationId xmlns:a16="http://schemas.microsoft.com/office/drawing/2014/main" id="{D8D4A166-FA2B-41DF-BB60-E1C3A2889215}"/>
+                  </a:ext>
+                </a:extLst>
+              </p:cNvPr>
+              <p:cNvSpPr/>
+              <p:nvPr/>
+            </p:nvSpPr>
+            <p:spPr>
+              <a:xfrm>
+                <a:off x="1077060" y="1414516"/>
+                <a:ext cx="4177108" cy="2049518"/>
+              </a:xfrm>
+              <a:prstGeom prst="rect">
+                <a:avLst/>
+              </a:prstGeom>
+              <a:noFill/>
+              <a:ln w="19050"/>
+            </p:spPr>
+            <p:style>
+              <a:lnRef idx="2">
+                <a:schemeClr val="accent1">
+                  <a:shade val="50000"/>
+                </a:schemeClr>
+              </a:lnRef>
+              <a:fillRef idx="1">
+                <a:schemeClr val="accent1"/>
+              </a:fillRef>
+              <a:effectRef idx="0">
+                <a:schemeClr val="accent1"/>
+              </a:effectRef>
+              <a:fontRef idx="minor">
+                <a:schemeClr val="lt1"/>
+              </a:fontRef>
+            </p:style>
+            <p:txBody>
+              <a:bodyPr rtlCol="0" anchor="ctr"/>
+              <a:lstStyle/>
+              <a:p>
+                <a:pPr algn="ctr"/>
+                <a:endParaRPr lang="ko-KR" altLang="en-US"/>
+              </a:p>
+            </p:txBody>
+          </p:sp>
+          <p:cxnSp>
+            <p:nvCxnSpPr>
+              <p:cNvPr id="17" name="직선 화살표 연결선 16">
+                <a:extLst>
+                  <a:ext uri="{FF2B5EF4-FFF2-40B4-BE49-F238E27FC236}">
+                    <a16:creationId xmlns:a16="http://schemas.microsoft.com/office/drawing/2014/main" id="{D7AD232E-F817-4E7C-8C62-62F2A9A671F6}"/>
+                  </a:ext>
+                </a:extLst>
+              </p:cNvPr>
+              <p:cNvCxnSpPr/>
+              <p:nvPr/>
+            </p:nvCxnSpPr>
+            <p:spPr>
+              <a:xfrm>
+                <a:off x="1077060" y="1296932"/>
+                <a:ext cx="1714500" cy="0"/>
+              </a:xfrm>
+              <a:prstGeom prst="straightConnector1">
+                <a:avLst/>
+              </a:prstGeom>
+              <a:ln>
+                <a:headEnd type="triangle"/>
+                <a:tailEnd type="triangle"/>
+              </a:ln>
+            </p:spPr>
+            <p:style>
+              <a:lnRef idx="1">
+                <a:schemeClr val="dk1"/>
+              </a:lnRef>
+              <a:fillRef idx="0">
+                <a:schemeClr val="dk1"/>
+              </a:fillRef>
+              <a:effectRef idx="0">
+                <a:schemeClr val="dk1"/>
+              </a:effectRef>
+              <a:fontRef idx="minor">
+                <a:schemeClr val="tx1"/>
+              </a:fontRef>
+            </p:style>
+          </p:cxnSp>
+          <p:cxnSp>
+            <p:nvCxnSpPr>
+              <p:cNvPr id="18" name="직선 화살표 연결선 17">
+                <a:extLst>
+                  <a:ext uri="{FF2B5EF4-FFF2-40B4-BE49-F238E27FC236}">
+                    <a16:creationId xmlns:a16="http://schemas.microsoft.com/office/drawing/2014/main" id="{9EDDFD69-2CE1-46E9-83C2-6585DFB7CC7D}"/>
+                  </a:ext>
+                </a:extLst>
+              </p:cNvPr>
+              <p:cNvCxnSpPr>
+                <a:cxnSpLocks/>
+              </p:cNvCxnSpPr>
+              <p:nvPr/>
+            </p:nvCxnSpPr>
+            <p:spPr>
+              <a:xfrm>
+                <a:off x="975460" y="1446266"/>
+                <a:ext cx="0" cy="1017810"/>
+              </a:xfrm>
+              <a:prstGeom prst="straightConnector1">
+                <a:avLst/>
+              </a:prstGeom>
+              <a:ln>
+                <a:headEnd type="triangle"/>
+                <a:tailEnd type="triangle"/>
+              </a:ln>
+            </p:spPr>
+            <p:style>
+              <a:lnRef idx="1">
+                <a:schemeClr val="dk1"/>
+              </a:lnRef>
+              <a:fillRef idx="0">
+                <a:schemeClr val="dk1"/>
+              </a:fillRef>
+              <a:effectRef idx="0">
+                <a:schemeClr val="dk1"/>
+              </a:effectRef>
+              <a:fontRef idx="minor">
+                <a:schemeClr val="tx1"/>
+              </a:fontRef>
+            </p:style>
+          </p:cxnSp>
+          <p:sp>
+            <p:nvSpPr>
+              <p:cNvPr id="19" name="TextBox 18">
+                <a:extLst>
+                  <a:ext uri="{FF2B5EF4-FFF2-40B4-BE49-F238E27FC236}">
+                    <a16:creationId xmlns:a16="http://schemas.microsoft.com/office/drawing/2014/main" id="{F4116FD0-8C6A-45FA-8DAE-253A7C1B3171}"/>
+                  </a:ext>
+                </a:extLst>
+              </p:cNvPr>
+              <p:cNvSpPr txBox="1"/>
+              <p:nvPr/>
+            </p:nvSpPr>
+            <p:spPr>
+              <a:xfrm>
+                <a:off x="1646410" y="1019933"/>
+                <a:ext cx="575799" cy="276999"/>
+              </a:xfrm>
+              <a:prstGeom prst="rect">
+                <a:avLst/>
+              </a:prstGeom>
+              <a:noFill/>
+            </p:spPr>
+            <p:txBody>
+              <a:bodyPr wrap="none" rtlCol="0">
+                <a:spAutoFit/>
+              </a:bodyPr>
+              <a:lstStyle/>
+              <a:p>
+                <a:pPr algn="ctr"/>
+                <a:r>
+                  <a:rPr lang="en-US" altLang="ko-KR" sz="1200" dirty="0" err="1"/>
+                  <a:t>pos_x</a:t>
+                </a:r>
+                <a:endParaRPr lang="ko-KR" altLang="en-US" sz="1200" dirty="0"/>
+              </a:p>
+            </p:txBody>
+          </p:sp>
+          <p:sp>
+            <p:nvSpPr>
+              <p:cNvPr id="20" name="TextBox 19">
+                <a:extLst>
+                  <a:ext uri="{FF2B5EF4-FFF2-40B4-BE49-F238E27FC236}">
+                    <a16:creationId xmlns:a16="http://schemas.microsoft.com/office/drawing/2014/main" id="{5D5A0F62-6D62-4B1B-AEAA-B8C9206831F6}"/>
+                  </a:ext>
+                </a:extLst>
+              </p:cNvPr>
+              <p:cNvSpPr txBox="1"/>
+              <p:nvPr/>
+            </p:nvSpPr>
+            <p:spPr>
+              <a:xfrm>
+                <a:off x="348861" y="1816671"/>
+                <a:ext cx="575799" cy="276999"/>
+              </a:xfrm>
+              <a:prstGeom prst="rect">
+                <a:avLst/>
+              </a:prstGeom>
+              <a:noFill/>
+            </p:spPr>
+            <p:txBody>
+              <a:bodyPr wrap="none" rtlCol="0">
+                <a:spAutoFit/>
+              </a:bodyPr>
+              <a:lstStyle/>
+              <a:p>
+                <a:pPr algn="ctr"/>
+                <a:r>
+                  <a:rPr lang="en-US" altLang="ko-KR" sz="1200" dirty="0" err="1"/>
+                  <a:t>pos_y</a:t>
+                </a:r>
+                <a:endParaRPr lang="ko-KR" altLang="en-US" sz="1200" dirty="0"/>
+              </a:p>
+            </p:txBody>
+          </p:sp>
+          <p:grpSp>
+            <p:nvGrpSpPr>
+              <p:cNvPr id="21" name="그룹 20">
+                <a:extLst>
+                  <a:ext uri="{FF2B5EF4-FFF2-40B4-BE49-F238E27FC236}">
+                    <a16:creationId xmlns:a16="http://schemas.microsoft.com/office/drawing/2014/main" id="{1A7A788B-45CE-4D05-9EA6-B398D236BE1F}"/>
+                  </a:ext>
+                </a:extLst>
+              </p:cNvPr>
+              <p:cNvGrpSpPr/>
+              <p:nvPr/>
+            </p:nvGrpSpPr>
+            <p:grpSpPr>
+              <a:xfrm rot="19797613">
+                <a:off x="2103379" y="2346538"/>
+                <a:ext cx="1376362" cy="257066"/>
+                <a:chOff x="3380636" y="2441684"/>
+                <a:chExt cx="1376362" cy="257066"/>
+              </a:xfrm>
+            </p:grpSpPr>
+            <p:sp>
+              <p:nvSpPr>
+                <p:cNvPr id="26" name="타원 25">
+                  <a:extLst>
+                    <a:ext uri="{FF2B5EF4-FFF2-40B4-BE49-F238E27FC236}">
+                      <a16:creationId xmlns:a16="http://schemas.microsoft.com/office/drawing/2014/main" id="{FE4DC94B-2CC2-4F43-B1B9-90416CA08B08}"/>
+                    </a:ext>
+                  </a:extLst>
+                </p:cNvPr>
+                <p:cNvSpPr/>
+                <p:nvPr/>
+              </p:nvSpPr>
+              <p:spPr>
+                <a:xfrm>
+                  <a:off x="3940284" y="2441684"/>
+                  <a:ext cx="257066" cy="257066"/>
+                </a:xfrm>
+                <a:prstGeom prst="ellipse">
+                  <a:avLst/>
+                </a:prstGeom>
+                <a:solidFill>
+                  <a:srgbClr val="FFC000"/>
+                </a:solidFill>
+                <a:ln>
+                  <a:noFill/>
+                </a:ln>
+              </p:spPr>
+              <p:style>
+                <a:lnRef idx="2">
+                  <a:schemeClr val="accent1">
+                    <a:shade val="50000"/>
+                  </a:schemeClr>
+                </a:lnRef>
+                <a:fillRef idx="1">
+                  <a:schemeClr val="accent1"/>
+                </a:fillRef>
+                <a:effectRef idx="0">
+                  <a:schemeClr val="accent1"/>
+                </a:effectRef>
+                <a:fontRef idx="minor">
+                  <a:schemeClr val="lt1"/>
+                </a:fontRef>
+              </p:style>
+              <p:txBody>
+                <a:bodyPr rtlCol="0" anchor="ctr"/>
+                <a:lstStyle/>
+                <a:p>
+                  <a:pPr algn="ctr"/>
+                  <a:endParaRPr lang="ko-KR" altLang="en-US"/>
+                </a:p>
+              </p:txBody>
+            </p:sp>
+            <p:cxnSp>
+              <p:nvCxnSpPr>
+                <p:cNvPr id="27" name="직선 연결선 26">
+                  <a:extLst>
+                    <a:ext uri="{FF2B5EF4-FFF2-40B4-BE49-F238E27FC236}">
+                      <a16:creationId xmlns:a16="http://schemas.microsoft.com/office/drawing/2014/main" id="{5E27A139-9BFC-4FDA-AB81-5FF3DA362F18}"/>
+                    </a:ext>
+                  </a:extLst>
+                </p:cNvPr>
+                <p:cNvCxnSpPr/>
+                <p:nvPr/>
+              </p:nvCxnSpPr>
+              <p:spPr>
+                <a:xfrm>
+                  <a:off x="3380636" y="2570217"/>
+                  <a:ext cx="1376362" cy="12700"/>
+                </a:xfrm>
+                <a:prstGeom prst="line">
+                  <a:avLst/>
+                </a:prstGeom>
+                <a:ln w="9525">
+                  <a:prstDash val="sysDash"/>
+                </a:ln>
+              </p:spPr>
+              <p:style>
+                <a:lnRef idx="1">
+                  <a:schemeClr val="accent1"/>
+                </a:lnRef>
+                <a:fillRef idx="0">
+                  <a:schemeClr val="accent1"/>
+                </a:fillRef>
+                <a:effectRef idx="0">
+                  <a:schemeClr val="accent1"/>
+                </a:effectRef>
+                <a:fontRef idx="minor">
+                  <a:schemeClr val="tx1"/>
+                </a:fontRef>
+              </p:style>
+            </p:cxnSp>
+          </p:grpSp>
+          <p:cxnSp>
+            <p:nvCxnSpPr>
+              <p:cNvPr id="22" name="직선 연결선 21">
+                <a:extLst>
+                  <a:ext uri="{FF2B5EF4-FFF2-40B4-BE49-F238E27FC236}">
+                    <a16:creationId xmlns:a16="http://schemas.microsoft.com/office/drawing/2014/main" id="{F325011B-150F-4216-8A53-FAB2EED4D658}"/>
+                  </a:ext>
+                </a:extLst>
+              </p:cNvPr>
+              <p:cNvCxnSpPr>
+                <a:cxnSpLocks/>
+              </p:cNvCxnSpPr>
+              <p:nvPr/>
+            </p:nvCxnSpPr>
+            <p:spPr>
+              <a:xfrm>
+                <a:off x="2064711" y="2464076"/>
+                <a:ext cx="1350245" cy="10995"/>
+              </a:xfrm>
+              <a:prstGeom prst="line">
+                <a:avLst/>
+              </a:prstGeom>
+              <a:ln>
+                <a:prstDash val="sysDash"/>
+              </a:ln>
+            </p:spPr>
+            <p:style>
+              <a:lnRef idx="1">
+                <a:schemeClr val="dk1"/>
+              </a:lnRef>
+              <a:fillRef idx="0">
+                <a:schemeClr val="dk1"/>
+              </a:fillRef>
+              <a:effectRef idx="0">
+                <a:schemeClr val="dk1"/>
+              </a:effectRef>
+              <a:fontRef idx="minor">
+                <a:schemeClr val="tx1"/>
+              </a:fontRef>
+            </p:style>
+          </p:cxnSp>
+          <p:sp>
+            <p:nvSpPr>
+              <p:cNvPr id="23" name="원호 22">
+                <a:extLst>
+                  <a:ext uri="{FF2B5EF4-FFF2-40B4-BE49-F238E27FC236}">
+                    <a16:creationId xmlns:a16="http://schemas.microsoft.com/office/drawing/2014/main" id="{5036F316-1A14-4C9C-B722-42D4E880F1AD}"/>
+                  </a:ext>
+                </a:extLst>
+              </p:cNvPr>
+              <p:cNvSpPr/>
+              <p:nvPr/>
+            </p:nvSpPr>
+            <p:spPr>
+              <a:xfrm>
+                <a:off x="2562905" y="2268973"/>
+                <a:ext cx="447784" cy="391674"/>
+              </a:xfrm>
+              <a:prstGeom prst="arc">
+                <a:avLst>
+                  <a:gd name="adj1" fmla="val 20322232"/>
+                  <a:gd name="adj2" fmla="val 0"/>
+                </a:avLst>
+              </a:prstGeom>
+            </p:spPr>
+            <p:style>
+              <a:lnRef idx="1">
+                <a:schemeClr val="accent1"/>
+              </a:lnRef>
+              <a:fillRef idx="0">
+                <a:schemeClr val="accent1"/>
+              </a:fillRef>
+              <a:effectRef idx="0">
+                <a:schemeClr val="accent1"/>
+              </a:effectRef>
+              <a:fontRef idx="minor">
+                <a:schemeClr val="tx1"/>
+              </a:fontRef>
+            </p:style>
+            <p:txBody>
+              <a:bodyPr rtlCol="0" anchor="ctr"/>
+              <a:lstStyle/>
+              <a:p>
+                <a:pPr algn="ctr"/>
+                <a:endParaRPr lang="ko-KR" altLang="en-US"/>
+              </a:p>
+            </p:txBody>
+          </p:sp>
+          <p:sp>
+            <p:nvSpPr>
+              <p:cNvPr id="24" name="TextBox 23">
+                <a:extLst>
+                  <a:ext uri="{FF2B5EF4-FFF2-40B4-BE49-F238E27FC236}">
+                    <a16:creationId xmlns:a16="http://schemas.microsoft.com/office/drawing/2014/main" id="{B6AC826C-40E5-4B68-BD6E-EA92441771C7}"/>
+                  </a:ext>
+                </a:extLst>
+              </p:cNvPr>
+              <p:cNvSpPr txBox="1"/>
+              <p:nvPr/>
+            </p:nvSpPr>
+            <p:spPr>
+              <a:xfrm>
+                <a:off x="3025477" y="2267768"/>
+                <a:ext cx="1438214" cy="246221"/>
+              </a:xfrm>
+              <a:prstGeom prst="rect">
+                <a:avLst/>
+              </a:prstGeom>
+              <a:noFill/>
+            </p:spPr>
+            <p:txBody>
+              <a:bodyPr wrap="none" rtlCol="0">
+                <a:spAutoFit/>
+              </a:bodyPr>
+              <a:lstStyle/>
+              <a:p>
+                <a:r>
+                  <a:rPr lang="en-US" altLang="ko-KR" sz="1000" dirty="0"/>
+                  <a:t>phi : projection angle</a:t>
+                </a:r>
+                <a:endParaRPr lang="ko-KR" altLang="en-US" sz="1000" dirty="0"/>
+              </a:p>
+            </p:txBody>
+          </p:sp>
+          <p:sp>
+            <p:nvSpPr>
+              <p:cNvPr id="25" name="순서도: 수동 연산 24">
+                <a:extLst>
+                  <a:ext uri="{FF2B5EF4-FFF2-40B4-BE49-F238E27FC236}">
+                    <a16:creationId xmlns:a16="http://schemas.microsoft.com/office/drawing/2014/main" id="{51C26EB0-A588-4B7F-9C2C-EBDC06435266}"/>
+                  </a:ext>
+                </a:extLst>
+              </p:cNvPr>
+              <p:cNvSpPr/>
+              <p:nvPr/>
+            </p:nvSpPr>
+            <p:spPr>
+              <a:xfrm rot="19747004">
+                <a:off x="2353907" y="1571798"/>
+                <a:ext cx="101600" cy="644046"/>
+              </a:xfrm>
+              <a:prstGeom prst="flowChartManualOperation">
+                <a:avLst/>
+              </a:prstGeom>
+            </p:spPr>
+            <p:style>
+              <a:lnRef idx="2">
+                <a:schemeClr val="accent1">
+                  <a:shade val="50000"/>
+                </a:schemeClr>
+              </a:lnRef>
+              <a:fillRef idx="1">
+                <a:schemeClr val="accent1"/>
+              </a:fillRef>
+              <a:effectRef idx="0">
+                <a:schemeClr val="accent1"/>
+              </a:effectRef>
+              <a:fontRef idx="minor">
+                <a:schemeClr val="lt1"/>
+              </a:fontRef>
+            </p:style>
+            <p:txBody>
+              <a:bodyPr rtlCol="0" anchor="ctr"/>
+              <a:lstStyle/>
+              <a:p>
+                <a:pPr algn="ctr"/>
+                <a:endParaRPr lang="ko-KR" altLang="en-US" dirty="0"/>
+              </a:p>
+            </p:txBody>
+          </p:sp>
+        </p:grpSp>
+        <p:sp>
+          <p:nvSpPr>
+            <p:cNvPr id="48" name="TextBox 47">
+              <a:extLst>
+                <a:ext uri="{FF2B5EF4-FFF2-40B4-BE49-F238E27FC236}">
+                  <a16:creationId xmlns:a16="http://schemas.microsoft.com/office/drawing/2014/main" id="{75B6C66B-94E7-484A-BE2E-3CD35B05A9BD}"/>
+                </a:ext>
+              </a:extLst>
+            </p:cNvPr>
+            <p:cNvSpPr txBox="1"/>
+            <p:nvPr/>
+          </p:nvSpPr>
+          <p:spPr>
+            <a:xfrm>
+              <a:off x="2214999" y="3709828"/>
+              <a:ext cx="914033" cy="246221"/>
+            </a:xfrm>
+            <a:prstGeom prst="rect">
+              <a:avLst/>
+            </a:prstGeom>
+            <a:noFill/>
+          </p:spPr>
+          <p:txBody>
+            <a:bodyPr wrap="none" rtlCol="0">
+              <a:spAutoFit/>
+            </a:bodyPr>
+            <a:lstStyle/>
+            <a:p>
+              <a:r>
+                <a:rPr lang="en-US" altLang="ko-KR" sz="1000" dirty="0"/>
+                <a:t>billiard table</a:t>
+              </a:r>
+              <a:endParaRPr lang="ko-KR" altLang="en-US" sz="1000" dirty="0"/>
+            </a:p>
+          </p:txBody>
+        </p:sp>
+      </p:grpSp>
+      <p:sp>
+        <p:nvSpPr>
+          <p:cNvPr id="51" name="내용 개체 틀 2">
+            <a:extLst>
+              <a:ext uri="{FF2B5EF4-FFF2-40B4-BE49-F238E27FC236}">
+                <a16:creationId xmlns:a16="http://schemas.microsoft.com/office/drawing/2014/main" id="{1483C1AF-48F7-4DD2-8876-6489D535814E}"/>
+              </a:ext>
+            </a:extLst>
+          </p:cNvPr>
+          <p:cNvSpPr txBox="1">
+            <a:spLocks/>
+          </p:cNvSpPr>
+          <p:nvPr/>
+        </p:nvSpPr>
+        <p:spPr>
+          <a:xfrm>
+            <a:off x="338331" y="4013514"/>
+            <a:ext cx="2003807" cy="474041"/>
+          </a:xfrm>
+          <a:prstGeom prst="rect">
+            <a:avLst/>
+          </a:prstGeom>
+        </p:spPr>
+        <p:txBody>
+          <a:bodyPr vert="horz" lIns="91440" tIns="45720" rIns="91440" bIns="45720" rtlCol="0">
+            <a:normAutofit/>
+          </a:bodyPr>
+          <a:lstStyle>
+            <a:lvl1pPr marL="228600" indent="-228600" algn="l" defTabSz="914400" rtl="0" eaLnBrk="1" latinLnBrk="1" hangingPunct="1">
+              <a:lnSpc>
+                <a:spcPct val="90000"/>
+              </a:lnSpc>
+              <a:spcBef>
+                <a:spcPts val="1000"/>
+              </a:spcBef>
+              <a:buFont typeface="Arial"/>
+              <a:buChar char="•"/>
+              <a:defRPr sz="2800" b="0" i="0" kern="1200">
+                <a:solidFill>
+                  <a:schemeClr val="tx1"/>
+                </a:solidFill>
+                <a:latin typeface="Times New Roman 일반체" charset="0"/>
+                <a:ea typeface="Times New Roman 일반체" charset="0"/>
+                <a:cs typeface="+mn-cs"/>
+              </a:defRPr>
+            </a:lvl1pPr>
+            <a:lvl2pPr marL="685800" indent="-228600" algn="l" defTabSz="914400" rtl="0" eaLnBrk="1" latinLnBrk="1" hangingPunct="1">
+              <a:lnSpc>
+                <a:spcPct val="90000"/>
+              </a:lnSpc>
+              <a:spcBef>
+                <a:spcPts val="500"/>
+              </a:spcBef>
+              <a:buFont typeface="Arial"/>
+              <a:buChar char="•"/>
+              <a:defRPr sz="2400" b="0" i="0" kern="1200">
+                <a:solidFill>
+                  <a:schemeClr val="tx1"/>
+                </a:solidFill>
+                <a:latin typeface="Times New Roman 일반체" charset="0"/>
+                <a:ea typeface="Times New Roman 일반체" charset="0"/>
+                <a:cs typeface="+mn-cs"/>
+              </a:defRPr>
+            </a:lvl2pPr>
+            <a:lvl3pPr marL="1143000" indent="-228600" algn="l" defTabSz="914400" rtl="0" eaLnBrk="1" latinLnBrk="1" hangingPunct="1">
+              <a:lnSpc>
+                <a:spcPct val="90000"/>
+              </a:lnSpc>
+              <a:spcBef>
+                <a:spcPts val="500"/>
+              </a:spcBef>
+              <a:buFont typeface="Arial"/>
+              <a:buChar char="•"/>
+              <a:defRPr sz="2000" b="0" i="0" kern="1200">
+                <a:solidFill>
+                  <a:schemeClr val="tx1"/>
+                </a:solidFill>
+                <a:latin typeface="Times New Roman 일반체" charset="0"/>
+                <a:ea typeface="Times New Roman 일반체" charset="0"/>
+                <a:cs typeface="+mn-cs"/>
+              </a:defRPr>
+            </a:lvl3pPr>
+            <a:lvl4pPr marL="1600200" indent="-228600" algn="l" defTabSz="914400" rtl="0" eaLnBrk="1" latinLnBrk="1" hangingPunct="1">
+              <a:lnSpc>
+                <a:spcPct val="90000"/>
+              </a:lnSpc>
+              <a:spcBef>
+                <a:spcPts val="500"/>
+              </a:spcBef>
+              <a:buFont typeface="Arial"/>
+              <a:buChar char="•"/>
+              <a:defRPr sz="1800" b="0" i="0" kern="1200">
+                <a:solidFill>
+                  <a:schemeClr val="tx1"/>
+                </a:solidFill>
+                <a:latin typeface="Times New Roman 일반체" charset="0"/>
+                <a:ea typeface="Times New Roman 일반체" charset="0"/>
+                <a:cs typeface="+mn-cs"/>
+              </a:defRPr>
+            </a:lvl4pPr>
+            <a:lvl5pPr marL="2057400" indent="-228600" algn="l" defTabSz="914400" rtl="0" eaLnBrk="1" latinLnBrk="1" hangingPunct="1">
+              <a:lnSpc>
+                <a:spcPct val="90000"/>
+              </a:lnSpc>
+              <a:spcBef>
+                <a:spcPts val="500"/>
+              </a:spcBef>
+              <a:buFont typeface="Arial"/>
+              <a:buChar char="•"/>
+              <a:defRPr sz="1800" b="0" i="0" kern="1200">
+                <a:solidFill>
+                  <a:schemeClr val="tx1"/>
+                </a:solidFill>
+                <a:latin typeface="Times New Roman 일반체" charset="0"/>
+                <a:ea typeface="Times New Roman 일반체" charset="0"/>
+                <a:cs typeface="+mn-cs"/>
+              </a:defRPr>
+            </a:lvl5pPr>
+            <a:lvl6pPr marL="2514600" indent="-228600" algn="l" defTabSz="914400" rtl="0" eaLnBrk="1" latinLnBrk="1" hangingPunct="1">
+              <a:lnSpc>
+                <a:spcPct val="90000"/>
+              </a:lnSpc>
+              <a:spcBef>
+                <a:spcPts val="500"/>
+              </a:spcBef>
+              <a:buFont typeface="Arial"/>
+              <a:buChar char="•"/>
+              <a:defRPr sz="1800" kern="1200">
+                <a:solidFill>
+                  <a:schemeClr val="tx1"/>
+                </a:solidFill>
+                <a:latin typeface="+mn-lt"/>
+                <a:ea typeface="+mn-ea"/>
+                <a:cs typeface="+mn-cs"/>
+              </a:defRPr>
+            </a:lvl6pPr>
+            <a:lvl7pPr marL="2971800" indent="-228600" algn="l" defTabSz="914400" rtl="0" eaLnBrk="1" latinLnBrk="1" hangingPunct="1">
+              <a:lnSpc>
+                <a:spcPct val="90000"/>
+              </a:lnSpc>
+              <a:spcBef>
+                <a:spcPts val="500"/>
+              </a:spcBef>
+              <a:buFont typeface="Arial"/>
+              <a:buChar char="•"/>
+              <a:defRPr sz="1800" kern="1200">
+                <a:solidFill>
+                  <a:schemeClr val="tx1"/>
+                </a:solidFill>
+                <a:latin typeface="+mn-lt"/>
+                <a:ea typeface="+mn-ea"/>
+                <a:cs typeface="+mn-cs"/>
+              </a:defRPr>
+            </a:lvl7pPr>
+            <a:lvl8pPr marL="3429000" indent="-228600" algn="l" defTabSz="914400" rtl="0" eaLnBrk="1" latinLnBrk="1" hangingPunct="1">
+              <a:lnSpc>
+                <a:spcPct val="90000"/>
+              </a:lnSpc>
+              <a:spcBef>
+                <a:spcPts val="500"/>
+              </a:spcBef>
+              <a:buFont typeface="Arial"/>
+              <a:buChar char="•"/>
+              <a:defRPr sz="1800" kern="1200">
+                <a:solidFill>
+                  <a:schemeClr val="tx1"/>
+                </a:solidFill>
+                <a:latin typeface="+mn-lt"/>
+                <a:ea typeface="+mn-ea"/>
+                <a:cs typeface="+mn-cs"/>
+              </a:defRPr>
+            </a:lvl8pPr>
+            <a:lvl9pPr marL="3886200" indent="-228600" algn="l" defTabSz="914400" rtl="0" eaLnBrk="1" latinLnBrk="1" hangingPunct="1">
+              <a:lnSpc>
+                <a:spcPct val="90000"/>
+              </a:lnSpc>
+              <a:spcBef>
+                <a:spcPts val="500"/>
+              </a:spcBef>
+              <a:buFont typeface="Arial"/>
+              <a:buChar char="•"/>
+              <a:defRPr sz="1800" kern="1200">
+                <a:solidFill>
+                  <a:schemeClr val="tx1"/>
+                </a:solidFill>
+                <a:latin typeface="+mn-lt"/>
+                <a:ea typeface="+mn-ea"/>
+                <a:cs typeface="+mn-cs"/>
+              </a:defRPr>
+            </a:lvl9pPr>
+          </a:lstStyle>
+          <a:p>
+            <a:r>
+              <a:rPr kumimoji="1" lang="en-US" altLang="ko-KR" sz="2400" b="1" dirty="0"/>
+              <a:t>Result</a:t>
+            </a:r>
+          </a:p>
+        </p:txBody>
+      </p:sp>
+    </p:spTree>
+    <p:extLst>
+      <p:ext uri="{BB962C8B-B14F-4D97-AF65-F5344CB8AC3E}">
+        <p14:creationId xmlns:p14="http://schemas.microsoft.com/office/powerpoint/2010/main" val="1559479853"/>
+      </p:ext>
+    </p:extLst>
+  </p:cSld>
+  <p:clrMapOvr>
+    <a:masterClrMapping/>
+  </p:clrMapOvr>
+</p:sld>
+</file>
+
+<file path=ppt/slides/slide6.xml><?xml version="1.0" encoding="utf-8"?>
+<p:sld xmlns:a="http://schemas.openxmlformats.org/drawingml/2006/main" xmlns:r="http://schemas.openxmlformats.org/officeDocument/2006/relationships" xmlns:p="http://schemas.openxmlformats.org/presentationml/2006/main">
+  <p:cSld>
+    <p:spTree>
+      <p:nvGrpSpPr>
+        <p:cNvPr id="1" name=""/>
+        <p:cNvGrpSpPr/>
+        <p:nvPr/>
+      </p:nvGrpSpPr>
+      <p:grpSpPr>
+        <a:xfrm>
+          <a:off x="0" y="0"/>
+          <a:ext cx="0" cy="0"/>
+          <a:chOff x="0" y="0"/>
+          <a:chExt cx="0" cy="0"/>
+        </a:xfrm>
+      </p:grpSpPr>
+      <p:grpSp>
+        <p:nvGrpSpPr>
+          <p:cNvPr id="27" name="그룹 26">
+            <a:extLst>
+              <a:ext uri="{FF2B5EF4-FFF2-40B4-BE49-F238E27FC236}">
+                <a16:creationId xmlns:a16="http://schemas.microsoft.com/office/drawing/2014/main" id="{0BA769F2-FCB3-4D6C-B120-C71B5C7109AF}"/>
+              </a:ext>
+            </a:extLst>
+          </p:cNvPr>
+          <p:cNvGrpSpPr/>
+          <p:nvPr/>
+        </p:nvGrpSpPr>
+        <p:grpSpPr>
+          <a:xfrm>
+            <a:off x="348861" y="1019933"/>
+            <a:ext cx="4905307" cy="2444101"/>
+            <a:chOff x="348861" y="1019933"/>
+            <a:chExt cx="4905307" cy="2444101"/>
+          </a:xfrm>
+        </p:grpSpPr>
+        <p:sp>
+          <p:nvSpPr>
+            <p:cNvPr id="6" name="직사각형 5">
+              <a:extLst>
+                <a:ext uri="{FF2B5EF4-FFF2-40B4-BE49-F238E27FC236}">
+                  <a16:creationId xmlns:a16="http://schemas.microsoft.com/office/drawing/2014/main" id="{A472F0A3-3B15-4BDE-8F17-1E43ED05CA9E}"/>
+                </a:ext>
+              </a:extLst>
+            </p:cNvPr>
+            <p:cNvSpPr/>
+            <p:nvPr/>
+          </p:nvSpPr>
+          <p:spPr>
+            <a:xfrm>
+              <a:off x="1077060" y="1414516"/>
+              <a:ext cx="4177108" cy="2049518"/>
+            </a:xfrm>
+            <a:prstGeom prst="rect">
+              <a:avLst/>
+            </a:prstGeom>
+            <a:noFill/>
+            <a:ln w="19050"/>
+          </p:spPr>
+          <p:style>
+            <a:lnRef idx="2">
+              <a:schemeClr val="accent1">
+                <a:shade val="50000"/>
+              </a:schemeClr>
+            </a:lnRef>
+            <a:fillRef idx="1">
+              <a:schemeClr val="accent1"/>
+            </a:fillRef>
+            <a:effectRef idx="0">
+              <a:schemeClr val="accent1"/>
+            </a:effectRef>
+            <a:fontRef idx="minor">
+              <a:schemeClr val="lt1"/>
+            </a:fontRef>
+          </p:style>
+          <p:txBody>
+            <a:bodyPr rtlCol="0" anchor="ctr"/>
+            <a:lstStyle/>
+            <a:p>
+              <a:pPr algn="ctr"/>
+              <a:endParaRPr lang="ko-KR" altLang="en-US"/>
+            </a:p>
+          </p:txBody>
+        </p:sp>
+        <p:cxnSp>
+          <p:nvCxnSpPr>
+            <p:cNvPr id="8" name="직선 화살표 연결선 7">
+              <a:extLst>
+                <a:ext uri="{FF2B5EF4-FFF2-40B4-BE49-F238E27FC236}">
+                  <a16:creationId xmlns:a16="http://schemas.microsoft.com/office/drawing/2014/main" id="{CC7D9D0A-74FF-4F8E-B754-6ACCFC884EB6}"/>
+                </a:ext>
+              </a:extLst>
+            </p:cNvPr>
+            <p:cNvCxnSpPr/>
+            <p:nvPr/>
+          </p:nvCxnSpPr>
+          <p:spPr>
+            <a:xfrm>
+              <a:off x="1077060" y="1296932"/>
+              <a:ext cx="1714500" cy="0"/>
+            </a:xfrm>
+            <a:prstGeom prst="straightConnector1">
+              <a:avLst/>
+            </a:prstGeom>
+            <a:ln>
+              <a:headEnd type="triangle"/>
+              <a:tailEnd type="triangle"/>
+            </a:ln>
+          </p:spPr>
+          <p:style>
+            <a:lnRef idx="1">
+              <a:schemeClr val="dk1"/>
+            </a:lnRef>
+            <a:fillRef idx="0">
+              <a:schemeClr val="dk1"/>
+            </a:fillRef>
+            <a:effectRef idx="0">
+              <a:schemeClr val="dk1"/>
+            </a:effectRef>
+            <a:fontRef idx="minor">
+              <a:schemeClr val="tx1"/>
+            </a:fontRef>
+          </p:style>
+        </p:cxnSp>
+        <p:cxnSp>
+          <p:nvCxnSpPr>
+            <p:cNvPr id="10" name="직선 화살표 연결선 9">
+              <a:extLst>
+                <a:ext uri="{FF2B5EF4-FFF2-40B4-BE49-F238E27FC236}">
+                  <a16:creationId xmlns:a16="http://schemas.microsoft.com/office/drawing/2014/main" id="{A8937545-62EC-448F-8C94-FA87D8C95D4D}"/>
+                </a:ext>
+              </a:extLst>
+            </p:cNvPr>
+            <p:cNvCxnSpPr>
+              <a:cxnSpLocks/>
+            </p:cNvCxnSpPr>
+            <p:nvPr/>
+          </p:nvCxnSpPr>
+          <p:spPr>
+            <a:xfrm>
+              <a:off x="975460" y="1446266"/>
+              <a:ext cx="0" cy="1017810"/>
+            </a:xfrm>
+            <a:prstGeom prst="straightConnector1">
+              <a:avLst/>
+            </a:prstGeom>
+            <a:ln>
+              <a:headEnd type="triangle"/>
+              <a:tailEnd type="triangle"/>
+            </a:ln>
+          </p:spPr>
+          <p:style>
+            <a:lnRef idx="1">
+              <a:schemeClr val="dk1"/>
+            </a:lnRef>
+            <a:fillRef idx="0">
+              <a:schemeClr val="dk1"/>
+            </a:fillRef>
+            <a:effectRef idx="0">
+              <a:schemeClr val="dk1"/>
+            </a:effectRef>
+            <a:fontRef idx="minor">
+              <a:schemeClr val="tx1"/>
+            </a:fontRef>
+          </p:style>
+        </p:cxnSp>
+        <p:sp>
+          <p:nvSpPr>
+            <p:cNvPr id="14" name="TextBox 13">
+              <a:extLst>
+                <a:ext uri="{FF2B5EF4-FFF2-40B4-BE49-F238E27FC236}">
+                  <a16:creationId xmlns:a16="http://schemas.microsoft.com/office/drawing/2014/main" id="{A845A337-CFF6-433C-9FB1-6A489B153E32}"/>
+                </a:ext>
+              </a:extLst>
+            </p:cNvPr>
+            <p:cNvSpPr txBox="1"/>
+            <p:nvPr/>
+          </p:nvSpPr>
+          <p:spPr>
+            <a:xfrm>
+              <a:off x="1646410" y="1019933"/>
+              <a:ext cx="575799" cy="276999"/>
+            </a:xfrm>
+            <a:prstGeom prst="rect">
+              <a:avLst/>
+            </a:prstGeom>
+            <a:noFill/>
+          </p:spPr>
+          <p:txBody>
+            <a:bodyPr wrap="none" rtlCol="0">
+              <a:spAutoFit/>
+            </a:bodyPr>
+            <a:lstStyle/>
+            <a:p>
+              <a:pPr algn="ctr"/>
+              <a:r>
+                <a:rPr lang="en-US" altLang="ko-KR" sz="1200" dirty="0" err="1"/>
+                <a:t>pos_x</a:t>
+              </a:r>
+              <a:endParaRPr lang="ko-KR" altLang="en-US" sz="1200" dirty="0"/>
+            </a:p>
+          </p:txBody>
+        </p:sp>
+        <p:sp>
+          <p:nvSpPr>
+            <p:cNvPr id="15" name="TextBox 14">
+              <a:extLst>
+                <a:ext uri="{FF2B5EF4-FFF2-40B4-BE49-F238E27FC236}">
+                  <a16:creationId xmlns:a16="http://schemas.microsoft.com/office/drawing/2014/main" id="{DE476278-558D-41FD-AB21-54BDC54928EB}"/>
+                </a:ext>
+              </a:extLst>
+            </p:cNvPr>
+            <p:cNvSpPr txBox="1"/>
+            <p:nvPr/>
+          </p:nvSpPr>
+          <p:spPr>
+            <a:xfrm>
+              <a:off x="348861" y="1816671"/>
+              <a:ext cx="575799" cy="276999"/>
+            </a:xfrm>
+            <a:prstGeom prst="rect">
+              <a:avLst/>
+            </a:prstGeom>
+            <a:noFill/>
+          </p:spPr>
+          <p:txBody>
+            <a:bodyPr wrap="none" rtlCol="0">
+              <a:spAutoFit/>
+            </a:bodyPr>
+            <a:lstStyle/>
+            <a:p>
+              <a:pPr algn="ctr"/>
+              <a:r>
+                <a:rPr lang="en-US" altLang="ko-KR" sz="1200" dirty="0" err="1"/>
+                <a:t>pos_y</a:t>
+              </a:r>
+              <a:endParaRPr lang="ko-KR" altLang="en-US" sz="1200" dirty="0"/>
+            </a:p>
+          </p:txBody>
+        </p:sp>
+        <p:grpSp>
+          <p:nvGrpSpPr>
+            <p:cNvPr id="18" name="그룹 17">
+              <a:extLst>
+                <a:ext uri="{FF2B5EF4-FFF2-40B4-BE49-F238E27FC236}">
+                  <a16:creationId xmlns:a16="http://schemas.microsoft.com/office/drawing/2014/main" id="{7A72369B-7A88-4929-BC7C-B32E57712400}"/>
+                </a:ext>
+              </a:extLst>
+            </p:cNvPr>
+            <p:cNvGrpSpPr/>
+            <p:nvPr/>
+          </p:nvGrpSpPr>
+          <p:grpSpPr>
+            <a:xfrm rot="19797613">
+              <a:off x="2103379" y="2346538"/>
+              <a:ext cx="1376362" cy="257066"/>
+              <a:chOff x="3380636" y="2441684"/>
+              <a:chExt cx="1376362" cy="257066"/>
+            </a:xfrm>
+          </p:grpSpPr>
+          <p:sp>
+            <p:nvSpPr>
+              <p:cNvPr id="9" name="타원 8">
+                <a:extLst>
+                  <a:ext uri="{FF2B5EF4-FFF2-40B4-BE49-F238E27FC236}">
+                    <a16:creationId xmlns:a16="http://schemas.microsoft.com/office/drawing/2014/main" id="{69595C52-9FEE-49F9-BDCC-29A1932B7792}"/>
+                  </a:ext>
+                </a:extLst>
+              </p:cNvPr>
+              <p:cNvSpPr/>
+              <p:nvPr/>
+            </p:nvSpPr>
+            <p:spPr>
+              <a:xfrm>
+                <a:off x="3940284" y="2441684"/>
+                <a:ext cx="257066" cy="257066"/>
+              </a:xfrm>
+              <a:prstGeom prst="ellipse">
+                <a:avLst/>
+              </a:prstGeom>
+              <a:solidFill>
+                <a:srgbClr val="FFC000"/>
+              </a:solidFill>
+              <a:ln>
+                <a:noFill/>
+              </a:ln>
+            </p:spPr>
+            <p:style>
+              <a:lnRef idx="2">
+                <a:schemeClr val="accent1">
+                  <a:shade val="50000"/>
+                </a:schemeClr>
+              </a:lnRef>
+              <a:fillRef idx="1">
+                <a:schemeClr val="accent1"/>
+              </a:fillRef>
+              <a:effectRef idx="0">
+                <a:schemeClr val="accent1"/>
+              </a:effectRef>
+              <a:fontRef idx="minor">
+                <a:schemeClr val="lt1"/>
+              </a:fontRef>
+            </p:style>
+            <p:txBody>
+              <a:bodyPr rtlCol="0" anchor="ctr"/>
+              <a:lstStyle/>
+              <a:p>
+                <a:pPr algn="ctr"/>
+                <a:endParaRPr lang="ko-KR" altLang="en-US"/>
+              </a:p>
+            </p:txBody>
+          </p:sp>
+          <p:cxnSp>
+            <p:nvCxnSpPr>
+              <p:cNvPr id="17" name="직선 연결선 16">
+                <a:extLst>
+                  <a:ext uri="{FF2B5EF4-FFF2-40B4-BE49-F238E27FC236}">
+                    <a16:creationId xmlns:a16="http://schemas.microsoft.com/office/drawing/2014/main" id="{DFDAA2A8-DD25-4713-81A7-32726D672816}"/>
+                  </a:ext>
+                </a:extLst>
+              </p:cNvPr>
+              <p:cNvCxnSpPr/>
+              <p:nvPr/>
+            </p:nvCxnSpPr>
+            <p:spPr>
+              <a:xfrm>
+                <a:off x="3380636" y="2570217"/>
+                <a:ext cx="1376362" cy="12700"/>
+              </a:xfrm>
+              <a:prstGeom prst="line">
+                <a:avLst/>
+              </a:prstGeom>
+              <a:ln w="9525">
+                <a:prstDash val="sysDash"/>
+              </a:ln>
+            </p:spPr>
+            <p:style>
+              <a:lnRef idx="1">
+                <a:schemeClr val="accent1"/>
+              </a:lnRef>
+              <a:fillRef idx="0">
+                <a:schemeClr val="accent1"/>
+              </a:fillRef>
+              <a:effectRef idx="0">
+                <a:schemeClr val="accent1"/>
+              </a:effectRef>
+              <a:fontRef idx="minor">
+                <a:schemeClr val="tx1"/>
+              </a:fontRef>
+            </p:style>
+          </p:cxnSp>
+        </p:grpSp>
+        <p:cxnSp>
+          <p:nvCxnSpPr>
+            <p:cNvPr id="21" name="직선 연결선 20">
+              <a:extLst>
+                <a:ext uri="{FF2B5EF4-FFF2-40B4-BE49-F238E27FC236}">
+                  <a16:creationId xmlns:a16="http://schemas.microsoft.com/office/drawing/2014/main" id="{D489C79A-B6D7-4D7B-857B-3A58C5E0E4C3}"/>
+                </a:ext>
+              </a:extLst>
+            </p:cNvPr>
+            <p:cNvCxnSpPr>
+              <a:cxnSpLocks/>
+            </p:cNvCxnSpPr>
+            <p:nvPr/>
+          </p:nvCxnSpPr>
+          <p:spPr>
+            <a:xfrm>
+              <a:off x="2064711" y="2464076"/>
+              <a:ext cx="1350245" cy="10995"/>
+            </a:xfrm>
+            <a:prstGeom prst="line">
+              <a:avLst/>
+            </a:prstGeom>
+            <a:ln>
+              <a:prstDash val="sysDash"/>
+            </a:ln>
+          </p:spPr>
+          <p:style>
+            <a:lnRef idx="1">
+              <a:schemeClr val="dk1"/>
+            </a:lnRef>
+            <a:fillRef idx="0">
+              <a:schemeClr val="dk1"/>
+            </a:fillRef>
+            <a:effectRef idx="0">
+              <a:schemeClr val="dk1"/>
+            </a:effectRef>
+            <a:fontRef idx="minor">
+              <a:schemeClr val="tx1"/>
+            </a:fontRef>
+          </p:style>
+        </p:cxnSp>
+        <p:sp>
+          <p:nvSpPr>
+            <p:cNvPr id="23" name="원호 22">
+              <a:extLst>
+                <a:ext uri="{FF2B5EF4-FFF2-40B4-BE49-F238E27FC236}">
+                  <a16:creationId xmlns:a16="http://schemas.microsoft.com/office/drawing/2014/main" id="{70CF6212-D5FB-48F7-B06D-F27A0453F748}"/>
+                </a:ext>
+              </a:extLst>
+            </p:cNvPr>
+            <p:cNvSpPr/>
+            <p:nvPr/>
+          </p:nvSpPr>
+          <p:spPr>
+            <a:xfrm>
+              <a:off x="2562905" y="2268973"/>
+              <a:ext cx="447784" cy="391674"/>
+            </a:xfrm>
+            <a:prstGeom prst="arc">
+              <a:avLst>
+                <a:gd name="adj1" fmla="val 20322232"/>
+                <a:gd name="adj2" fmla="val 0"/>
+              </a:avLst>
+            </a:prstGeom>
+          </p:spPr>
+          <p:style>
+            <a:lnRef idx="1">
+              <a:schemeClr val="accent1"/>
+            </a:lnRef>
+            <a:fillRef idx="0">
+              <a:schemeClr val="accent1"/>
+            </a:fillRef>
+            <a:effectRef idx="0">
+              <a:schemeClr val="accent1"/>
+            </a:effectRef>
+            <a:fontRef idx="minor">
+              <a:schemeClr val="tx1"/>
+            </a:fontRef>
+          </p:style>
+          <p:txBody>
+            <a:bodyPr rtlCol="0" anchor="ctr"/>
+            <a:lstStyle/>
+            <a:p>
+              <a:pPr algn="ctr"/>
+              <a:endParaRPr lang="ko-KR" altLang="en-US"/>
+            </a:p>
+          </p:txBody>
+        </p:sp>
+        <p:sp>
+          <p:nvSpPr>
+            <p:cNvPr id="24" name="TextBox 23">
+              <a:extLst>
+                <a:ext uri="{FF2B5EF4-FFF2-40B4-BE49-F238E27FC236}">
+                  <a16:creationId xmlns:a16="http://schemas.microsoft.com/office/drawing/2014/main" id="{FD1A16CD-4143-4CAB-A13D-5DCD9DD1576E}"/>
+                </a:ext>
+              </a:extLst>
+            </p:cNvPr>
+            <p:cNvSpPr txBox="1"/>
+            <p:nvPr/>
+          </p:nvSpPr>
+          <p:spPr>
+            <a:xfrm>
+              <a:off x="3025477" y="2267768"/>
+              <a:ext cx="1438214" cy="246221"/>
+            </a:xfrm>
+            <a:prstGeom prst="rect">
+              <a:avLst/>
+            </a:prstGeom>
+            <a:noFill/>
+          </p:spPr>
+          <p:txBody>
+            <a:bodyPr wrap="none" rtlCol="0">
+              <a:spAutoFit/>
+            </a:bodyPr>
+            <a:lstStyle/>
+            <a:p>
+              <a:r>
+                <a:rPr lang="en-US" altLang="ko-KR" sz="1000" dirty="0"/>
+                <a:t>phi : projection angle</a:t>
+              </a:r>
+              <a:endParaRPr lang="ko-KR" altLang="en-US" sz="1000" dirty="0"/>
+            </a:p>
+          </p:txBody>
+        </p:sp>
+        <p:sp>
+          <p:nvSpPr>
+            <p:cNvPr id="26" name="순서도: 수동 연산 25">
+              <a:extLst>
+                <a:ext uri="{FF2B5EF4-FFF2-40B4-BE49-F238E27FC236}">
+                  <a16:creationId xmlns:a16="http://schemas.microsoft.com/office/drawing/2014/main" id="{BE7BF6ED-9345-4A3F-BF9B-47712048EB06}"/>
+                </a:ext>
+              </a:extLst>
+            </p:cNvPr>
+            <p:cNvSpPr/>
+            <p:nvPr/>
+          </p:nvSpPr>
+          <p:spPr>
+            <a:xfrm rot="19747004">
+              <a:off x="2353907" y="1571798"/>
+              <a:ext cx="101600" cy="644046"/>
+            </a:xfrm>
+            <a:prstGeom prst="flowChartManualOperation">
+              <a:avLst/>
+            </a:prstGeom>
+          </p:spPr>
+          <p:style>
+            <a:lnRef idx="2">
+              <a:schemeClr val="accent1">
+                <a:shade val="50000"/>
+              </a:schemeClr>
+            </a:lnRef>
+            <a:fillRef idx="1">
+              <a:schemeClr val="accent1"/>
+            </a:fillRef>
+            <a:effectRef idx="0">
+              <a:schemeClr val="accent1"/>
+            </a:effectRef>
+            <a:fontRef idx="minor">
+              <a:schemeClr val="lt1"/>
+            </a:fontRef>
+          </p:style>
+          <p:txBody>
+            <a:bodyPr rtlCol="0" anchor="ctr"/>
+            <a:lstStyle/>
+            <a:p>
+              <a:pPr algn="ctr"/>
+              <a:endParaRPr lang="ko-KR" altLang="en-US" dirty="0"/>
+            </a:p>
+          </p:txBody>
+        </p:sp>
+      </p:grpSp>
+      <p:grpSp>
+        <p:nvGrpSpPr>
+          <p:cNvPr id="109" name="그룹 108">
+            <a:extLst>
+              <a:ext uri="{FF2B5EF4-FFF2-40B4-BE49-F238E27FC236}">
+                <a16:creationId xmlns:a16="http://schemas.microsoft.com/office/drawing/2014/main" id="{B3DFFCF3-3DC7-4930-B036-6E91B6721E8C}"/>
+              </a:ext>
+            </a:extLst>
+          </p:cNvPr>
+          <p:cNvGrpSpPr/>
+          <p:nvPr/>
+        </p:nvGrpSpPr>
+        <p:grpSpPr>
+          <a:xfrm>
+            <a:off x="6698103" y="974948"/>
+            <a:ext cx="2083947" cy="2678411"/>
+            <a:chOff x="6698103" y="974948"/>
+            <a:chExt cx="2083947" cy="2678411"/>
+          </a:xfrm>
+        </p:grpSpPr>
+        <p:sp>
+          <p:nvSpPr>
+            <p:cNvPr id="28" name="타원 27">
+              <a:extLst>
+                <a:ext uri="{FF2B5EF4-FFF2-40B4-BE49-F238E27FC236}">
+                  <a16:creationId xmlns:a16="http://schemas.microsoft.com/office/drawing/2014/main" id="{38ACC68B-5C93-49C3-AF22-C540E7A349F6}"/>
+                </a:ext>
+              </a:extLst>
+            </p:cNvPr>
+            <p:cNvSpPr/>
+            <p:nvPr/>
+          </p:nvSpPr>
+          <p:spPr>
+            <a:xfrm>
+              <a:off x="6725761" y="1362733"/>
+              <a:ext cx="2056289" cy="2056289"/>
+            </a:xfrm>
+            <a:prstGeom prst="ellipse">
+              <a:avLst/>
+            </a:prstGeom>
+            <a:solidFill>
+              <a:srgbClr val="FFC000"/>
+            </a:solidFill>
+            <a:ln>
+              <a:noFill/>
+            </a:ln>
+          </p:spPr>
+          <p:style>
+            <a:lnRef idx="2">
+              <a:schemeClr val="accent1">
+                <a:shade val="50000"/>
+              </a:schemeClr>
+            </a:lnRef>
+            <a:fillRef idx="1">
+              <a:schemeClr val="accent1"/>
+            </a:fillRef>
+            <a:effectRef idx="0">
+              <a:schemeClr val="accent1"/>
+            </a:effectRef>
+            <a:fontRef idx="minor">
+              <a:schemeClr val="lt1"/>
+            </a:fontRef>
+          </p:style>
+          <p:txBody>
+            <a:bodyPr rtlCol="0" anchor="ctr"/>
+            <a:lstStyle/>
+            <a:p>
+              <a:pPr algn="ctr"/>
+              <a:endParaRPr lang="ko-KR" altLang="en-US"/>
+            </a:p>
+          </p:txBody>
+        </p:sp>
+        <p:sp>
+          <p:nvSpPr>
+            <p:cNvPr id="29" name="TextBox 28">
+              <a:extLst>
+                <a:ext uri="{FF2B5EF4-FFF2-40B4-BE49-F238E27FC236}">
+                  <a16:creationId xmlns:a16="http://schemas.microsoft.com/office/drawing/2014/main" id="{CFD92F69-1E96-4D04-8E2E-590CCAE28B6A}"/>
+                </a:ext>
+              </a:extLst>
+            </p:cNvPr>
+            <p:cNvSpPr txBox="1"/>
+            <p:nvPr/>
+          </p:nvSpPr>
+          <p:spPr>
+            <a:xfrm>
+              <a:off x="7214371" y="3407138"/>
+              <a:ext cx="1099981" cy="246221"/>
+            </a:xfrm>
+            <a:prstGeom prst="rect">
+              <a:avLst/>
+            </a:prstGeom>
+            <a:noFill/>
+          </p:spPr>
+          <p:txBody>
+            <a:bodyPr wrap="none" rtlCol="0">
+              <a:spAutoFit/>
+            </a:bodyPr>
+            <a:lstStyle/>
+            <a:p>
+              <a:r>
+                <a:rPr lang="en-US" altLang="ko-KR" sz="1000" dirty="0"/>
+                <a:t>projected plane</a:t>
+              </a:r>
+              <a:endParaRPr lang="ko-KR" altLang="en-US" sz="1000" dirty="0"/>
+            </a:p>
+          </p:txBody>
+        </p:sp>
+        <p:grpSp>
+          <p:nvGrpSpPr>
+            <p:cNvPr id="79" name="그룹 78">
+              <a:extLst>
+                <a:ext uri="{FF2B5EF4-FFF2-40B4-BE49-F238E27FC236}">
+                  <a16:creationId xmlns:a16="http://schemas.microsoft.com/office/drawing/2014/main" id="{DA435CE7-4A45-44B8-B908-E2FEDE38CB45}"/>
+                </a:ext>
+              </a:extLst>
+            </p:cNvPr>
+            <p:cNvGrpSpPr/>
+            <p:nvPr/>
+          </p:nvGrpSpPr>
+          <p:grpSpPr>
+            <a:xfrm>
+              <a:off x="6725759" y="2141200"/>
+              <a:ext cx="2056286" cy="494067"/>
+              <a:chOff x="7112080" y="2141200"/>
+              <a:chExt cx="1283646" cy="494067"/>
+            </a:xfrm>
+          </p:grpSpPr>
+          <p:cxnSp>
+            <p:nvCxnSpPr>
+              <p:cNvPr id="30" name="직선 연결선 29">
+                <a:extLst>
+                  <a:ext uri="{FF2B5EF4-FFF2-40B4-BE49-F238E27FC236}">
+                    <a16:creationId xmlns:a16="http://schemas.microsoft.com/office/drawing/2014/main" id="{6DEA50A6-5DE7-49A8-A1E8-0B9189639DA4}"/>
+                  </a:ext>
+                </a:extLst>
+              </p:cNvPr>
+              <p:cNvCxnSpPr>
+                <a:cxnSpLocks/>
+                <a:stCxn id="28" idx="2"/>
+                <a:endCxn id="47" idx="6"/>
+              </p:cNvCxnSpPr>
+              <p:nvPr/>
+            </p:nvCxnSpPr>
+            <p:spPr>
+              <a:xfrm flipV="1">
+                <a:off x="7112080" y="2388788"/>
+                <a:ext cx="1283646" cy="2090"/>
+              </a:xfrm>
+              <a:prstGeom prst="line">
+                <a:avLst/>
+              </a:prstGeom>
+              <a:ln>
+                <a:prstDash val="sysDash"/>
+              </a:ln>
+            </p:spPr>
+            <p:style>
+              <a:lnRef idx="1">
+                <a:schemeClr val="dk1"/>
+              </a:lnRef>
+              <a:fillRef idx="0">
+                <a:schemeClr val="dk1"/>
+              </a:fillRef>
+              <a:effectRef idx="0">
+                <a:schemeClr val="dk1"/>
+              </a:effectRef>
+              <a:fontRef idx="minor">
+                <a:schemeClr val="tx1"/>
+              </a:fontRef>
+            </p:style>
+          </p:cxnSp>
+          <p:cxnSp>
+            <p:nvCxnSpPr>
+              <p:cNvPr id="32" name="직선 연결선 31">
+                <a:extLst>
+                  <a:ext uri="{FF2B5EF4-FFF2-40B4-BE49-F238E27FC236}">
+                    <a16:creationId xmlns:a16="http://schemas.microsoft.com/office/drawing/2014/main" id="{0055F9F2-23EC-4992-B32D-8CFB97A8F756}"/>
+                  </a:ext>
+                </a:extLst>
+              </p:cNvPr>
+              <p:cNvCxnSpPr>
+                <a:cxnSpLocks/>
+              </p:cNvCxnSpPr>
+              <p:nvPr/>
+            </p:nvCxnSpPr>
+            <p:spPr>
+              <a:xfrm flipH="1">
+                <a:off x="7577161" y="2141200"/>
+                <a:ext cx="336940" cy="494067"/>
+              </a:xfrm>
+              <a:prstGeom prst="line">
+                <a:avLst/>
+              </a:prstGeom>
+              <a:ln>
+                <a:prstDash val="sysDash"/>
+              </a:ln>
+            </p:spPr>
+            <p:style>
+              <a:lnRef idx="1">
+                <a:schemeClr val="dk1"/>
+              </a:lnRef>
+              <a:fillRef idx="0">
+                <a:schemeClr val="dk1"/>
+              </a:fillRef>
+              <a:effectRef idx="0">
+                <a:schemeClr val="dk1"/>
+              </a:effectRef>
+              <a:fontRef idx="minor">
+                <a:schemeClr val="tx1"/>
+              </a:fontRef>
+            </p:style>
+          </p:cxnSp>
+        </p:grpSp>
+        <p:cxnSp>
+          <p:nvCxnSpPr>
+            <p:cNvPr id="40" name="직선 연결선 39">
+              <a:extLst>
+                <a:ext uri="{FF2B5EF4-FFF2-40B4-BE49-F238E27FC236}">
+                  <a16:creationId xmlns:a16="http://schemas.microsoft.com/office/drawing/2014/main" id="{2521E1DC-7B78-474B-8461-89E9AA6693F1}"/>
+                </a:ext>
+              </a:extLst>
+            </p:cNvPr>
+            <p:cNvCxnSpPr>
+              <a:cxnSpLocks/>
+              <a:stCxn id="34" idx="4"/>
+            </p:cNvCxnSpPr>
+            <p:nvPr/>
+          </p:nvCxnSpPr>
+          <p:spPr>
+            <a:xfrm>
+              <a:off x="8081188" y="2045988"/>
+              <a:ext cx="0" cy="488052"/>
+            </a:xfrm>
+            <a:prstGeom prst="line">
+              <a:avLst/>
+            </a:prstGeom>
+            <a:ln>
+              <a:prstDash val="sysDot"/>
+            </a:ln>
+          </p:spPr>
+          <p:style>
+            <a:lnRef idx="1">
+              <a:schemeClr val="dk1"/>
+            </a:lnRef>
+            <a:fillRef idx="0">
+              <a:schemeClr val="dk1"/>
+            </a:fillRef>
+            <a:effectRef idx="0">
+              <a:schemeClr val="dk1"/>
+            </a:effectRef>
+            <a:fontRef idx="minor">
+              <a:schemeClr val="tx1"/>
+            </a:fontRef>
+          </p:style>
+        </p:cxnSp>
+        <p:sp>
+          <p:nvSpPr>
+            <p:cNvPr id="45" name="TextBox 44">
+              <a:extLst>
+                <a:ext uri="{FF2B5EF4-FFF2-40B4-BE49-F238E27FC236}">
+                  <a16:creationId xmlns:a16="http://schemas.microsoft.com/office/drawing/2014/main" id="{3BDFF8E3-488E-4CDF-9ABE-CED255CD5DD0}"/>
+                </a:ext>
+              </a:extLst>
+            </p:cNvPr>
+            <p:cNvSpPr txBox="1"/>
+            <p:nvPr/>
+          </p:nvSpPr>
+          <p:spPr>
+            <a:xfrm>
+              <a:off x="7715393" y="2427707"/>
+              <a:ext cx="251992" cy="246221"/>
+            </a:xfrm>
+            <a:prstGeom prst="rect">
+              <a:avLst/>
+            </a:prstGeom>
+            <a:noFill/>
+          </p:spPr>
+          <p:txBody>
+            <a:bodyPr wrap="none" rtlCol="0">
+              <a:spAutoFit/>
+            </a:bodyPr>
+            <a:lstStyle/>
+            <a:p>
+              <a:r>
+                <a:rPr lang="en-US" altLang="ko-KR" sz="1000" dirty="0"/>
+                <a:t>a</a:t>
+              </a:r>
+              <a:endParaRPr lang="ko-KR" altLang="en-US" sz="1000" dirty="0"/>
+            </a:p>
+          </p:txBody>
+        </p:sp>
+        <p:sp>
+          <p:nvSpPr>
+            <p:cNvPr id="46" name="TextBox 45">
+              <a:extLst>
+                <a:ext uri="{FF2B5EF4-FFF2-40B4-BE49-F238E27FC236}">
+                  <a16:creationId xmlns:a16="http://schemas.microsoft.com/office/drawing/2014/main" id="{251D730A-D337-478E-B441-18936DBC6FF3}"/>
+                </a:ext>
+              </a:extLst>
+            </p:cNvPr>
+            <p:cNvSpPr txBox="1"/>
+            <p:nvPr/>
+          </p:nvSpPr>
+          <p:spPr>
+            <a:xfrm>
+              <a:off x="8011976" y="2154451"/>
+              <a:ext cx="261610" cy="246221"/>
+            </a:xfrm>
+            <a:prstGeom prst="rect">
+              <a:avLst/>
+            </a:prstGeom>
+            <a:noFill/>
+          </p:spPr>
+          <p:txBody>
+            <a:bodyPr wrap="none" rtlCol="0">
+              <a:spAutoFit/>
+            </a:bodyPr>
+            <a:lstStyle/>
+            <a:p>
+              <a:r>
+                <a:rPr lang="en-US" altLang="ko-KR" sz="1000" dirty="0"/>
+                <a:t>b</a:t>
+              </a:r>
+              <a:endParaRPr lang="ko-KR" altLang="en-US" sz="1000" dirty="0"/>
+            </a:p>
+          </p:txBody>
+        </p:sp>
+        <p:cxnSp>
+          <p:nvCxnSpPr>
+            <p:cNvPr id="49" name="직선 연결선 48">
+              <a:extLst>
+                <a:ext uri="{FF2B5EF4-FFF2-40B4-BE49-F238E27FC236}">
+                  <a16:creationId xmlns:a16="http://schemas.microsoft.com/office/drawing/2014/main" id="{EC1F287A-8F49-4B85-AB17-9B8AF5424BC2}"/>
+                </a:ext>
+              </a:extLst>
+            </p:cNvPr>
+            <p:cNvCxnSpPr>
+              <a:cxnSpLocks/>
+            </p:cNvCxnSpPr>
+            <p:nvPr/>
+          </p:nvCxnSpPr>
+          <p:spPr>
+            <a:xfrm flipH="1">
+              <a:off x="7909986" y="1872878"/>
+              <a:ext cx="307937" cy="288298"/>
+            </a:xfrm>
+            <a:prstGeom prst="line">
+              <a:avLst/>
+            </a:prstGeom>
+            <a:ln>
+              <a:prstDash val="sysDash"/>
+            </a:ln>
+          </p:spPr>
+          <p:style>
+            <a:lnRef idx="1">
+              <a:schemeClr val="accent1"/>
+            </a:lnRef>
+            <a:fillRef idx="0">
+              <a:schemeClr val="accent1"/>
+            </a:fillRef>
+            <a:effectRef idx="0">
+              <a:schemeClr val="accent1"/>
+            </a:effectRef>
+            <a:fontRef idx="minor">
+              <a:schemeClr val="tx1"/>
+            </a:fontRef>
+          </p:style>
+        </p:cxnSp>
+        <p:sp>
+          <p:nvSpPr>
+            <p:cNvPr id="47" name="타원 46">
+              <a:extLst>
+                <a:ext uri="{FF2B5EF4-FFF2-40B4-BE49-F238E27FC236}">
+                  <a16:creationId xmlns:a16="http://schemas.microsoft.com/office/drawing/2014/main" id="{1EAB08FA-14E4-4F4C-8164-79C9272F162A}"/>
+                </a:ext>
+              </a:extLst>
+            </p:cNvPr>
+            <p:cNvSpPr/>
+            <p:nvPr/>
+          </p:nvSpPr>
+          <p:spPr>
+            <a:xfrm>
+              <a:off x="6725759" y="2138025"/>
+              <a:ext cx="2056289" cy="501526"/>
+            </a:xfrm>
+            <a:prstGeom prst="ellipse">
+              <a:avLst/>
+            </a:prstGeom>
+            <a:noFill/>
+            <a:ln>
+              <a:prstDash val="sysDot"/>
+            </a:ln>
+          </p:spPr>
+          <p:style>
+            <a:lnRef idx="2">
+              <a:schemeClr val="accent1">
+                <a:shade val="50000"/>
+              </a:schemeClr>
+            </a:lnRef>
+            <a:fillRef idx="1">
+              <a:schemeClr val="accent1"/>
+            </a:fillRef>
+            <a:effectRef idx="0">
+              <a:schemeClr val="accent1"/>
+            </a:effectRef>
+            <a:fontRef idx="minor">
+              <a:schemeClr val="lt1"/>
+            </a:fontRef>
+          </p:style>
+          <p:txBody>
+            <a:bodyPr rtlCol="0" anchor="ctr"/>
+            <a:lstStyle/>
+            <a:p>
+              <a:pPr algn="ctr"/>
+              <a:endParaRPr lang="ko-KR" altLang="en-US"/>
+            </a:p>
+          </p:txBody>
+        </p:sp>
+        <p:cxnSp>
+          <p:nvCxnSpPr>
+            <p:cNvPr id="56" name="직선 연결선 55">
+              <a:extLst>
+                <a:ext uri="{FF2B5EF4-FFF2-40B4-BE49-F238E27FC236}">
+                  <a16:creationId xmlns:a16="http://schemas.microsoft.com/office/drawing/2014/main" id="{D5158097-EDD8-4B1A-A6CE-FF5D93241377}"/>
+                </a:ext>
+              </a:extLst>
+            </p:cNvPr>
+            <p:cNvCxnSpPr>
+              <a:cxnSpLocks/>
+            </p:cNvCxnSpPr>
+            <p:nvPr/>
+          </p:nvCxnSpPr>
+          <p:spPr>
+            <a:xfrm flipH="1" flipV="1">
+              <a:off x="7764362" y="1812213"/>
+              <a:ext cx="306368" cy="185296"/>
+            </a:xfrm>
+            <a:prstGeom prst="line">
+              <a:avLst/>
+            </a:prstGeom>
+            <a:ln>
+              <a:prstDash val="sysDash"/>
+            </a:ln>
+          </p:spPr>
+          <p:style>
+            <a:lnRef idx="1">
+              <a:schemeClr val="accent1"/>
+            </a:lnRef>
+            <a:fillRef idx="0">
+              <a:schemeClr val="accent1"/>
+            </a:fillRef>
+            <a:effectRef idx="0">
+              <a:schemeClr val="accent1"/>
+            </a:effectRef>
+            <a:fontRef idx="minor">
+              <a:schemeClr val="tx1"/>
+            </a:fontRef>
+          </p:style>
+        </p:cxnSp>
+        <p:sp>
+          <p:nvSpPr>
+            <p:cNvPr id="57" name="순서도: 수동 연산 56">
+              <a:extLst>
+                <a:ext uri="{FF2B5EF4-FFF2-40B4-BE49-F238E27FC236}">
+                  <a16:creationId xmlns:a16="http://schemas.microsoft.com/office/drawing/2014/main" id="{3EEEABC7-451F-4627-BD1E-4CCB67D2D7EF}"/>
+                </a:ext>
+              </a:extLst>
+            </p:cNvPr>
+            <p:cNvSpPr/>
+            <p:nvPr/>
+          </p:nvSpPr>
+          <p:spPr>
+            <a:xfrm rot="18275812">
+              <a:off x="7606131" y="1399796"/>
+              <a:ext cx="101600" cy="644046"/>
+            </a:xfrm>
+            <a:prstGeom prst="flowChartManualOperation">
+              <a:avLst/>
+            </a:prstGeom>
+          </p:spPr>
+          <p:style>
+            <a:lnRef idx="2">
+              <a:schemeClr val="accent1">
+                <a:shade val="50000"/>
+              </a:schemeClr>
+            </a:lnRef>
+            <a:fillRef idx="1">
+              <a:schemeClr val="accent1"/>
+            </a:fillRef>
+            <a:effectRef idx="0">
+              <a:schemeClr val="accent1"/>
+            </a:effectRef>
+            <a:fontRef idx="minor">
+              <a:schemeClr val="lt1"/>
+            </a:fontRef>
+          </p:style>
+          <p:txBody>
+            <a:bodyPr rtlCol="0" anchor="ctr"/>
+            <a:lstStyle/>
+            <a:p>
+              <a:pPr algn="ctr"/>
+              <a:endParaRPr lang="ko-KR" altLang="en-US" dirty="0"/>
+            </a:p>
+          </p:txBody>
+        </p:sp>
+        <p:sp>
+          <p:nvSpPr>
+            <p:cNvPr id="34" name="타원 33">
+              <a:extLst>
+                <a:ext uri="{FF2B5EF4-FFF2-40B4-BE49-F238E27FC236}">
+                  <a16:creationId xmlns:a16="http://schemas.microsoft.com/office/drawing/2014/main" id="{32127356-7616-4D85-88FF-AE3EB26B0833}"/>
+                </a:ext>
+              </a:extLst>
+            </p:cNvPr>
+            <p:cNvSpPr/>
+            <p:nvPr/>
+          </p:nvSpPr>
+          <p:spPr>
+            <a:xfrm>
+              <a:off x="8035779" y="1955170"/>
+              <a:ext cx="90818" cy="90818"/>
+            </a:xfrm>
+            <a:prstGeom prst="ellipse">
+              <a:avLst/>
+            </a:prstGeom>
+            <a:solidFill>
+              <a:srgbClr val="FF0000"/>
+            </a:solidFill>
+            <a:ln>
+              <a:noFill/>
+            </a:ln>
+          </p:spPr>
+          <p:style>
+            <a:lnRef idx="2">
+              <a:schemeClr val="accent1">
+                <a:shade val="50000"/>
+              </a:schemeClr>
+            </a:lnRef>
+            <a:fillRef idx="1">
+              <a:schemeClr val="accent1"/>
+            </a:fillRef>
+            <a:effectRef idx="0">
+              <a:schemeClr val="accent1"/>
+            </a:effectRef>
+            <a:fontRef idx="minor">
+              <a:schemeClr val="lt1"/>
+            </a:fontRef>
+          </p:style>
+          <p:txBody>
+            <a:bodyPr rtlCol="0" anchor="ctr"/>
+            <a:lstStyle/>
+            <a:p>
+              <a:pPr algn="ctr"/>
+              <a:endParaRPr lang="ko-KR" altLang="en-US"/>
+            </a:p>
+          </p:txBody>
+        </p:sp>
+        <p:sp>
+          <p:nvSpPr>
+            <p:cNvPr id="59" name="원호 58">
+              <a:extLst>
+                <a:ext uri="{FF2B5EF4-FFF2-40B4-BE49-F238E27FC236}">
+                  <a16:creationId xmlns:a16="http://schemas.microsoft.com/office/drawing/2014/main" id="{F80A0797-88A1-408B-8F30-D05A9CC82CD0}"/>
+                </a:ext>
+              </a:extLst>
+            </p:cNvPr>
+            <p:cNvSpPr/>
+            <p:nvPr/>
+          </p:nvSpPr>
+          <p:spPr>
+            <a:xfrm rot="20820397" flipH="1">
+              <a:off x="7980040" y="1948422"/>
+              <a:ext cx="45719" cy="249781"/>
+            </a:xfrm>
+            <a:prstGeom prst="arc">
+              <a:avLst/>
+            </a:prstGeom>
+          </p:spPr>
+          <p:style>
+            <a:lnRef idx="1">
+              <a:schemeClr val="accent1"/>
+            </a:lnRef>
+            <a:fillRef idx="0">
+              <a:schemeClr val="accent1"/>
+            </a:fillRef>
+            <a:effectRef idx="0">
+              <a:schemeClr val="accent1"/>
+            </a:effectRef>
+            <a:fontRef idx="minor">
+              <a:schemeClr val="tx1"/>
+            </a:fontRef>
+          </p:style>
+          <p:txBody>
+            <a:bodyPr rtlCol="0" anchor="ctr"/>
+            <a:lstStyle/>
+            <a:p>
+              <a:pPr algn="ctr"/>
+              <a:endParaRPr lang="ko-KR" altLang="en-US"/>
+            </a:p>
+          </p:txBody>
+        </p:sp>
+        <p:sp>
+          <p:nvSpPr>
+            <p:cNvPr id="63" name="설명선: 선(테두리 없음) 62">
+              <a:extLst>
+                <a:ext uri="{FF2B5EF4-FFF2-40B4-BE49-F238E27FC236}">
+                  <a16:creationId xmlns:a16="http://schemas.microsoft.com/office/drawing/2014/main" id="{FAA1BD50-6C22-48CD-B614-69270757858F}"/>
+                </a:ext>
+              </a:extLst>
+            </p:cNvPr>
+            <p:cNvSpPr/>
+            <p:nvPr/>
+          </p:nvSpPr>
+          <p:spPr>
+            <a:xfrm>
+              <a:off x="6698103" y="1854502"/>
+              <a:ext cx="1107249" cy="150227"/>
+            </a:xfrm>
+            <a:prstGeom prst="callout1">
+              <a:avLst>
+                <a:gd name="adj1" fmla="val 42801"/>
+                <a:gd name="adj2" fmla="val 90161"/>
+                <a:gd name="adj3" fmla="val 92603"/>
+                <a:gd name="adj4" fmla="val 113603"/>
+              </a:avLst>
+            </a:prstGeom>
+            <a:noFill/>
+            <a:ln w="3175">
+              <a:solidFill>
+                <a:schemeClr val="tx1"/>
+              </a:solidFill>
+            </a:ln>
+          </p:spPr>
+          <p:style>
+            <a:lnRef idx="2">
+              <a:schemeClr val="accent1">
+                <a:shade val="50000"/>
+              </a:schemeClr>
+            </a:lnRef>
+            <a:fillRef idx="1">
+              <a:schemeClr val="accent1"/>
+            </a:fillRef>
+            <a:effectRef idx="0">
+              <a:schemeClr val="accent1"/>
+            </a:effectRef>
+            <a:fontRef idx="minor">
+              <a:schemeClr val="lt1"/>
+            </a:fontRef>
+          </p:style>
+          <p:txBody>
+            <a:bodyPr rtlCol="0" anchor="ctr"/>
+            <a:lstStyle/>
+            <a:p>
+              <a:pPr algn="ctr"/>
+              <a:r>
+                <a:rPr lang="en-US" altLang="ko-KR" sz="1000" dirty="0">
+                  <a:solidFill>
+                    <a:schemeClr val="tx1"/>
+                  </a:solidFill>
+                </a:rPr>
+                <a:t>theta: hit angle</a:t>
+              </a:r>
+              <a:endParaRPr lang="ko-KR" altLang="en-US" sz="1000" dirty="0">
+                <a:solidFill>
+                  <a:schemeClr val="tx1"/>
+                </a:solidFill>
+              </a:endParaRPr>
+            </a:p>
+          </p:txBody>
+        </p:sp>
+        <p:cxnSp>
+          <p:nvCxnSpPr>
+            <p:cNvPr id="99" name="직선 연결선 98">
+              <a:extLst>
+                <a:ext uri="{FF2B5EF4-FFF2-40B4-BE49-F238E27FC236}">
+                  <a16:creationId xmlns:a16="http://schemas.microsoft.com/office/drawing/2014/main" id="{D9027BEF-4BBC-4E37-8C70-C4718643A78D}"/>
+                </a:ext>
+              </a:extLst>
+            </p:cNvPr>
+            <p:cNvCxnSpPr>
+              <a:cxnSpLocks/>
+            </p:cNvCxnSpPr>
+            <p:nvPr/>
+          </p:nvCxnSpPr>
+          <p:spPr>
+            <a:xfrm flipH="1" flipV="1">
+              <a:off x="7578727" y="2523623"/>
+              <a:ext cx="506617" cy="5896"/>
+            </a:xfrm>
+            <a:prstGeom prst="line">
+              <a:avLst/>
+            </a:prstGeom>
+            <a:ln>
+              <a:prstDash val="sysDot"/>
+            </a:ln>
+          </p:spPr>
+          <p:style>
+            <a:lnRef idx="1">
+              <a:schemeClr val="dk1"/>
+            </a:lnRef>
+            <a:fillRef idx="0">
+              <a:schemeClr val="dk1"/>
+            </a:fillRef>
+            <a:effectRef idx="0">
+              <a:schemeClr val="dk1"/>
+            </a:effectRef>
+            <a:fontRef idx="minor">
+              <a:schemeClr val="tx1"/>
+            </a:fontRef>
+          </p:style>
+        </p:cxnSp>
+        <p:cxnSp>
+          <p:nvCxnSpPr>
+            <p:cNvPr id="107" name="직선 화살표 연결선 106">
+              <a:extLst>
+                <a:ext uri="{FF2B5EF4-FFF2-40B4-BE49-F238E27FC236}">
+                  <a16:creationId xmlns:a16="http://schemas.microsoft.com/office/drawing/2014/main" id="{FAF01CB1-440A-494C-BACA-EA4378521AAA}"/>
+                </a:ext>
+              </a:extLst>
+            </p:cNvPr>
+            <p:cNvCxnSpPr/>
+            <p:nvPr/>
+          </p:nvCxnSpPr>
+          <p:spPr>
+            <a:xfrm>
+              <a:off x="7029450" y="1066800"/>
+              <a:ext cx="734912" cy="548503"/>
+            </a:xfrm>
+            <a:prstGeom prst="straightConnector1">
+              <a:avLst/>
+            </a:prstGeom>
+            <a:ln>
+              <a:tailEnd type="triangle"/>
+            </a:ln>
+          </p:spPr>
+          <p:style>
+            <a:lnRef idx="1">
+              <a:schemeClr val="accent1"/>
+            </a:lnRef>
+            <a:fillRef idx="0">
+              <a:schemeClr val="accent1"/>
+            </a:fillRef>
+            <a:effectRef idx="0">
+              <a:schemeClr val="accent1"/>
+            </a:effectRef>
+            <a:fontRef idx="minor">
+              <a:schemeClr val="tx1"/>
+            </a:fontRef>
+          </p:style>
+        </p:cxnSp>
+        <p:sp>
+          <p:nvSpPr>
+            <p:cNvPr id="108" name="TextBox 107">
+              <a:extLst>
+                <a:ext uri="{FF2B5EF4-FFF2-40B4-BE49-F238E27FC236}">
+                  <a16:creationId xmlns:a16="http://schemas.microsoft.com/office/drawing/2014/main" id="{20712280-0CF5-42D0-92F0-087DCC41A207}"/>
+                </a:ext>
+              </a:extLst>
+            </p:cNvPr>
+            <p:cNvSpPr txBox="1"/>
+            <p:nvPr/>
+          </p:nvSpPr>
+          <p:spPr>
+            <a:xfrm>
+              <a:off x="7282044" y="974948"/>
+              <a:ext cx="1050288" cy="246221"/>
+            </a:xfrm>
+            <a:prstGeom prst="rect">
+              <a:avLst/>
+            </a:prstGeom>
+            <a:noFill/>
+          </p:spPr>
+          <p:txBody>
+            <a:bodyPr wrap="none" rtlCol="0">
+              <a:spAutoFit/>
+            </a:bodyPr>
+            <a:lstStyle/>
+            <a:p>
+              <a:r>
+                <a:rPr lang="en-US" altLang="ko-KR" sz="1000" dirty="0"/>
+                <a:t>V: Cue velocity</a:t>
+              </a:r>
+              <a:endParaRPr lang="ko-KR" altLang="en-US" sz="1000" dirty="0"/>
+            </a:p>
+          </p:txBody>
+        </p:sp>
+      </p:grpSp>
+    </p:spTree>
+    <p:extLst>
+      <p:ext uri="{BB962C8B-B14F-4D97-AF65-F5344CB8AC3E}">
+        <p14:creationId xmlns:p14="http://schemas.microsoft.com/office/powerpoint/2010/main" val="828167504"/>
+      </p:ext>
+    </p:extLst>
+  </p:cSld>
+  <p:clrMapOvr>
+    <a:masterClrMapping/>
+  </p:clrMapOvr>
+</p:sld>
+</file>
+
+<file path=ppt/slides/slide7.xml><?xml version="1.0" encoding="utf-8"?>
+<p:sld xmlns:a="http://schemas.openxmlformats.org/drawingml/2006/main" xmlns:r="http://schemas.openxmlformats.org/officeDocument/2006/relationships" xmlns:p="http://schemas.openxmlformats.org/presentationml/2006/main">
+  <p:cSld>
+    <p:spTree>
+      <p:nvGrpSpPr>
+        <p:cNvPr id="1" name=""/>
+        <p:cNvGrpSpPr/>
+        <p:nvPr/>
+      </p:nvGrpSpPr>
+      <p:grpSpPr>
+        <a:xfrm>
+          <a:off x="0" y="0"/>
+          <a:ext cx="0" cy="0"/>
+          <a:chOff x="0" y="0"/>
+          <a:chExt cx="0" cy="0"/>
+        </a:xfrm>
+      </p:grpSpPr>
+      <p:sp>
+        <p:nvSpPr>
+          <p:cNvPr id="5" name="내용 개체 틀 2">
+            <a:extLst>
+              <a:ext uri="{FF2B5EF4-FFF2-40B4-BE49-F238E27FC236}">
+                <a16:creationId xmlns:a16="http://schemas.microsoft.com/office/drawing/2014/main" id="{13B5E621-1015-4F93-A41E-C2E39BB7CE69}"/>
+              </a:ext>
+            </a:extLst>
+          </p:cNvPr>
+          <p:cNvSpPr txBox="1">
+            <a:spLocks/>
+          </p:cNvSpPr>
+          <p:nvPr/>
+        </p:nvSpPr>
+        <p:spPr>
+          <a:xfrm>
+            <a:off x="326051" y="1275442"/>
+            <a:ext cx="7245823" cy="5337603"/>
+          </a:xfrm>
+          <a:prstGeom prst="rect">
+            <a:avLst/>
+          </a:prstGeom>
+        </p:spPr>
+        <p:txBody>
+          <a:bodyPr vert="horz" lIns="91440" tIns="45720" rIns="91440" bIns="45720" rtlCol="0">
+            <a:normAutofit/>
+          </a:bodyPr>
+          <a:lstStyle>
+            <a:lvl1pPr marL="228600" indent="-228600" algn="l" defTabSz="914400" rtl="0" eaLnBrk="1" latinLnBrk="1" hangingPunct="1">
+              <a:lnSpc>
+                <a:spcPct val="90000"/>
+              </a:lnSpc>
+              <a:spcBef>
+                <a:spcPts val="1000"/>
+              </a:spcBef>
+              <a:buFont typeface="Arial"/>
+              <a:buChar char="•"/>
+              <a:defRPr sz="2800" b="0" i="0" kern="1200">
+                <a:solidFill>
+                  <a:schemeClr val="tx1"/>
+                </a:solidFill>
+                <a:latin typeface="Times New Roman 일반체" charset="0"/>
+                <a:ea typeface="Times New Roman 일반체" charset="0"/>
+                <a:cs typeface="+mn-cs"/>
+              </a:defRPr>
+            </a:lvl1pPr>
+            <a:lvl2pPr marL="685800" indent="-228600" algn="l" defTabSz="914400" rtl="0" eaLnBrk="1" latinLnBrk="1" hangingPunct="1">
+              <a:lnSpc>
+                <a:spcPct val="90000"/>
+              </a:lnSpc>
+              <a:spcBef>
+                <a:spcPts val="500"/>
+              </a:spcBef>
+              <a:buFont typeface="Arial"/>
+              <a:buChar char="•"/>
+              <a:defRPr sz="2400" b="0" i="0" kern="1200">
+                <a:solidFill>
+                  <a:schemeClr val="tx1"/>
+                </a:solidFill>
+                <a:latin typeface="Times New Roman 일반체" charset="0"/>
+                <a:ea typeface="Times New Roman 일반체" charset="0"/>
+                <a:cs typeface="+mn-cs"/>
+              </a:defRPr>
+            </a:lvl2pPr>
+            <a:lvl3pPr marL="1143000" indent="-228600" algn="l" defTabSz="914400" rtl="0" eaLnBrk="1" latinLnBrk="1" hangingPunct="1">
+              <a:lnSpc>
+                <a:spcPct val="90000"/>
+              </a:lnSpc>
+              <a:spcBef>
+                <a:spcPts val="500"/>
+              </a:spcBef>
+              <a:buFont typeface="Arial"/>
+              <a:buChar char="•"/>
+              <a:defRPr sz="2000" b="0" i="0" kern="1200">
+                <a:solidFill>
+                  <a:schemeClr val="tx1"/>
+                </a:solidFill>
+                <a:latin typeface="Times New Roman 일반체" charset="0"/>
+                <a:ea typeface="Times New Roman 일반체" charset="0"/>
+                <a:cs typeface="+mn-cs"/>
+              </a:defRPr>
+            </a:lvl3pPr>
+            <a:lvl4pPr marL="1600200" indent="-228600" algn="l" defTabSz="914400" rtl="0" eaLnBrk="1" latinLnBrk="1" hangingPunct="1">
+              <a:lnSpc>
+                <a:spcPct val="90000"/>
+              </a:lnSpc>
+              <a:spcBef>
+                <a:spcPts val="500"/>
+              </a:spcBef>
+              <a:buFont typeface="Arial"/>
+              <a:buChar char="•"/>
+              <a:defRPr sz="1800" b="0" i="0" kern="1200">
+                <a:solidFill>
+                  <a:schemeClr val="tx1"/>
+                </a:solidFill>
+                <a:latin typeface="Times New Roman 일반체" charset="0"/>
+                <a:ea typeface="Times New Roman 일반체" charset="0"/>
+                <a:cs typeface="+mn-cs"/>
+              </a:defRPr>
+            </a:lvl4pPr>
+            <a:lvl5pPr marL="2057400" indent="-228600" algn="l" defTabSz="914400" rtl="0" eaLnBrk="1" latinLnBrk="1" hangingPunct="1">
+              <a:lnSpc>
+                <a:spcPct val="90000"/>
+              </a:lnSpc>
+              <a:spcBef>
+                <a:spcPts val="500"/>
+              </a:spcBef>
+              <a:buFont typeface="Arial"/>
+              <a:buChar char="•"/>
+              <a:defRPr sz="1800" b="0" i="0" kern="1200">
+                <a:solidFill>
+                  <a:schemeClr val="tx1"/>
+                </a:solidFill>
+                <a:latin typeface="Times New Roman 일반체" charset="0"/>
+                <a:ea typeface="Times New Roman 일반체" charset="0"/>
+                <a:cs typeface="+mn-cs"/>
+              </a:defRPr>
+            </a:lvl5pPr>
+            <a:lvl6pPr marL="2514600" indent="-228600" algn="l" defTabSz="914400" rtl="0" eaLnBrk="1" latinLnBrk="1" hangingPunct="1">
+              <a:lnSpc>
+                <a:spcPct val="90000"/>
+              </a:lnSpc>
+              <a:spcBef>
+                <a:spcPts val="500"/>
+              </a:spcBef>
+              <a:buFont typeface="Arial"/>
+              <a:buChar char="•"/>
+              <a:defRPr sz="1800" kern="1200">
+                <a:solidFill>
+                  <a:schemeClr val="tx1"/>
+                </a:solidFill>
+                <a:latin typeface="+mn-lt"/>
+                <a:ea typeface="+mn-ea"/>
+                <a:cs typeface="+mn-cs"/>
+              </a:defRPr>
+            </a:lvl6pPr>
+            <a:lvl7pPr marL="2971800" indent="-228600" algn="l" defTabSz="914400" rtl="0" eaLnBrk="1" latinLnBrk="1" hangingPunct="1">
+              <a:lnSpc>
+                <a:spcPct val="90000"/>
+              </a:lnSpc>
+              <a:spcBef>
+                <a:spcPts val="500"/>
+              </a:spcBef>
+              <a:buFont typeface="Arial"/>
+              <a:buChar char="•"/>
+              <a:defRPr sz="1800" kern="1200">
+                <a:solidFill>
+                  <a:schemeClr val="tx1"/>
+                </a:solidFill>
+                <a:latin typeface="+mn-lt"/>
+                <a:ea typeface="+mn-ea"/>
+                <a:cs typeface="+mn-cs"/>
+              </a:defRPr>
+            </a:lvl7pPr>
+            <a:lvl8pPr marL="3429000" indent="-228600" algn="l" defTabSz="914400" rtl="0" eaLnBrk="1" latinLnBrk="1" hangingPunct="1">
+              <a:lnSpc>
+                <a:spcPct val="90000"/>
+              </a:lnSpc>
+              <a:spcBef>
+                <a:spcPts val="500"/>
+              </a:spcBef>
+              <a:buFont typeface="Arial"/>
+              <a:buChar char="•"/>
+              <a:defRPr sz="1800" kern="1200">
+                <a:solidFill>
+                  <a:schemeClr val="tx1"/>
+                </a:solidFill>
+                <a:latin typeface="+mn-lt"/>
+                <a:ea typeface="+mn-ea"/>
+                <a:cs typeface="+mn-cs"/>
+              </a:defRPr>
+            </a:lvl8pPr>
+            <a:lvl9pPr marL="3886200" indent="-228600" algn="l" defTabSz="914400" rtl="0" eaLnBrk="1" latinLnBrk="1" hangingPunct="1">
+              <a:lnSpc>
+                <a:spcPct val="90000"/>
+              </a:lnSpc>
+              <a:spcBef>
+                <a:spcPts val="500"/>
+              </a:spcBef>
+              <a:buFont typeface="Arial"/>
+              <a:buChar char="•"/>
+              <a:defRPr sz="1800" kern="1200">
+                <a:solidFill>
+                  <a:schemeClr val="tx1"/>
+                </a:solidFill>
+                <a:latin typeface="+mn-lt"/>
+                <a:ea typeface="+mn-ea"/>
+                <a:cs typeface="+mn-cs"/>
+              </a:defRPr>
+            </a:lvl9pPr>
+          </a:lstStyle>
+          <a:p>
+            <a:r>
+              <a:rPr kumimoji="1" lang="en-US" altLang="ko-KR" sz="2400" b="1" dirty="0"/>
+              <a:t>Constants</a:t>
+            </a:r>
+          </a:p>
+          <a:p>
+            <a:pPr lvl="1"/>
+            <a:r>
+              <a:rPr kumimoji="1" lang="en-US" altLang="ko-KR" sz="2000" b="1" dirty="0"/>
+              <a:t>Physical Constants</a:t>
+            </a:r>
+          </a:p>
+          <a:p>
+            <a:pPr lvl="2">
+              <a:buFontTx/>
+              <a:buChar char="-"/>
+            </a:pPr>
+            <a:r>
+              <a:rPr kumimoji="1" lang="en-US" altLang="ko-KR" sz="1600" b="1" dirty="0"/>
+              <a:t>fs / </a:t>
+            </a:r>
+            <a:r>
+              <a:rPr kumimoji="1" lang="en-US" altLang="ko-KR" sz="1600" b="1" dirty="0" err="1"/>
+              <a:t>fr</a:t>
+            </a:r>
+            <a:r>
+              <a:rPr kumimoji="1" lang="en-US" altLang="ko-KR" sz="1600" b="1" dirty="0"/>
+              <a:t> / </a:t>
+            </a:r>
+            <a:r>
+              <a:rPr kumimoji="1" lang="en-US" altLang="ko-KR" sz="1600" b="1" dirty="0" err="1"/>
+              <a:t>fsp</a:t>
+            </a:r>
+            <a:r>
+              <a:rPr kumimoji="1" lang="en-US" altLang="ko-KR" sz="1600" b="1" dirty="0"/>
+              <a:t> : Coefficient of [sliding/rolling/spin] friction</a:t>
+            </a:r>
+          </a:p>
+          <a:p>
+            <a:pPr lvl="2">
+              <a:buFontTx/>
+              <a:buChar char="-"/>
+            </a:pPr>
+            <a:r>
+              <a:rPr kumimoji="1" lang="en-US" altLang="ko-KR" sz="1600" b="1" dirty="0"/>
+              <a:t>G : Gravitational acceleration</a:t>
+            </a:r>
+          </a:p>
+          <a:p>
+            <a:pPr lvl="1"/>
+            <a:r>
+              <a:rPr kumimoji="1" lang="en-US" altLang="ko-KR" sz="2000" b="1" dirty="0"/>
+              <a:t>Billiard Properties</a:t>
+            </a:r>
+          </a:p>
+          <a:p>
+            <a:pPr lvl="2">
+              <a:buFontTx/>
+              <a:buChar char="-"/>
+            </a:pPr>
+            <a:r>
+              <a:rPr kumimoji="1" lang="en-US" altLang="ko-KR" sz="1600" b="1" dirty="0"/>
+              <a:t>LX / LY : The size of billiard table</a:t>
+            </a:r>
+          </a:p>
+          <a:p>
+            <a:pPr lvl="2">
+              <a:buFontTx/>
+              <a:buChar char="-"/>
+            </a:pPr>
+            <a:r>
+              <a:rPr kumimoji="1" lang="en-US" altLang="ko-KR" sz="1600" b="1" dirty="0"/>
+              <a:t>Mc : The mass of cue</a:t>
+            </a:r>
+          </a:p>
+          <a:p>
+            <a:pPr lvl="2">
+              <a:buFontTx/>
+              <a:buChar char="-"/>
+            </a:pPr>
+            <a:r>
+              <a:rPr kumimoji="1" lang="en-US" altLang="ko-KR" sz="1600" b="1" dirty="0"/>
+              <a:t>Rb / Mb / </a:t>
+            </a:r>
+            <a:r>
+              <a:rPr kumimoji="1" lang="en-US" altLang="ko-KR" sz="1600" b="1" dirty="0" err="1"/>
+              <a:t>Ib</a:t>
+            </a:r>
+            <a:r>
+              <a:rPr kumimoji="1" lang="en-US" altLang="ko-KR" sz="1600" b="1" dirty="0"/>
+              <a:t> : The [radius / mass / moment of inertia] of the ball</a:t>
+            </a:r>
+          </a:p>
+          <a:p>
+            <a:pPr lvl="1"/>
+            <a:r>
+              <a:rPr kumimoji="1" lang="en-US" altLang="ko-KR" sz="2000" b="1" dirty="0"/>
+              <a:t>Others</a:t>
+            </a:r>
+          </a:p>
+          <a:p>
+            <a:pPr lvl="2">
+              <a:buFontTx/>
+              <a:buChar char="-"/>
+            </a:pPr>
+            <a:r>
+              <a:rPr kumimoji="1" lang="en-US" altLang="ko-KR" sz="1600" b="1" dirty="0" err="1"/>
+              <a:t>tc</a:t>
+            </a:r>
+            <a:r>
+              <a:rPr kumimoji="1" lang="en-US" altLang="ko-KR" sz="1600" b="1" dirty="0"/>
+              <a:t> : Cue-ball collision time</a:t>
+            </a:r>
+          </a:p>
+          <a:p>
+            <a:pPr lvl="2">
+              <a:buFontTx/>
+              <a:buChar char="-"/>
+            </a:pPr>
+            <a:r>
+              <a:rPr kumimoji="1" lang="en-US" altLang="ko-KR" sz="1600" b="1" dirty="0"/>
+              <a:t>dt : Time difference</a:t>
+            </a:r>
+          </a:p>
+          <a:p>
+            <a:pPr marL="0" indent="0">
+              <a:buNone/>
+            </a:pPr>
+            <a:endParaRPr kumimoji="1" lang="en-US" altLang="ko-KR" dirty="0"/>
+          </a:p>
+          <a:p>
+            <a:pPr>
+              <a:buFont typeface="Wingdings" charset="2"/>
+              <a:buChar char="Ø"/>
+            </a:pPr>
+            <a:endParaRPr kumimoji="1" lang="en-US" altLang="ko-KR" dirty="0"/>
+          </a:p>
+        </p:txBody>
+      </p:sp>
+    </p:spTree>
+    <p:extLst>
+      <p:ext uri="{BB962C8B-B14F-4D97-AF65-F5344CB8AC3E}">
+        <p14:creationId xmlns:p14="http://schemas.microsoft.com/office/powerpoint/2010/main" val="868244929"/>
+      </p:ext>
+    </p:extLst>
+  </p:cSld>
+  <p:clrMapOvr>
+    <a:masterClrMapping/>
+  </p:clrMapOvr>
+</p:sld>
+</file>
+
+<file path=ppt/slides/slide8.xml><?xml version="1.0" encoding="utf-8"?>
 <p:sld xmlns:a="http://schemas.openxmlformats.org/drawingml/2006/main" xmlns:r="http://schemas.openxmlformats.org/officeDocument/2006/relationships" xmlns:p="http://schemas.openxmlformats.org/presentationml/2006/main">
   <p:cSld>
     <p:spTree>
@@ -5719,30 +10098,24 @@
           <a:lstStyle/>
           <a:p>
             <a:r>
-              <a:rPr kumimoji="1" lang="ko-KR" altLang="en-US" dirty="0" smtClean="0">
+              <a:rPr kumimoji="1" lang="ko-KR" altLang="en-US" dirty="0">
                 <a:cs typeface="Times New Roman 일반체" charset="0"/>
               </a:rPr>
               <a:t> </a:t>
             </a:r>
-            <a:r>
-              <a:rPr kumimoji="1" lang="en-US" altLang="ko-KR" dirty="0" smtClean="0">
-                <a:cs typeface="Times New Roman 일반체" charset="0"/>
-              </a:rPr>
-              <a:t/>
-            </a:r>
             <a:br>
-              <a:rPr kumimoji="1" lang="en-US" altLang="ko-KR" dirty="0" smtClean="0">
+              <a:rPr kumimoji="1" lang="en-US" altLang="ko-KR" dirty="0">
                 <a:cs typeface="Times New Roman 일반체" charset="0"/>
               </a:rPr>
             </a:br>
             <a:r>
-              <a:rPr kumimoji="1" lang="en-US" altLang="ko-KR" dirty="0" smtClean="0">
+              <a:rPr kumimoji="1" lang="en-US" altLang="ko-KR" dirty="0">
                 <a:cs typeface="Times New Roman 일반체" charset="0"/>
               </a:rPr>
               <a:t> </a:t>
             </a:r>
             <a:r>
-              <a:rPr lang="en-US" altLang="ko-KR" sz="4900" dirty="0" smtClean="0"/>
+              <a:rPr lang="en-US" altLang="ko-KR" sz="4900" dirty="0"/>
               <a:t>Thank you</a:t>
             </a:r>
             <a:endParaRPr kumimoji="1" lang="ko-KR" altLang="en-US" sz="4900" dirty="0">
@@ -5774,38 +10147,26 @@
           <a:lstStyle/>
           <a:p>
             <a:r>
-              <a:rPr kumimoji="1" lang="en-US" altLang="ko-KR" sz="2000" dirty="0" err="1" smtClean="0">
+              <a:rPr kumimoji="1" lang="en-US" altLang="ko-KR" sz="2000" dirty="0" err="1">
                 <a:cs typeface="Times New Roman 일반체" charset="0"/>
               </a:rPr>
               <a:t>Interm</a:t>
             </a:r>
             <a:r>
-              <a:rPr kumimoji="1" lang="en-US" altLang="ko-KR" sz="2000" dirty="0" smtClean="0">
-                <a:cs typeface="Times New Roman 일반체" charset="0"/>
-              </a:rPr>
-              <a:t> </a:t>
-            </a:r>
-            <a:r>
               <a:rPr kumimoji="1" lang="en-US" altLang="ko-KR" sz="2000" dirty="0">
                 <a:cs typeface="Times New Roman 일반체" charset="0"/>
               </a:rPr>
-              <a:t>report </a:t>
-            </a:r>
-            <a:r>
-              <a:rPr kumimoji="1" lang="en-US" altLang="ko-KR" sz="2000" dirty="0" smtClean="0">
-                <a:cs typeface="Times New Roman 일반체" charset="0"/>
-              </a:rPr>
-              <a:t>presentation</a:t>
-            </a:r>
-          </a:p>
-          <a:p>
-            <a:endParaRPr kumimoji="1" lang="en-US" altLang="ko-KR" sz="2000" dirty="0" smtClean="0">
+              <a:t> report presentation</a:t>
+            </a:r>
+          </a:p>
+          <a:p>
+            <a:endParaRPr kumimoji="1" lang="en-US" altLang="ko-KR" sz="2000" dirty="0">
               <a:cs typeface="Times New Roman 일반체" charset="0"/>
             </a:endParaRPr>
           </a:p>
           <a:p>
             <a:r>
-              <a:rPr kumimoji="1" lang="en-US" altLang="ko-KR" sz="2000" b="1" dirty="0" smtClean="0">
+              <a:rPr kumimoji="1" lang="en-US" altLang="ko-KR" sz="2000" b="1" dirty="0">
                 <a:cs typeface="Times New Roman 일반체" charset="0"/>
               </a:rPr>
               <a:t>-</a:t>
@@ -5820,38 +10181,29 @@
               <a:rPr kumimoji="1" lang="en-US" altLang="ko-KR" sz="2000" b="1" dirty="0">
                 <a:cs typeface="Times New Roman 일반체" charset="0"/>
               </a:rPr>
-              <a:t> </a:t>
-            </a:r>
-            <a:r>
-              <a:rPr kumimoji="1" lang="en-US" altLang="ko-KR" sz="2000" b="1" dirty="0" smtClean="0">
-                <a:cs typeface="Times New Roman 일반체" charset="0"/>
-              </a:rPr>
-              <a:t>Kim, </a:t>
-            </a:r>
-            <a:r>
-              <a:rPr kumimoji="1" lang="en-US" altLang="ko-KR" sz="2000" b="1" dirty="0" err="1" smtClean="0">
+              <a:t> Kim, </a:t>
+            </a:r>
+            <a:r>
+              <a:rPr kumimoji="1" lang="en-US" altLang="ko-KR" sz="2000" b="1" dirty="0" err="1">
                 <a:cs typeface="Times New Roman 일반체" charset="0"/>
               </a:rPr>
               <a:t>DongHa</a:t>
             </a:r>
             <a:r>
-              <a:rPr kumimoji="1" lang="en-US" altLang="ko-KR" sz="2000" b="1" dirty="0" smtClean="0">
+              <a:rPr kumimoji="1" lang="en-US" altLang="ko-KR" sz="2000" b="1" dirty="0">
                 <a:cs typeface="Times New Roman 일반체" charset="0"/>
               </a:rPr>
               <a:t> Yoon-</a:t>
             </a:r>
+          </a:p>
+          <a:p>
             <a:endParaRPr kumimoji="1" lang="en-US" altLang="ko-KR" sz="2000" b="1" dirty="0">
               <a:cs typeface="Times New Roman 일반체" charset="0"/>
             </a:endParaRPr>
           </a:p>
           <a:p>
-            <a:endParaRPr kumimoji="1" lang="en-US" altLang="ko-KR" sz="2000" b="1" dirty="0">
-              <a:cs typeface="Times New Roman 일반체" charset="0"/>
-            </a:endParaRPr>
-          </a:p>
-          <a:p>
-            <a:r>
-              <a:rPr kumimoji="1" lang="en-US" altLang="ko-KR" sz="2000" dirty="0" smtClean="0">
+            <a:r>
+              <a:rPr kumimoji="1" lang="en-US" altLang="ko-KR" sz="2000" dirty="0">
                 <a:cs typeface="Times New Roman 일반체" charset="0"/>
               </a:rPr>
               <a:t>2020.11.26</a:t>
@@ -5867,7 +10219,7 @@
           <p:cNvPr id="5" name="그림 4">
             <a:extLst>
               <a:ext uri="{FF2B5EF4-FFF2-40B4-BE49-F238E27FC236}">
-                <a16:creationId xmlns="" xmlns:a16="http://schemas.microsoft.com/office/drawing/2014/main" id="{5C436865-5DCC-4FDC-82D7-4A3F6487AD83}"/>
+                <a16:creationId xmlns:a16="http://schemas.microsoft.com/office/drawing/2014/main" id="{5C436865-5DCC-4FDC-82D7-4A3F6487AD83}"/>
               </a:ext>
             </a:extLst>
           </p:cNvPr>
@@ -5908,13 +10260,6 @@
   <p:clrMapOvr>
     <a:masterClrMapping/>
   </p:clrMapOvr>
-  <p:timing>
-    <p:tnLst>
-      <p:par>
-        <p:cTn id="1" dur="indefinite" restart="never" nodeType="tmRoot"/>
-      </p:par>
-    </p:tnLst>
-  </p:timing>
 </p:sld>
 </file>
 
